--- a/trunk/slides/KeyStone ARM Overview.pptx
+++ b/trunk/slides/KeyStone ARM Overview.pptx
@@ -53,7 +53,7 @@
     <p:sldId id="888" r:id="rId45"/>
     <p:sldId id="889" r:id="rId46"/>
     <p:sldId id="890" r:id="rId47"/>
-    <p:sldId id="891" r:id="rId48"/>
+    <p:sldId id="939" r:id="rId48"/>
     <p:sldId id="892" r:id="rId49"/>
     <p:sldId id="920" r:id="rId50"/>
     <p:sldId id="916" r:id="rId51"/>
@@ -327,7 +327,7 @@
               <a:pPr>
                 <a:defRPr/>
               </a:pPr>
-              <a:t>2/21/2013</a:t>
+              <a:t>3/11/2013</a:t>
             </a:fld>
             <a:endParaRPr lang="en-US" dirty="0"/>
           </a:p>
@@ -1310,23 +1310,7 @@
           <a:p>
             <a:r>
               <a:rPr lang="en-US" dirty="0" smtClean="0"/>
-              <a:t>Stream is defined to use data arrays sized larger than SoC caches so the benefit of large L2 is ignored. Stream</a:t>
-            </a:r>
-            <a:r>
-              <a:rPr lang="en-US" baseline="0" dirty="0" smtClean="0"/>
-              <a:t> exercises the number of outstanding loads and stores, and the write through (or streaming) mode of the L2 cache.</a:t>
-            </a:r>
-          </a:p>
-          <a:p>
-            <a:r>
-              <a:rPr lang="en-US" baseline="0" dirty="0" smtClean="0"/>
-              <a:t>The formula to calculate external memory bandwidth accounts for read and write in copy and scale, and two reads and write in add and triad. The extra read that a write-allocate cache needs is not included in the formula, and turning of the streaming/write-through will significantly drop the results. But code like this is why the streaming mode is there.</a:t>
-            </a:r>
-          </a:p>
-          <a:p>
-            <a:r>
-              <a:rPr lang="en-US" baseline="0" dirty="0" smtClean="0"/>
-              <a:t>Memory location of arrays is critical, maximum number of open DDR pages (sized 8kB) per DDR rank required. Linux page tables with 4kB pages with normal setup results in linear virtual memory being pseudorandom in physical space is close to optimal for stream.</a:t>
+              <a:t>Wh</a:t>
             </a:r>
             <a:endParaRPr lang="en-US" dirty="0"/>
           </a:p>
@@ -1347,10 +1331,15 @@
           <a:bodyPr/>
           <a:lstStyle/>
           <a:p>
-            <a:fld id="{9295E5E2-942B-4086-8EFE-9DF4A2A8CF3E}" type="slidenum">
+            <a:pPr>
+              <a:defRPr/>
+            </a:pPr>
+            <a:fld id="{9AF68C97-DBEA-40B2-91B6-F690EAC6BBD6}" type="slidenum">
               <a:rPr lang="en-US" smtClean="0"/>
-              <a:pPr/>
-              <a:t>43</a:t>
+              <a:pPr>
+                <a:defRPr/>
+              </a:pPr>
+              <a:t>45</a:t>
             </a:fld>
             <a:endParaRPr lang="en-US" dirty="0"/>
           </a:p>
@@ -1412,7 +1401,7 @@
           <a:p>
             <a:r>
               <a:rPr lang="en-US" dirty="0" smtClean="0"/>
-              <a:t>Wh</a:t>
+              <a:t>Distribution and CPU interface</a:t>
             </a:r>
             <a:endParaRPr lang="en-US" dirty="0"/>
           </a:p>
@@ -1441,7 +1430,7 @@
               <a:pPr>
                 <a:defRPr/>
               </a:pPr>
-              <a:t>45</a:t>
+              <a:t>46</a:t>
             </a:fld>
             <a:endParaRPr lang="en-US" dirty="0"/>
           </a:p>
@@ -1501,10 +1490,6 @@
           </a:bodyPr>
           <a:lstStyle/>
           <a:p>
-            <a:r>
-              <a:rPr lang="en-US" dirty="0" smtClean="0"/>
-              <a:t>Distribution and CPU interface</a:t>
-            </a:r>
             <a:endParaRPr lang="en-US" dirty="0"/>
           </a:p>
         </p:txBody>
@@ -1532,7 +1517,7 @@
               <a:pPr>
                 <a:defRPr/>
               </a:pPr>
-              <a:t>46</a:t>
+              <a:t>47</a:t>
             </a:fld>
             <a:endParaRPr lang="en-US" dirty="0"/>
           </a:p>
@@ -1619,7 +1604,7 @@
               <a:pPr>
                 <a:defRPr/>
               </a:pPr>
-              <a:t>47</a:t>
+              <a:t>48</a:t>
             </a:fld>
             <a:endParaRPr lang="en-US" dirty="0"/>
           </a:p>
@@ -1698,15 +1683,10 @@
           <a:bodyPr/>
           <a:lstStyle/>
           <a:p>
-            <a:pPr>
-              <a:defRPr/>
-            </a:pPr>
-            <a:fld id="{9AF68C97-DBEA-40B2-91B6-F690EAC6BBD6}" type="slidenum">
+            <a:fld id="{9295E5E2-942B-4086-8EFE-9DF4A2A8CF3E}" type="slidenum">
               <a:rPr lang="en-US" smtClean="0"/>
-              <a:pPr>
-                <a:defRPr/>
-              </a:pPr>
-              <a:t>48</a:t>
+              <a:pPr/>
+              <a:t>51</a:t>
             </a:fld>
             <a:endParaRPr lang="en-US" dirty="0"/>
           </a:p>
@@ -1766,6 +1746,14 @@
           </a:bodyPr>
           <a:lstStyle/>
           <a:p>
+            <a:r>
+              <a:rPr lang="en-US" dirty="0" smtClean="0"/>
+              <a:t>Depending on the transistor</a:t>
+            </a:r>
+            <a:r>
+              <a:rPr lang="en-US" baseline="0" dirty="0" smtClean="0"/>
+              <a:t> temperature, static power (leakage) is ½ to 2/3 of total power. Dynamic power scales with clock speed, static does not.</a:t>
+            </a:r>
             <a:endParaRPr lang="en-US" dirty="0"/>
           </a:p>
         </p:txBody>
@@ -1788,7 +1776,7 @@
             <a:fld id="{9295E5E2-942B-4086-8EFE-9DF4A2A8CF3E}" type="slidenum">
               <a:rPr lang="en-US" smtClean="0"/>
               <a:pPr/>
-              <a:t>51</a:t>
+              <a:t>52</a:t>
             </a:fld>
             <a:endParaRPr lang="en-US" dirty="0"/>
           </a:p>
@@ -1848,14 +1836,6 @@
           </a:bodyPr>
           <a:lstStyle/>
           <a:p>
-            <a:r>
-              <a:rPr lang="en-US" dirty="0" smtClean="0"/>
-              <a:t>Depending on the transistor</a:t>
-            </a:r>
-            <a:r>
-              <a:rPr lang="en-US" baseline="0" dirty="0" smtClean="0"/>
-              <a:t> temperature, static power (leakage) is ½ to 2/3 of total power. Dynamic power scales with clock speed, static does not.</a:t>
-            </a:r>
             <a:endParaRPr lang="en-US" dirty="0"/>
           </a:p>
         </p:txBody>
@@ -1875,10 +1855,10 @@
           <a:bodyPr/>
           <a:lstStyle/>
           <a:p>
-            <a:fld id="{9295E5E2-942B-4086-8EFE-9DF4A2A8CF3E}" type="slidenum">
+            <a:fld id="{5A66AFF2-6912-47BF-8417-4BCCFAB39D19}" type="slidenum">
               <a:rPr lang="en-US" smtClean="0"/>
               <a:pPr/>
-              <a:t>52</a:t>
+              <a:t>53</a:t>
             </a:fld>
             <a:endParaRPr lang="en-US" dirty="0"/>
           </a:p>
@@ -1957,10 +1937,10 @@
           <a:bodyPr/>
           <a:lstStyle/>
           <a:p>
-            <a:fld id="{5A66AFF2-6912-47BF-8417-4BCCFAB39D19}" type="slidenum">
+            <a:fld id="{9295E5E2-942B-4086-8EFE-9DF4A2A8CF3E}" type="slidenum">
               <a:rPr lang="en-US" smtClean="0"/>
               <a:pPr/>
-              <a:t>53</a:t>
+              <a:t>54</a:t>
             </a:fld>
             <a:endParaRPr lang="en-US" dirty="0"/>
           </a:p>
@@ -2223,7 +2203,7 @@
             <a:fld id="{9295E5E2-942B-4086-8EFE-9DF4A2A8CF3E}" type="slidenum">
               <a:rPr lang="en-US" smtClean="0"/>
               <a:pPr/>
-              <a:t>54</a:t>
+              <a:t>55</a:t>
             </a:fld>
             <a:endParaRPr lang="en-US" dirty="0"/>
           </a:p>
@@ -2305,7 +2285,7 @@
             <a:fld id="{9295E5E2-942B-4086-8EFE-9DF4A2A8CF3E}" type="slidenum">
               <a:rPr lang="en-US" smtClean="0"/>
               <a:pPr/>
-              <a:t>55</a:t>
+              <a:t>57</a:t>
             </a:fld>
             <a:endParaRPr lang="en-US" dirty="0"/>
           </a:p>
@@ -2387,7 +2367,7 @@
             <a:fld id="{9295E5E2-942B-4086-8EFE-9DF4A2A8CF3E}" type="slidenum">
               <a:rPr lang="en-US" smtClean="0"/>
               <a:pPr/>
-              <a:t>57</a:t>
+              <a:t>58</a:t>
             </a:fld>
             <a:endParaRPr lang="en-US" dirty="0"/>
           </a:p>
@@ -2469,7 +2449,7 @@
             <a:fld id="{9295E5E2-942B-4086-8EFE-9DF4A2A8CF3E}" type="slidenum">
               <a:rPr lang="en-US" smtClean="0"/>
               <a:pPr/>
-              <a:t>58</a:t>
+              <a:t>60</a:t>
             </a:fld>
             <a:endParaRPr lang="en-US" dirty="0"/>
           </a:p>
@@ -2529,6 +2509,10 @@
           </a:bodyPr>
           <a:lstStyle/>
           <a:p>
+            <a:r>
+              <a:rPr lang="en-US" dirty="0" smtClean="0"/>
+              <a:t>ECT   - Embedded Cross Triggering</a:t>
+            </a:r>
             <a:endParaRPr lang="en-US" dirty="0"/>
           </a:p>
         </p:txBody>
@@ -2551,7 +2535,7 @@
             <a:fld id="{9295E5E2-942B-4086-8EFE-9DF4A2A8CF3E}" type="slidenum">
               <a:rPr lang="en-US" smtClean="0"/>
               <a:pPr/>
-              <a:t>60</a:t>
+              <a:t>61</a:t>
             </a:fld>
             <a:endParaRPr lang="en-US" dirty="0"/>
           </a:p>
@@ -2611,10 +2595,6 @@
           </a:bodyPr>
           <a:lstStyle/>
           <a:p>
-            <a:r>
-              <a:rPr lang="en-US" dirty="0" smtClean="0"/>
-              <a:t>ECT   - Embedded Cross Triggering</a:t>
-            </a:r>
             <a:endParaRPr lang="en-US" dirty="0"/>
           </a:p>
         </p:txBody>
@@ -2637,7 +2617,7 @@
             <a:fld id="{9295E5E2-942B-4086-8EFE-9DF4A2A8CF3E}" type="slidenum">
               <a:rPr lang="en-US" smtClean="0"/>
               <a:pPr/>
-              <a:t>61</a:t>
+              <a:t>62</a:t>
             </a:fld>
             <a:endParaRPr lang="en-US" dirty="0"/>
           </a:p>
@@ -2719,7 +2699,7 @@
             <a:fld id="{9295E5E2-942B-4086-8EFE-9DF4A2A8CF3E}" type="slidenum">
               <a:rPr lang="en-US" smtClean="0"/>
               <a:pPr/>
-              <a:t>62</a:t>
+              <a:t>63</a:t>
             </a:fld>
             <a:endParaRPr lang="en-US" dirty="0"/>
           </a:p>
@@ -2779,6 +2759,37 @@
           </a:bodyPr>
           <a:lstStyle/>
           <a:p>
+            <a:r>
+              <a:rPr lang="en-US" dirty="0" smtClean="0"/>
+              <a:t>Yellow area is the standard quad A15 MPCore with 4MB of shared coherent cache, each core is</a:t>
+            </a:r>
+            <a:r>
+              <a:rPr lang="en-US" baseline="0" dirty="0" smtClean="0"/>
+              <a:t> in its own power switched domain and the MPCore with L2 cache is in a further power switched domain</a:t>
+            </a:r>
+            <a:endParaRPr lang="en-US" dirty="0" smtClean="0"/>
+          </a:p>
+          <a:p>
+            <a:r>
+              <a:rPr lang="en-US" dirty="0" smtClean="0"/>
+              <a:t>GIC-400 is the standard interrupt controller from ARM</a:t>
+            </a:r>
+          </a:p>
+          <a:p>
+            <a:r>
+              <a:rPr lang="en-US" dirty="0" smtClean="0"/>
+              <a:t>The</a:t>
+            </a:r>
+            <a:r>
+              <a:rPr lang="en-US" baseline="0" dirty="0" smtClean="0"/>
+              <a:t> path the cores and caches do memory reads and writes goes through Eagles Nest to MSMC. Snooping by MSMC use this path as well</a:t>
+            </a:r>
+          </a:p>
+          <a:p>
+            <a:r>
+              <a:rPr lang="en-US" baseline="0" dirty="0" smtClean="0"/>
+              <a:t>The rest of the interfaces are related to clocking, debugging, tracing, and production testing.</a:t>
+            </a:r>
             <a:endParaRPr lang="en-US" dirty="0"/>
           </a:p>
         </p:txBody>
@@ -2801,7 +2812,7 @@
             <a:fld id="{9295E5E2-942B-4086-8EFE-9DF4A2A8CF3E}" type="slidenum">
               <a:rPr lang="en-US" smtClean="0"/>
               <a:pPr/>
-              <a:t>63</a:t>
+              <a:t>64</a:t>
             </a:fld>
             <a:endParaRPr lang="en-US" dirty="0"/>
           </a:p>
@@ -2816,119 +2827,6 @@
 </file>
 
 <file path=ppt/notesSlides/notesSlide28.xml><?xml version="1.0" encoding="utf-8"?>
-<p:notes xmlns:a="http://schemas.openxmlformats.org/drawingml/2006/main" xmlns:r="http://schemas.openxmlformats.org/officeDocument/2006/relationships" xmlns:p="http://schemas.openxmlformats.org/presentationml/2006/main">
-  <p:cSld>
-    <p:spTree>
-      <p:nvGrpSpPr>
-        <p:cNvPr id="1" name=""/>
-        <p:cNvGrpSpPr/>
-        <p:nvPr/>
-      </p:nvGrpSpPr>
-      <p:grpSpPr>
-        <a:xfrm>
-          <a:off x="0" y="0"/>
-          <a:ext cx="0" cy="0"/>
-          <a:chOff x="0" y="0"/>
-          <a:chExt cx="0" cy="0"/>
-        </a:xfrm>
-      </p:grpSpPr>
-      <p:sp>
-        <p:nvSpPr>
-          <p:cNvPr id="2" name="Slide Image Placeholder 1"/>
-          <p:cNvSpPr>
-            <a:spLocks noGrp="1" noRot="1" noChangeAspect="1"/>
-          </p:cNvSpPr>
-          <p:nvPr>
-            <p:ph type="sldImg"/>
-          </p:nvPr>
-        </p:nvSpPr>
-        <p:spPr/>
-      </p:sp>
-      <p:sp>
-        <p:nvSpPr>
-          <p:cNvPr id="3" name="Notes Placeholder 2"/>
-          <p:cNvSpPr>
-            <a:spLocks noGrp="1"/>
-          </p:cNvSpPr>
-          <p:nvPr>
-            <p:ph type="body" idx="1"/>
-          </p:nvPr>
-        </p:nvSpPr>
-        <p:spPr/>
-        <p:txBody>
-          <a:bodyPr>
-            <a:normAutofit/>
-          </a:bodyPr>
-          <a:lstStyle/>
-          <a:p>
-            <a:r>
-              <a:rPr lang="en-US" dirty="0" smtClean="0"/>
-              <a:t>Yellow area is the standard quad A15 MPCore with 4MB of shared coherent cache, each core is</a:t>
-            </a:r>
-            <a:r>
-              <a:rPr lang="en-US" baseline="0" dirty="0" smtClean="0"/>
-              <a:t> in its own power switched domain and the MPCore with L2 cache is in a further power switched domain</a:t>
-            </a:r>
-            <a:endParaRPr lang="en-US" dirty="0" smtClean="0"/>
-          </a:p>
-          <a:p>
-            <a:r>
-              <a:rPr lang="en-US" dirty="0" smtClean="0"/>
-              <a:t>GIC-400 is the standard interrupt controller from ARM</a:t>
-            </a:r>
-          </a:p>
-          <a:p>
-            <a:r>
-              <a:rPr lang="en-US" dirty="0" smtClean="0"/>
-              <a:t>The</a:t>
-            </a:r>
-            <a:r>
-              <a:rPr lang="en-US" baseline="0" dirty="0" smtClean="0"/>
-              <a:t> path the cores and caches do memory reads and writes goes through Eagles Nest to MSMC. Snooping by MSMC use this path as well</a:t>
-            </a:r>
-          </a:p>
-          <a:p>
-            <a:r>
-              <a:rPr lang="en-US" baseline="0" dirty="0" smtClean="0"/>
-              <a:t>The rest of the interfaces are related to clocking, debugging, tracing, and production testing.</a:t>
-            </a:r>
-            <a:endParaRPr lang="en-US" dirty="0"/>
-          </a:p>
-        </p:txBody>
-      </p:sp>
-      <p:sp>
-        <p:nvSpPr>
-          <p:cNvPr id="4" name="Slide Number Placeholder 3"/>
-          <p:cNvSpPr>
-            <a:spLocks noGrp="1"/>
-          </p:cNvSpPr>
-          <p:nvPr>
-            <p:ph type="sldNum" sz="quarter" idx="10"/>
-          </p:nvPr>
-        </p:nvSpPr>
-        <p:spPr/>
-        <p:txBody>
-          <a:bodyPr/>
-          <a:lstStyle/>
-          <a:p>
-            <a:fld id="{9295E5E2-942B-4086-8EFE-9DF4A2A8CF3E}" type="slidenum">
-              <a:rPr lang="en-US" smtClean="0"/>
-              <a:pPr/>
-              <a:t>64</a:t>
-            </a:fld>
-            <a:endParaRPr lang="en-US" dirty="0"/>
-          </a:p>
-        </p:txBody>
-      </p:sp>
-    </p:spTree>
-  </p:cSld>
-  <p:clrMapOvr>
-    <a:masterClrMapping/>
-  </p:clrMapOvr>
-</p:notes>
-</file>
-
-<file path=ppt/notesSlides/notesSlide29.xml><?xml version="1.0" encoding="utf-8"?>
 <p:notes xmlns:a="http://schemas.openxmlformats.org/drawingml/2006/main" xmlns:r="http://schemas.openxmlformats.org/officeDocument/2006/relationships" xmlns:p="http://schemas.openxmlformats.org/presentationml/2006/main">
   <p:cSld>
     <p:spTree>
@@ -3979,7 +3877,7 @@
             <a:fld id="{1B8179A2-2F23-44AB-AC94-6CE8F5D0AE56}" type="datetimeFigureOut">
               <a:rPr lang="en-US" smtClean="0"/>
               <a:pPr/>
-              <a:t>2/21/2013</a:t>
+              <a:t>3/11/2013</a:t>
             </a:fld>
             <a:endParaRPr lang="en-US" dirty="0"/>
           </a:p>
@@ -5058,8 +4956,27 @@
                   </a:schemeClr>
                 </a:solidFill>
               </a:rPr>
-              <a:t>Multicore Applications Team</a:t>
-            </a:r>
+              <a:t>Multicore </a:t>
+            </a:r>
+            <a:r>
+              <a:rPr lang="en-US" sz="2800" dirty="0" smtClean="0">
+                <a:solidFill>
+                  <a:schemeClr val="tx1">
+                    <a:lumMod val="75000"/>
+                    <a:lumOff val="25000"/>
+                  </a:schemeClr>
+                </a:solidFill>
+              </a:rPr>
+              <a:t>Applications</a:t>
+            </a:r>
+            <a:endParaRPr lang="en-US" sz="2800" dirty="0" smtClean="0">
+              <a:solidFill>
+                <a:schemeClr val="tx1">
+                  <a:lumMod val="75000"/>
+                  <a:lumOff val="25000"/>
+                </a:schemeClr>
+              </a:solidFill>
+            </a:endParaRPr>
           </a:p>
         </p:txBody>
       </p:sp>
@@ -5122,7 +5039,15 @@
           <a:p>
             <a:r>
               <a:rPr lang="en-US" sz="4000" dirty="0" smtClean="0"/>
-              <a:t>Cortex A-15 Features – Fetch &amp; Memory</a:t>
+              <a:t>Cortex A-15 </a:t>
+            </a:r>
+            <a:r>
+              <a:rPr lang="en-US" sz="4000" dirty="0" smtClean="0"/>
+              <a:t>Features: </a:t>
+            </a:r>
+            <a:r>
+              <a:rPr lang="en-US" sz="4000" dirty="0" smtClean="0"/>
+              <a:t>Fetch &amp; Memory</a:t>
             </a:r>
             <a:endParaRPr lang="en-US" sz="4000" dirty="0"/>
           </a:p>
@@ -5164,8 +5089,13 @@
           <a:p>
             <a:r>
               <a:rPr lang="en-US" sz="2400" dirty="0" smtClean="0"/>
-              <a:t>L1D and L1P</a:t>
-            </a:r>
+              <a:t>L1D and </a:t>
+            </a:r>
+            <a:r>
+              <a:rPr lang="en-US" sz="2400" dirty="0" smtClean="0"/>
+              <a:t>L1P:</a:t>
+            </a:r>
+            <a:endParaRPr lang="en-US" sz="2400" dirty="0" smtClean="0"/>
           </a:p>
           <a:p>
             <a:pPr lvl="1"/>
@@ -5551,7 +5481,7 @@
         </p:spPr>
         <p:txBody>
           <a:bodyPr>
-            <a:normAutofit/>
+            <a:normAutofit fontScale="92500" lnSpcReduction="20000"/>
           </a:bodyPr>
           <a:lstStyle/>
           <a:p>
@@ -5560,8 +5490,49 @@
             </a:pPr>
             <a:r>
               <a:rPr lang="en-US" sz="2800" dirty="0" smtClean="0"/>
-              <a:t>Load and store data into 64-bit registers from memory with on the fly interleave, as shown in this diagram from the ARM documentation.</a:t>
-            </a:r>
+              <a:t>NEON registers load </a:t>
+            </a:r>
+            <a:r>
+              <a:rPr lang="en-US" sz="2800" dirty="0" smtClean="0"/>
+              <a:t>and store data into 64-bit registers from memory with </a:t>
+            </a:r>
+            <a:r>
+              <a:rPr lang="en-US" sz="2800" dirty="0" smtClean="0"/>
+              <a:t>on-the-fly </a:t>
+            </a:r>
+            <a:r>
+              <a:rPr lang="en-US" sz="2800" dirty="0" smtClean="0"/>
+              <a:t>interleave, as shown in this diagram </a:t>
+            </a:r>
+            <a:r>
+              <a:rPr lang="en-US" sz="2800" dirty="0" smtClean="0"/>
+              <a:t>(Source: ARM </a:t>
+            </a:r>
+            <a:r>
+              <a:rPr lang="en-US" sz="2800" dirty="0" smtClean="0"/>
+              <a:t>Compiler </a:t>
+            </a:r>
+            <a:r>
+              <a:rPr lang="en-US" sz="2800" dirty="0" err="1" smtClean="0"/>
+              <a:t>Toolchain</a:t>
+            </a:r>
+            <a:r>
+              <a:rPr lang="en-US" sz="2800" dirty="0" smtClean="0"/>
+              <a:t> </a:t>
+            </a:r>
+            <a:r>
+              <a:rPr lang="en-US" sz="2800" dirty="0" smtClean="0"/>
+              <a:t>Assembler </a:t>
+            </a:r>
+            <a:r>
+              <a:rPr lang="en-US" sz="2800" dirty="0" smtClean="0"/>
+              <a:t>Reference</a:t>
+            </a:r>
+            <a:r>
+              <a:rPr lang="en-US" sz="2800" dirty="0" smtClean="0"/>
+              <a:t>; DUI0489C).</a:t>
+            </a:r>
+            <a:endParaRPr lang="en-US" sz="2800" dirty="0" smtClean="0"/>
           </a:p>
         </p:txBody>
       </p:sp>
@@ -5833,8 +5804,21 @@
           <a:p>
             <a:r>
               <a:rPr lang="en-US" sz="2800" dirty="0" smtClean="0"/>
-              <a:t>Native (hardware) support for all IEEE-defined floating-point operations and rounding modes; Single and double precision</a:t>
-            </a:r>
+              <a:t>Native (hardware) support for all IEEE-defined floating-point operations and rounding modes; </a:t>
+            </a:r>
+            <a:r>
+              <a:rPr lang="en-US" sz="2800" dirty="0" smtClean="0"/>
+              <a:t>Single- </a:t>
+            </a:r>
+            <a:r>
+              <a:rPr lang="en-US" sz="2800" dirty="0" smtClean="0"/>
+              <a:t>and </a:t>
+            </a:r>
+            <a:r>
+              <a:rPr lang="en-US" sz="2800" dirty="0" smtClean="0"/>
+              <a:t>double-precision</a:t>
+            </a:r>
+            <a:endParaRPr lang="en-US" sz="2800" dirty="0" smtClean="0"/>
           </a:p>
           <a:p>
             <a:r>
@@ -6110,7 +6094,15 @@
           <a:p>
             <a:r>
               <a:rPr lang="en-US" sz="2800" dirty="0" smtClean="0"/>
-              <a:t>Large physical addressing, 40-bit (1TB)</a:t>
+              <a:t>Large physical </a:t>
+            </a:r>
+            <a:r>
+              <a:rPr lang="en-US" sz="2800" dirty="0" smtClean="0"/>
+              <a:t>addressing; </a:t>
+            </a:r>
+            <a:r>
+              <a:rPr lang="en-US" sz="2800" dirty="0" smtClean="0"/>
+              <a:t>40-bit (1TB)</a:t>
             </a:r>
           </a:p>
           <a:p>
@@ -6130,8 +6122,50 @@
             <a:pPr lvl="1"/>
             <a:r>
               <a:rPr lang="en-US" sz="2400" dirty="0" smtClean="0"/>
-              <a:t>Translation Lookaside Buffers (TLB) cache one page of address translations per entry to speed up translation process (L1 instruction access, L1 data access, and L2 TLB)</a:t>
-            </a:r>
+              <a:t>Translation Lookaside Buffers (TLB) cache one page of address translations per entry to speed up </a:t>
+            </a:r>
+            <a:r>
+              <a:rPr lang="en-US" sz="2400" dirty="0" smtClean="0"/>
+              <a:t>the translation process:</a:t>
+            </a:r>
+          </a:p>
+          <a:p>
+            <a:pPr lvl="2"/>
+            <a:r>
+              <a:rPr lang="en-US" dirty="0" smtClean="0"/>
+              <a:t>L1 </a:t>
+            </a:r>
+            <a:r>
+              <a:rPr lang="en-US" dirty="0" smtClean="0"/>
+              <a:t>instruction </a:t>
+            </a:r>
+            <a:r>
+              <a:rPr lang="en-US" dirty="0" smtClean="0"/>
+              <a:t>access</a:t>
+            </a:r>
+          </a:p>
+          <a:p>
+            <a:pPr lvl="2"/>
+            <a:r>
+              <a:rPr lang="en-US" dirty="0" smtClean="0"/>
+              <a:t>L1 </a:t>
+            </a:r>
+            <a:r>
+              <a:rPr lang="en-US" dirty="0" smtClean="0"/>
+              <a:t>data </a:t>
+            </a:r>
+            <a:r>
+              <a:rPr lang="en-US" dirty="0" smtClean="0"/>
+              <a:t>access</a:t>
+            </a:r>
+          </a:p>
+          <a:p>
+            <a:pPr lvl="2"/>
+            <a:r>
+              <a:rPr lang="en-US" dirty="0" smtClean="0"/>
+              <a:t>L2 TLB</a:t>
+            </a:r>
+            <a:endParaRPr lang="en-US" dirty="0" smtClean="0"/>
           </a:p>
           <a:p>
             <a:pPr>
@@ -6198,10 +6232,10 @@
           <a:lstStyle/>
           <a:p>
             <a:r>
-              <a:rPr lang="en-US" sz="3600" dirty="0" smtClean="0"/>
+              <a:rPr lang="en-US" sz="4000" dirty="0" smtClean="0"/>
               <a:t>MMU, TLB, and Page</a:t>
             </a:r>
-            <a:endParaRPr lang="en-US" sz="3600" dirty="0"/>
+            <a:endParaRPr lang="en-US" sz="4000" dirty="0"/>
           </a:p>
         </p:txBody>
       </p:sp>
@@ -7643,7 +7677,11 @@
           <a:p>
             <a:r>
               <a:rPr lang="en-US" sz="4000" dirty="0" smtClean="0"/>
-              <a:t>Two Stage MMU – Guest to Supervisor </a:t>
+              <a:t>Two-Stage MMU: </a:t>
+            </a:r>
+            <a:r>
+              <a:rPr lang="en-US" sz="4000" dirty="0" smtClean="0"/>
+              <a:t>Guest to Supervisor </a:t>
             </a:r>
             <a:endParaRPr lang="en-US" sz="4000" dirty="0"/>
           </a:p>
@@ -7727,7 +7765,15 @@
           <a:p>
             <a:r>
               <a:rPr lang="en-US" sz="3600" dirty="0" smtClean="0"/>
-              <a:t>Two-Stage MMU</a:t>
+              <a:t>Two-Stage </a:t>
+            </a:r>
+            <a:r>
+              <a:rPr lang="en-US" sz="3600" dirty="0" smtClean="0"/>
+              <a:t>MMU:</a:t>
+            </a:r>
+            <a:r>
+              <a:rPr lang="en-US" sz="3600" dirty="0" smtClean="0"/>
+              <a:t/>
             </a:r>
             <a:br>
               <a:rPr lang="en-US" sz="3600" dirty="0" smtClean="0"/>
@@ -7754,7 +7800,7 @@
         </p:xfrm>
         <a:graphic>
           <a:graphicData uri="http://schemas.openxmlformats.org/presentationml/2006/ole">
-            <p:oleObj spid="_x0000_s72705" name="Visio" r:id="rId3" imgW="9173985" imgH="6813955" progId="Visio.Drawing.11">
+            <p:oleObj spid="_x0000_s72705" name="Visio" r:id="rId3" imgW="9173985" imgH="6813955" progId="">
               <p:embed/>
             </p:oleObj>
           </a:graphicData>
@@ -7803,7 +7849,7 @@
           <a:p>
             <a:r>
               <a:rPr lang="en-US" sz="3200" dirty="0" smtClean="0"/>
-              <a:t>From ARM White Paper on Two-Stage MMU</a:t>
+              <a:t>Two-Stage MMU: Stage One</a:t>
             </a:r>
             <a:endParaRPr lang="en-US" sz="3200" dirty="0"/>
           </a:p>
@@ -7841,6 +7887,108 @@
           </a:ln>
         </p:spPr>
       </p:pic>
+      <p:sp>
+        <p:nvSpPr>
+          <p:cNvPr id="6" name="Content Placeholder 2"/>
+          <p:cNvSpPr txBox="1">
+            <a:spLocks/>
+          </p:cNvSpPr>
+          <p:nvPr/>
+        </p:nvSpPr>
+        <p:spPr bwMode="auto">
+          <a:xfrm>
+            <a:off x="465992" y="5794716"/>
+            <a:ext cx="8229600" cy="685213"/>
+          </a:xfrm>
+          <a:prstGeom prst="rect">
+            <a:avLst/>
+          </a:prstGeom>
+          <a:noFill/>
+          <a:ln w="9525">
+            <a:noFill/>
+            <a:miter lim="800000"/>
+            <a:headEnd/>
+            <a:tailEnd/>
+          </a:ln>
+        </p:spPr>
+        <p:txBody>
+          <a:bodyPr vert="horz" wrap="square" lIns="91440" tIns="45720" rIns="91440" bIns="45720" numCol="1" anchor="t" anchorCtr="0" compatLnSpc="1">
+            <a:prstTxWarp prst="textNoShape">
+              <a:avLst/>
+            </a:prstTxWarp>
+            <a:normAutofit/>
+          </a:bodyPr>
+          <a:lstStyle/>
+          <a:p>
+            <a:pPr marL="342900" marR="0" lvl="0" indent="-342900" algn="l" defTabSz="914400" rtl="0" eaLnBrk="0" fontAlgn="base" latinLnBrk="0" hangingPunct="0">
+              <a:lnSpc>
+                <a:spcPct val="100000"/>
+              </a:lnSpc>
+              <a:spcBef>
+                <a:spcPct val="20000"/>
+              </a:spcBef>
+              <a:spcAft>
+                <a:spcPct val="0"/>
+              </a:spcAft>
+              <a:buClrTx/>
+              <a:buSzTx/>
+              <a:buFont typeface="Arial" pitchFamily="34" charset="0"/>
+              <a:buNone/>
+              <a:tabLst/>
+              <a:defRPr/>
+            </a:pPr>
+            <a:r>
+              <a:rPr kumimoji="0" lang="en-US" sz="2800" b="0" i="0" u="none" strike="noStrike" kern="0" cap="none" spc="0" normalizeH="0" baseline="0" noProof="0" smtClean="0">
+                <a:ln>
+                  <a:noFill/>
+                </a:ln>
+                <a:solidFill>
+                  <a:schemeClr val="tx1"/>
+                </a:solidFill>
+                <a:effectLst/>
+                <a:uLnTx/>
+                <a:uFillTx/>
+                <a:latin typeface="+mn-lt"/>
+                <a:ea typeface="+mn-ea"/>
+                <a:cs typeface="+mn-cs"/>
+              </a:rPr>
+              <a:t>Source: </a:t>
+            </a:r>
+            <a:r>
+              <a:rPr kumimoji="0" lang="en-US" sz="2800" b="0" i="0" u="none" strike="noStrike" kern="0" cap="none" spc="0" normalizeH="0" baseline="0" noProof="0" smtClean="0">
+                <a:ln>
+                  <a:noFill/>
+                </a:ln>
+                <a:solidFill>
+                  <a:schemeClr val="tx1"/>
+                </a:solidFill>
+                <a:effectLst/>
+                <a:uLnTx/>
+                <a:uFillTx/>
+                <a:latin typeface="+mn-lt"/>
+                <a:ea typeface="+mn-ea"/>
+                <a:cs typeface="+mn-cs"/>
+                <a:hlinkClick r:id="rId3"/>
+              </a:rPr>
+              <a:t>Virtualization is Coming to a Platform Near You</a:t>
+            </a:r>
+            <a:endParaRPr kumimoji="0" lang="en-US" sz="2400" b="0" i="0" u="none" strike="noStrike" kern="0" cap="none" spc="0" normalizeH="0" baseline="0" noProof="0" dirty="0" smtClean="0">
+              <a:ln>
+                <a:noFill/>
+              </a:ln>
+              <a:solidFill>
+                <a:schemeClr val="tx1"/>
+              </a:solidFill>
+              <a:effectLst/>
+              <a:uLnTx/>
+              <a:uFillTx/>
+              <a:latin typeface="+mn-lt"/>
+              <a:ea typeface="+mn-ea"/>
+              <a:cs typeface="+mn-cs"/>
+            </a:endParaRPr>
+          </a:p>
+        </p:txBody>
+      </p:sp>
     </p:spTree>
   </p:cSld>
   <p:clrMapOvr>
@@ -7883,7 +8031,11 @@
           <a:p>
             <a:r>
               <a:rPr lang="en-US" sz="3200" dirty="0" smtClean="0"/>
-              <a:t>From ARM White Paper on Two-Stage MMU</a:t>
+              <a:t>Two-Stage MMU: Stage </a:t>
+            </a:r>
+            <a:r>
+              <a:rPr lang="en-US" sz="3200" dirty="0" smtClean="0"/>
+              <a:t>Two</a:t>
             </a:r>
             <a:endParaRPr lang="en-US" sz="3200" dirty="0"/>
           </a:p>
@@ -7921,6 +8073,51 @@
           </a:ln>
         </p:spPr>
       </p:pic>
+      <p:sp>
+        <p:nvSpPr>
+          <p:cNvPr id="4" name="Content Placeholder 2"/>
+          <p:cNvSpPr>
+            <a:spLocks noGrp="1"/>
+          </p:cNvSpPr>
+          <p:nvPr>
+            <p:ph idx="1"/>
+          </p:nvPr>
+        </p:nvSpPr>
+        <p:spPr>
+          <a:xfrm>
+            <a:off x="465992" y="5794716"/>
+            <a:ext cx="8229600" cy="685213"/>
+          </a:xfrm>
+        </p:spPr>
+        <p:txBody>
+          <a:bodyPr>
+            <a:normAutofit/>
+          </a:bodyPr>
+          <a:lstStyle/>
+          <a:p>
+            <a:pPr>
+              <a:buNone/>
+            </a:pPr>
+            <a:r>
+              <a:rPr lang="en-US" sz="2800" dirty="0" smtClean="0"/>
+              <a:t>Source: </a:t>
+            </a:r>
+            <a:r>
+              <a:rPr lang="en-US" sz="2800" dirty="0" smtClean="0">
+                <a:hlinkClick r:id="rId3"/>
+              </a:rPr>
+              <a:t>Virtualization </a:t>
+            </a:r>
+            <a:r>
+              <a:rPr lang="en-US" sz="2800" dirty="0" smtClean="0">
+                <a:hlinkClick r:id="rId3"/>
+              </a:rPr>
+              <a:t>is Coming to a Platform Near You</a:t>
+            </a:r>
+            <a:endParaRPr lang="en-US" sz="2400" dirty="0" smtClean="0"/>
+          </a:p>
+        </p:txBody>
+      </p:sp>
     </p:spTree>
   </p:cSld>
   <p:clrMapOvr>
@@ -8393,7 +8590,7 @@
         </p:xfrm>
         <a:graphic>
           <a:graphicData uri="http://schemas.openxmlformats.org/presentationml/2006/ole">
-            <p:oleObj spid="_x0000_s100354" name="Visio" r:id="rId3" imgW="6549693" imgH="5635473" progId="Visio.Drawing.11">
+            <p:oleObj spid="_x0000_s100354" name="Visio" r:id="rId3" imgW="6549693" imgH="5635473" progId="">
               <p:embed/>
             </p:oleObj>
           </a:graphicData>
@@ -11027,7 +11224,7 @@
         </p:blipFill>
         <p:spPr bwMode="auto">
           <a:xfrm>
-            <a:off x="346672" y="1170694"/>
+            <a:off x="425800" y="1091566"/>
             <a:ext cx="8458200" cy="5303520"/>
           </a:xfrm>
           <a:prstGeom prst="rect">
@@ -11074,38 +11271,6 @@
           <a:chExt cx="0" cy="0"/>
         </a:xfrm>
       </p:grpSpPr>
-      <p:pic>
-        <p:nvPicPr>
-          <p:cNvPr id="7" name="Picture 7"/>
-          <p:cNvPicPr>
-            <a:picLocks noChangeArrowheads="1"/>
-          </p:cNvPicPr>
-          <p:nvPr/>
-        </p:nvPicPr>
-        <p:blipFill>
-          <a:blip r:embed="rId2" cstate="print"/>
-          <a:srcRect/>
-          <a:stretch>
-            <a:fillRect/>
-          </a:stretch>
-        </p:blipFill>
-        <p:spPr bwMode="auto">
-          <a:xfrm>
-            <a:off x="346672" y="1170694"/>
-            <a:ext cx="8458200" cy="5303520"/>
-          </a:xfrm>
-          <a:prstGeom prst="rect">
-            <a:avLst/>
-          </a:prstGeom>
-          <a:noFill/>
-          <a:ln w="9525">
-            <a:noFill/>
-            <a:miter lim="800000"/>
-            <a:headEnd/>
-            <a:tailEnd/>
-          </a:ln>
-        </p:spPr>
-      </p:pic>
       <p:sp>
         <p:nvSpPr>
           <p:cNvPr id="4" name="Title 3"/>
@@ -11293,54 +11458,101 @@
           </a:p>
         </p:txBody>
       </p:sp>
-      <p:sp>
-        <p:nvSpPr>
-          <p:cNvPr id="8" name="Rounded Rectangular Callout 7"/>
-          <p:cNvSpPr/>
+      <p:grpSp>
+        <p:nvGrpSpPr>
+          <p:cNvPr id="9" name="Group 8"/>
+          <p:cNvGrpSpPr/>
           <p:nvPr/>
-        </p:nvSpPr>
-        <p:spPr>
+        </p:nvGrpSpPr>
+        <p:grpSpPr>
           <a:xfrm>
-            <a:off x="336624" y="5228454"/>
-            <a:ext cx="1600200" cy="1194122"/>
+            <a:off x="415752" y="1091566"/>
+            <a:ext cx="8468248" cy="5303520"/>
+            <a:chOff x="336624" y="1170694"/>
+            <a:chExt cx="8468248" cy="5303520"/>
           </a:xfrm>
-          <a:prstGeom prst="wedgeRoundRectCallout">
-            <a:avLst>
-              <a:gd name="adj1" fmla="val 48905"/>
-              <a:gd name="adj2" fmla="val -119149"/>
-              <a:gd name="adj3" fmla="val 16667"/>
-            </a:avLst>
-          </a:prstGeom>
-        </p:spPr>
-        <p:style>
-          <a:lnRef idx="2">
-            <a:schemeClr val="accent1">
-              <a:shade val="50000"/>
-            </a:schemeClr>
-          </a:lnRef>
-          <a:fillRef idx="1">
-            <a:schemeClr val="accent1"/>
-          </a:fillRef>
-          <a:effectRef idx="0">
-            <a:schemeClr val="accent1"/>
-          </a:effectRef>
-          <a:fontRef idx="minor">
-            <a:schemeClr val="lt1"/>
-          </a:fontRef>
-        </p:style>
-        <p:txBody>
-          <a:bodyPr lIns="0" tIns="0" rIns="0" bIns="0" rtlCol="0" anchor="ctr"/>
-          <a:lstStyle/>
-          <a:p>
-            <a:pPr algn="ctr"/>
-            <a:r>
-              <a:rPr lang="en-US" sz="2000" dirty="0" smtClean="0"/>
-              <a:t>EDMA issues read to shared SRAM.</a:t>
-            </a:r>
-            <a:endParaRPr lang="en-US" sz="2000" dirty="0"/>
-          </a:p>
-        </p:txBody>
-      </p:sp>
+        </p:grpSpPr>
+        <p:pic>
+          <p:nvPicPr>
+            <p:cNvPr id="7" name="Picture 7"/>
+            <p:cNvPicPr>
+              <a:picLocks noChangeArrowheads="1"/>
+            </p:cNvPicPr>
+            <p:nvPr/>
+          </p:nvPicPr>
+          <p:blipFill>
+            <a:blip r:embed="rId2" cstate="print"/>
+            <a:srcRect/>
+            <a:stretch>
+              <a:fillRect/>
+            </a:stretch>
+          </p:blipFill>
+          <p:spPr bwMode="auto">
+            <a:xfrm>
+              <a:off x="346672" y="1170694"/>
+              <a:ext cx="8458200" cy="5303520"/>
+            </a:xfrm>
+            <a:prstGeom prst="rect">
+              <a:avLst/>
+            </a:prstGeom>
+            <a:noFill/>
+            <a:ln w="9525">
+              <a:noFill/>
+              <a:miter lim="800000"/>
+              <a:headEnd/>
+              <a:tailEnd/>
+            </a:ln>
+          </p:spPr>
+        </p:pic>
+        <p:sp>
+          <p:nvSpPr>
+            <p:cNvPr id="8" name="Rounded Rectangular Callout 7"/>
+            <p:cNvSpPr/>
+            <p:nvPr/>
+          </p:nvSpPr>
+          <p:spPr>
+            <a:xfrm>
+              <a:off x="336624" y="5228454"/>
+              <a:ext cx="1600200" cy="1194122"/>
+            </a:xfrm>
+            <a:prstGeom prst="wedgeRoundRectCallout">
+              <a:avLst>
+                <a:gd name="adj1" fmla="val 48905"/>
+                <a:gd name="adj2" fmla="val -119149"/>
+                <a:gd name="adj3" fmla="val 16667"/>
+              </a:avLst>
+            </a:prstGeom>
+          </p:spPr>
+          <p:style>
+            <a:lnRef idx="2">
+              <a:schemeClr val="accent1">
+                <a:shade val="50000"/>
+              </a:schemeClr>
+            </a:lnRef>
+            <a:fillRef idx="1">
+              <a:schemeClr val="accent1"/>
+            </a:fillRef>
+            <a:effectRef idx="0">
+              <a:schemeClr val="accent1"/>
+            </a:effectRef>
+            <a:fontRef idx="minor">
+              <a:schemeClr val="lt1"/>
+            </a:fontRef>
+          </p:style>
+          <p:txBody>
+            <a:bodyPr lIns="0" tIns="0" rIns="0" bIns="0" rtlCol="0" anchor="ctr"/>
+            <a:lstStyle/>
+            <a:p>
+              <a:pPr algn="ctr"/>
+              <a:r>
+                <a:rPr lang="en-US" sz="2000" dirty="0" smtClean="0"/>
+                <a:t>EDMA issues read to shared SRAM.</a:t>
+              </a:r>
+              <a:endParaRPr lang="en-US" sz="2000" dirty="0"/>
+            </a:p>
+          </p:txBody>
+        </p:sp>
+      </p:grpSp>
     </p:spTree>
   </p:cSld>
   <p:clrMapOvr>
@@ -11373,38 +11585,6 @@
           <a:chExt cx="0" cy="0"/>
         </a:xfrm>
       </p:grpSpPr>
-      <p:pic>
-        <p:nvPicPr>
-          <p:cNvPr id="7" name="Picture 7"/>
-          <p:cNvPicPr>
-            <a:picLocks noChangeArrowheads="1"/>
-          </p:cNvPicPr>
-          <p:nvPr/>
-        </p:nvPicPr>
-        <p:blipFill>
-          <a:blip r:embed="rId2" cstate="print"/>
-          <a:srcRect/>
-          <a:stretch>
-            <a:fillRect/>
-          </a:stretch>
-        </p:blipFill>
-        <p:spPr bwMode="auto">
-          <a:xfrm>
-            <a:off x="346672" y="1170694"/>
-            <a:ext cx="8458200" cy="5303520"/>
-          </a:xfrm>
-          <a:prstGeom prst="rect">
-            <a:avLst/>
-          </a:prstGeom>
-          <a:noFill/>
-          <a:ln w="9525">
-            <a:noFill/>
-            <a:miter lim="800000"/>
-            <a:headEnd/>
-            <a:tailEnd/>
-          </a:ln>
-        </p:spPr>
-      </p:pic>
       <p:sp>
         <p:nvSpPr>
           <p:cNvPr id="4" name="Title 3"/>
@@ -11445,396 +11625,458 @@
           </a:p>
         </p:txBody>
       </p:sp>
-      <p:sp>
-        <p:nvSpPr>
-          <p:cNvPr id="5" name="Freeform 4"/>
-          <p:cNvSpPr/>
+      <p:grpSp>
+        <p:nvGrpSpPr>
+          <p:cNvPr id="13" name="Group 12"/>
+          <p:cNvGrpSpPr/>
           <p:nvPr/>
-        </p:nvSpPr>
-        <p:spPr>
+        </p:nvGrpSpPr>
+        <p:grpSpPr>
           <a:xfrm>
-            <a:off x="1535946" y="4006574"/>
-            <a:ext cx="4081669" cy="384313"/>
+            <a:off x="415752" y="1091566"/>
+            <a:ext cx="8468248" cy="5303520"/>
+            <a:chOff x="336624" y="1170694"/>
+            <a:chExt cx="8468248" cy="5303520"/>
           </a:xfrm>
-          <a:custGeom>
-            <a:avLst/>
-            <a:gdLst>
-              <a:gd name="connsiteX0" fmla="*/ 0 w 4081669"/>
-              <a:gd name="connsiteY0" fmla="*/ 379896 h 384313"/>
-              <a:gd name="connsiteX1" fmla="*/ 1868556 w 4081669"/>
-              <a:gd name="connsiteY1" fmla="*/ 326887 h 384313"/>
-              <a:gd name="connsiteX2" fmla="*/ 2981739 w 4081669"/>
-              <a:gd name="connsiteY2" fmla="*/ 35339 h 384313"/>
-              <a:gd name="connsiteX3" fmla="*/ 4081669 w 4081669"/>
-              <a:gd name="connsiteY3" fmla="*/ 114852 h 384313"/>
-            </a:gdLst>
-            <a:ahLst/>
-            <a:cxnLst>
-              <a:cxn ang="0">
-                <a:pos x="connsiteX0" y="connsiteY0"/>
-              </a:cxn>
-              <a:cxn ang="0">
-                <a:pos x="connsiteX1" y="connsiteY1"/>
-              </a:cxn>
-              <a:cxn ang="0">
-                <a:pos x="connsiteX2" y="connsiteY2"/>
-              </a:cxn>
-              <a:cxn ang="0">
-                <a:pos x="connsiteX3" y="connsiteY3"/>
-              </a:cxn>
-            </a:cxnLst>
-            <a:rect l="l" t="t" r="r" b="b"/>
-            <a:pathLst>
-              <a:path w="4081669" h="384313">
-                <a:moveTo>
-                  <a:pt x="0" y="379896"/>
-                </a:moveTo>
-                <a:cubicBezTo>
-                  <a:pt x="685800" y="382104"/>
-                  <a:pt x="1371600" y="384313"/>
-                  <a:pt x="1868556" y="326887"/>
-                </a:cubicBezTo>
-                <a:cubicBezTo>
-                  <a:pt x="2365513" y="269461"/>
-                  <a:pt x="2612887" y="70678"/>
-                  <a:pt x="2981739" y="35339"/>
-                </a:cubicBezTo>
-                <a:cubicBezTo>
-                  <a:pt x="3350591" y="0"/>
-                  <a:pt x="3716130" y="57426"/>
-                  <a:pt x="4081669" y="114852"/>
-                </a:cubicBezTo>
-              </a:path>
-            </a:pathLst>
-          </a:custGeom>
-          <a:ln w="25400">
+        </p:grpSpPr>
+        <p:sp>
+          <p:nvSpPr>
+            <p:cNvPr id="5" name="Freeform 4"/>
+            <p:cNvSpPr/>
+            <p:nvPr/>
+          </p:nvSpPr>
+          <p:spPr>
+            <a:xfrm>
+              <a:off x="1535946" y="4006574"/>
+              <a:ext cx="4081669" cy="384313"/>
+            </a:xfrm>
+            <a:custGeom>
+              <a:avLst/>
+              <a:gdLst>
+                <a:gd name="connsiteX0" fmla="*/ 0 w 4081669"/>
+                <a:gd name="connsiteY0" fmla="*/ 379896 h 384313"/>
+                <a:gd name="connsiteX1" fmla="*/ 1868556 w 4081669"/>
+                <a:gd name="connsiteY1" fmla="*/ 326887 h 384313"/>
+                <a:gd name="connsiteX2" fmla="*/ 2981739 w 4081669"/>
+                <a:gd name="connsiteY2" fmla="*/ 35339 h 384313"/>
+                <a:gd name="connsiteX3" fmla="*/ 4081669 w 4081669"/>
+                <a:gd name="connsiteY3" fmla="*/ 114852 h 384313"/>
+              </a:gdLst>
+              <a:ahLst/>
+              <a:cxnLst>
+                <a:cxn ang="0">
+                  <a:pos x="connsiteX0" y="connsiteY0"/>
+                </a:cxn>
+                <a:cxn ang="0">
+                  <a:pos x="connsiteX1" y="connsiteY1"/>
+                </a:cxn>
+                <a:cxn ang="0">
+                  <a:pos x="connsiteX2" y="connsiteY2"/>
+                </a:cxn>
+                <a:cxn ang="0">
+                  <a:pos x="connsiteX3" y="connsiteY3"/>
+                </a:cxn>
+              </a:cxnLst>
+              <a:rect l="l" t="t" r="r" b="b"/>
+              <a:pathLst>
+                <a:path w="4081669" h="384313">
+                  <a:moveTo>
+                    <a:pt x="0" y="379896"/>
+                  </a:moveTo>
+                  <a:cubicBezTo>
+                    <a:pt x="685800" y="382104"/>
+                    <a:pt x="1371600" y="384313"/>
+                    <a:pt x="1868556" y="326887"/>
+                  </a:cubicBezTo>
+                  <a:cubicBezTo>
+                    <a:pt x="2365513" y="269461"/>
+                    <a:pt x="2612887" y="70678"/>
+                    <a:pt x="2981739" y="35339"/>
+                  </a:cubicBezTo>
+                  <a:cubicBezTo>
+                    <a:pt x="3350591" y="0"/>
+                    <a:pt x="3716130" y="57426"/>
+                    <a:pt x="4081669" y="114852"/>
+                  </a:cubicBezTo>
+                </a:path>
+              </a:pathLst>
+            </a:custGeom>
+            <a:ln w="25400">
+              <a:solidFill>
+                <a:schemeClr val="tx1"/>
+              </a:solidFill>
+              <a:tailEnd type="triangle" w="lg" len="lg"/>
+            </a:ln>
+          </p:spPr>
+          <p:style>
+            <a:lnRef idx="1">
+              <a:schemeClr val="accent1"/>
+            </a:lnRef>
+            <a:fillRef idx="0">
+              <a:schemeClr val="accent1"/>
+            </a:fillRef>
+            <a:effectRef idx="0">
+              <a:schemeClr val="accent1"/>
+            </a:effectRef>
+            <a:fontRef idx="minor">
+              <a:schemeClr val="tx1"/>
+            </a:fontRef>
+          </p:style>
+          <p:txBody>
+            <a:bodyPr rtlCol="0" anchor="ctr"/>
+            <a:lstStyle/>
+            <a:p>
+              <a:pPr algn="ctr"/>
+              <a:endParaRPr lang="en-US"/>
+            </a:p>
+          </p:txBody>
+        </p:sp>
+        <p:sp>
+          <p:nvSpPr>
+            <p:cNvPr id="6" name="Oval 5"/>
+            <p:cNvSpPr/>
+            <p:nvPr/>
+          </p:nvSpPr>
+          <p:spPr>
+            <a:xfrm>
+              <a:off x="1632024" y="3962400"/>
+              <a:ext cx="457200" cy="381000"/>
+            </a:xfrm>
+            <a:prstGeom prst="ellipse">
+              <a:avLst/>
+            </a:prstGeom>
             <a:solidFill>
-              <a:schemeClr val="tx1"/>
+              <a:srgbClr val="FF0000"/>
             </a:solidFill>
-            <a:tailEnd type="triangle" w="lg" len="lg"/>
-          </a:ln>
-        </p:spPr>
-        <p:style>
-          <a:lnRef idx="1">
-            <a:schemeClr val="accent1"/>
-          </a:lnRef>
-          <a:fillRef idx="0">
-            <a:schemeClr val="accent1"/>
-          </a:fillRef>
-          <a:effectRef idx="0">
-            <a:schemeClr val="accent1"/>
-          </a:effectRef>
-          <a:fontRef idx="minor">
-            <a:schemeClr val="tx1"/>
-          </a:fontRef>
-        </p:style>
-        <p:txBody>
-          <a:bodyPr rtlCol="0" anchor="ctr"/>
-          <a:lstStyle/>
-          <a:p>
-            <a:pPr algn="ctr"/>
-            <a:endParaRPr lang="en-US"/>
-          </a:p>
-        </p:txBody>
-      </p:sp>
-      <p:sp>
-        <p:nvSpPr>
-          <p:cNvPr id="6" name="Oval 5"/>
-          <p:cNvSpPr/>
-          <p:nvPr/>
-        </p:nvSpPr>
-        <p:spPr>
-          <a:xfrm>
-            <a:off x="1632024" y="3962400"/>
-            <a:ext cx="457200" cy="381000"/>
-          </a:xfrm>
-          <a:prstGeom prst="ellipse">
-            <a:avLst/>
-          </a:prstGeom>
-          <a:solidFill>
-            <a:srgbClr val="FF0000"/>
-          </a:solidFill>
-        </p:spPr>
-        <p:style>
-          <a:lnRef idx="2">
-            <a:schemeClr val="accent1">
-              <a:shade val="50000"/>
-            </a:schemeClr>
-          </a:lnRef>
-          <a:fillRef idx="1">
-            <a:schemeClr val="accent1"/>
-          </a:fillRef>
-          <a:effectRef idx="0">
-            <a:schemeClr val="accent1"/>
-          </a:effectRef>
-          <a:fontRef idx="minor">
-            <a:schemeClr val="lt1"/>
-          </a:fontRef>
-        </p:style>
-        <p:txBody>
-          <a:bodyPr rtlCol="0" anchor="ctr"/>
-          <a:lstStyle/>
-          <a:p>
-            <a:pPr algn="ctr"/>
-            <a:r>
-              <a:rPr lang="en-US" b="1" dirty="0" smtClean="0">
+          </p:spPr>
+          <p:style>
+            <a:lnRef idx="2">
+              <a:schemeClr val="accent1">
+                <a:shade val="50000"/>
+              </a:schemeClr>
+            </a:lnRef>
+            <a:fillRef idx="1">
+              <a:schemeClr val="accent1"/>
+            </a:fillRef>
+            <a:effectRef idx="0">
+              <a:schemeClr val="accent1"/>
+            </a:effectRef>
+            <a:fontRef idx="minor">
+              <a:schemeClr val="lt1"/>
+            </a:fontRef>
+          </p:style>
+          <p:txBody>
+            <a:bodyPr rtlCol="0" anchor="ctr"/>
+            <a:lstStyle/>
+            <a:p>
+              <a:pPr algn="ctr"/>
+              <a:r>
+                <a:rPr lang="en-US" b="1" dirty="0" smtClean="0">
+                  <a:solidFill>
+                    <a:schemeClr val="bg1"/>
+                  </a:solidFill>
+                </a:rPr>
+                <a:t>1</a:t>
+              </a:r>
+              <a:endParaRPr lang="en-US" b="1" dirty="0">
                 <a:solidFill>
                   <a:schemeClr val="bg1"/>
                 </a:solidFill>
-              </a:rPr>
-              <a:t>1</a:t>
-            </a:r>
-            <a:endParaRPr lang="en-US" b="1" dirty="0">
+              </a:endParaRPr>
+            </a:p>
+          </p:txBody>
+        </p:sp>
+        <p:grpSp>
+          <p:nvGrpSpPr>
+            <p:cNvPr id="12" name="Group 11"/>
+            <p:cNvGrpSpPr/>
+            <p:nvPr/>
+          </p:nvGrpSpPr>
+          <p:grpSpPr>
+            <a:xfrm>
+              <a:off x="336624" y="1170694"/>
+              <a:ext cx="8468248" cy="5303520"/>
+              <a:chOff x="336624" y="1170694"/>
+              <a:chExt cx="8468248" cy="5303520"/>
+            </a:xfrm>
+          </p:grpSpPr>
+          <p:pic>
+            <p:nvPicPr>
+              <p:cNvPr id="7" name="Picture 7"/>
+              <p:cNvPicPr>
+                <a:picLocks noChangeArrowheads="1"/>
+              </p:cNvPicPr>
+              <p:nvPr/>
+            </p:nvPicPr>
+            <p:blipFill>
+              <a:blip r:embed="rId2" cstate="print"/>
+              <a:srcRect/>
+              <a:stretch>
+                <a:fillRect/>
+              </a:stretch>
+            </p:blipFill>
+            <p:spPr bwMode="auto">
+              <a:xfrm>
+                <a:off x="346672" y="1170694"/>
+                <a:ext cx="8458200" cy="5303520"/>
+              </a:xfrm>
+              <a:prstGeom prst="rect">
+                <a:avLst/>
+              </a:prstGeom>
+              <a:noFill/>
+              <a:ln w="9525">
+                <a:noFill/>
+                <a:miter lim="800000"/>
+                <a:headEnd/>
+                <a:tailEnd/>
+              </a:ln>
+            </p:spPr>
+          </p:pic>
+          <p:sp>
+            <p:nvSpPr>
+              <p:cNvPr id="8" name="Rounded Rectangular Callout 7"/>
+              <p:cNvSpPr/>
+              <p:nvPr/>
+            </p:nvSpPr>
+            <p:spPr>
+              <a:xfrm>
+                <a:off x="336624" y="5228454"/>
+                <a:ext cx="1600200" cy="1194122"/>
+              </a:xfrm>
+              <a:prstGeom prst="wedgeRoundRectCallout">
+                <a:avLst>
+                  <a:gd name="adj1" fmla="val 48905"/>
+                  <a:gd name="adj2" fmla="val -119149"/>
+                  <a:gd name="adj3" fmla="val 16667"/>
+                </a:avLst>
+              </a:prstGeom>
+            </p:spPr>
+            <p:style>
+              <a:lnRef idx="2">
+                <a:schemeClr val="accent1">
+                  <a:shade val="50000"/>
+                </a:schemeClr>
+              </a:lnRef>
+              <a:fillRef idx="1">
+                <a:schemeClr val="accent1"/>
+              </a:fillRef>
+              <a:effectRef idx="0">
+                <a:schemeClr val="accent1"/>
+              </a:effectRef>
+              <a:fontRef idx="minor">
+                <a:schemeClr val="lt1"/>
+              </a:fontRef>
+            </p:style>
+            <p:txBody>
+              <a:bodyPr lIns="0" tIns="0" rIns="0" bIns="0" rtlCol="0" anchor="ctr"/>
+              <a:lstStyle/>
+              <a:p>
+                <a:pPr algn="ctr"/>
+                <a:r>
+                  <a:rPr lang="en-US" sz="2000" dirty="0" smtClean="0"/>
+                  <a:t>EDMA issues read to shared SRAM.</a:t>
+                </a:r>
+                <a:endParaRPr lang="en-US" sz="2000" dirty="0"/>
+              </a:p>
+            </p:txBody>
+          </p:sp>
+          <p:sp>
+            <p:nvSpPr>
+              <p:cNvPr id="9" name="Rounded Rectangular Callout 8"/>
+              <p:cNvSpPr/>
+              <p:nvPr/>
+            </p:nvSpPr>
+            <p:spPr>
+              <a:xfrm>
+                <a:off x="685800" y="1374085"/>
+                <a:ext cx="1600200" cy="1695691"/>
+              </a:xfrm>
+              <a:prstGeom prst="wedgeRoundRectCallout">
+                <a:avLst>
+                  <a:gd name="adj1" fmla="val 104219"/>
+                  <a:gd name="adj2" fmla="val 101009"/>
+                  <a:gd name="adj3" fmla="val 16667"/>
+                </a:avLst>
+              </a:prstGeom>
+            </p:spPr>
+            <p:style>
+              <a:lnRef idx="2">
+                <a:schemeClr val="accent1">
+                  <a:shade val="50000"/>
+                </a:schemeClr>
+              </a:lnRef>
+              <a:fillRef idx="1">
+                <a:schemeClr val="accent1"/>
+              </a:fillRef>
+              <a:effectRef idx="0">
+                <a:schemeClr val="accent1"/>
+              </a:effectRef>
+              <a:fontRef idx="minor">
+                <a:schemeClr val="lt1"/>
+              </a:fontRef>
+            </p:style>
+            <p:txBody>
+              <a:bodyPr lIns="0" tIns="0" rIns="0" bIns="0" rtlCol="0" anchor="ctr"/>
+              <a:lstStyle/>
+              <a:p>
+                <a:pPr algn="ctr"/>
+                <a:r>
+                  <a:rPr lang="en-US" sz="2000" dirty="0" smtClean="0"/>
+                  <a:t>Coherence Controller issues read snoops to ARM.</a:t>
+                </a:r>
+                <a:endParaRPr lang="en-US" sz="2000" dirty="0"/>
+              </a:p>
+            </p:txBody>
+          </p:sp>
+        </p:grpSp>
+        <p:sp>
+          <p:nvSpPr>
+            <p:cNvPr id="10" name="Freeform 9"/>
+            <p:cNvSpPr/>
+            <p:nvPr/>
+          </p:nvSpPr>
+          <p:spPr>
+            <a:xfrm>
+              <a:off x="3200401" y="3235428"/>
+              <a:ext cx="2362200" cy="1510748"/>
+            </a:xfrm>
+            <a:custGeom>
+              <a:avLst/>
+              <a:gdLst>
+                <a:gd name="connsiteX0" fmla="*/ 1442279 w 1442279"/>
+                <a:gd name="connsiteY0" fmla="*/ 1431235 h 1444487"/>
+                <a:gd name="connsiteX1" fmla="*/ 408609 w 1442279"/>
+                <a:gd name="connsiteY1" fmla="*/ 1364974 h 1444487"/>
+                <a:gd name="connsiteX2" fmla="*/ 64052 w 1442279"/>
+                <a:gd name="connsiteY2" fmla="*/ 954157 h 1444487"/>
+                <a:gd name="connsiteX3" fmla="*/ 24296 w 1442279"/>
+                <a:gd name="connsiteY3" fmla="*/ 0 h 1444487"/>
+              </a:gdLst>
+              <a:ahLst/>
+              <a:cxnLst>
+                <a:cxn ang="0">
+                  <a:pos x="connsiteX0" y="connsiteY0"/>
+                </a:cxn>
+                <a:cxn ang="0">
+                  <a:pos x="connsiteX1" y="connsiteY1"/>
+                </a:cxn>
+                <a:cxn ang="0">
+                  <a:pos x="connsiteX2" y="connsiteY2"/>
+                </a:cxn>
+                <a:cxn ang="0">
+                  <a:pos x="connsiteX3" y="connsiteY3"/>
+                </a:cxn>
+              </a:cxnLst>
+              <a:rect l="l" t="t" r="r" b="b"/>
+              <a:pathLst>
+                <a:path w="1442279" h="1444487">
+                  <a:moveTo>
+                    <a:pt x="1442279" y="1431235"/>
+                  </a:moveTo>
+                  <a:cubicBezTo>
+                    <a:pt x="1040296" y="1437861"/>
+                    <a:pt x="638314" y="1444487"/>
+                    <a:pt x="408609" y="1364974"/>
+                  </a:cubicBezTo>
+                  <a:cubicBezTo>
+                    <a:pt x="178905" y="1285461"/>
+                    <a:pt x="128104" y="1181653"/>
+                    <a:pt x="64052" y="954157"/>
+                  </a:cubicBezTo>
+                  <a:cubicBezTo>
+                    <a:pt x="0" y="726661"/>
+                    <a:pt x="12148" y="363330"/>
+                    <a:pt x="24296" y="0"/>
+                  </a:cubicBezTo>
+                </a:path>
+              </a:pathLst>
+            </a:custGeom>
+            <a:ln w="25400">
               <a:solidFill>
-                <a:schemeClr val="bg1"/>
+                <a:schemeClr val="tx1"/>
               </a:solidFill>
-            </a:endParaRPr>
-          </a:p>
-        </p:txBody>
-      </p:sp>
-      <p:sp>
-        <p:nvSpPr>
-          <p:cNvPr id="8" name="Rounded Rectangular Callout 7"/>
-          <p:cNvSpPr/>
-          <p:nvPr/>
-        </p:nvSpPr>
-        <p:spPr>
-          <a:xfrm>
-            <a:off x="336624" y="5228454"/>
-            <a:ext cx="1600200" cy="1194122"/>
-          </a:xfrm>
-          <a:prstGeom prst="wedgeRoundRectCallout">
-            <a:avLst>
-              <a:gd name="adj1" fmla="val 48905"/>
-              <a:gd name="adj2" fmla="val -119149"/>
-              <a:gd name="adj3" fmla="val 16667"/>
-            </a:avLst>
-          </a:prstGeom>
-        </p:spPr>
-        <p:style>
-          <a:lnRef idx="2">
-            <a:schemeClr val="accent1">
-              <a:shade val="50000"/>
-            </a:schemeClr>
-          </a:lnRef>
-          <a:fillRef idx="1">
-            <a:schemeClr val="accent1"/>
-          </a:fillRef>
-          <a:effectRef idx="0">
-            <a:schemeClr val="accent1"/>
-          </a:effectRef>
-          <a:fontRef idx="minor">
-            <a:schemeClr val="lt1"/>
-          </a:fontRef>
-        </p:style>
-        <p:txBody>
-          <a:bodyPr lIns="0" tIns="0" rIns="0" bIns="0" rtlCol="0" anchor="ctr"/>
-          <a:lstStyle/>
-          <a:p>
-            <a:pPr algn="ctr"/>
-            <a:r>
-              <a:rPr lang="en-US" sz="2000" dirty="0" smtClean="0"/>
-              <a:t>EDMA issues read to shared SRAM.</a:t>
-            </a:r>
-            <a:endParaRPr lang="en-US" sz="2000" dirty="0"/>
-          </a:p>
-        </p:txBody>
-      </p:sp>
-      <p:sp>
-        <p:nvSpPr>
-          <p:cNvPr id="9" name="Rounded Rectangular Callout 8"/>
-          <p:cNvSpPr/>
-          <p:nvPr/>
-        </p:nvSpPr>
-        <p:spPr>
-          <a:xfrm>
-            <a:off x="685800" y="1374085"/>
-            <a:ext cx="1600200" cy="1695691"/>
-          </a:xfrm>
-          <a:prstGeom prst="wedgeRoundRectCallout">
-            <a:avLst>
-              <a:gd name="adj1" fmla="val 104219"/>
-              <a:gd name="adj2" fmla="val 101009"/>
-              <a:gd name="adj3" fmla="val 16667"/>
-            </a:avLst>
-          </a:prstGeom>
-        </p:spPr>
-        <p:style>
-          <a:lnRef idx="2">
-            <a:schemeClr val="accent1">
-              <a:shade val="50000"/>
-            </a:schemeClr>
-          </a:lnRef>
-          <a:fillRef idx="1">
-            <a:schemeClr val="accent1"/>
-          </a:fillRef>
-          <a:effectRef idx="0">
-            <a:schemeClr val="accent1"/>
-          </a:effectRef>
-          <a:fontRef idx="minor">
-            <a:schemeClr val="lt1"/>
-          </a:fontRef>
-        </p:style>
-        <p:txBody>
-          <a:bodyPr lIns="0" tIns="0" rIns="0" bIns="0" rtlCol="0" anchor="ctr"/>
-          <a:lstStyle/>
-          <a:p>
-            <a:pPr algn="ctr"/>
-            <a:r>
-              <a:rPr lang="en-US" sz="2000" dirty="0" smtClean="0"/>
-              <a:t>Coherence Controller issues read snoops to ARM.</a:t>
-            </a:r>
-            <a:endParaRPr lang="en-US" sz="2000" dirty="0"/>
-          </a:p>
-        </p:txBody>
-      </p:sp>
-      <p:sp>
-        <p:nvSpPr>
-          <p:cNvPr id="10" name="Freeform 9"/>
-          <p:cNvSpPr/>
-          <p:nvPr/>
-        </p:nvSpPr>
-        <p:spPr>
-          <a:xfrm>
-            <a:off x="3200401" y="3235428"/>
-            <a:ext cx="2362200" cy="1510748"/>
-          </a:xfrm>
-          <a:custGeom>
-            <a:avLst/>
-            <a:gdLst>
-              <a:gd name="connsiteX0" fmla="*/ 1442279 w 1442279"/>
-              <a:gd name="connsiteY0" fmla="*/ 1431235 h 1444487"/>
-              <a:gd name="connsiteX1" fmla="*/ 408609 w 1442279"/>
-              <a:gd name="connsiteY1" fmla="*/ 1364974 h 1444487"/>
-              <a:gd name="connsiteX2" fmla="*/ 64052 w 1442279"/>
-              <a:gd name="connsiteY2" fmla="*/ 954157 h 1444487"/>
-              <a:gd name="connsiteX3" fmla="*/ 24296 w 1442279"/>
-              <a:gd name="connsiteY3" fmla="*/ 0 h 1444487"/>
-            </a:gdLst>
-            <a:ahLst/>
-            <a:cxnLst>
-              <a:cxn ang="0">
-                <a:pos x="connsiteX0" y="connsiteY0"/>
-              </a:cxn>
-              <a:cxn ang="0">
-                <a:pos x="connsiteX1" y="connsiteY1"/>
-              </a:cxn>
-              <a:cxn ang="0">
-                <a:pos x="connsiteX2" y="connsiteY2"/>
-              </a:cxn>
-              <a:cxn ang="0">
-                <a:pos x="connsiteX3" y="connsiteY3"/>
-              </a:cxn>
-            </a:cxnLst>
-            <a:rect l="l" t="t" r="r" b="b"/>
-            <a:pathLst>
-              <a:path w="1442279" h="1444487">
-                <a:moveTo>
-                  <a:pt x="1442279" y="1431235"/>
-                </a:moveTo>
-                <a:cubicBezTo>
-                  <a:pt x="1040296" y="1437861"/>
-                  <a:pt x="638314" y="1444487"/>
-                  <a:pt x="408609" y="1364974"/>
-                </a:cubicBezTo>
-                <a:cubicBezTo>
-                  <a:pt x="178905" y="1285461"/>
-                  <a:pt x="128104" y="1181653"/>
-                  <a:pt x="64052" y="954157"/>
-                </a:cubicBezTo>
-                <a:cubicBezTo>
-                  <a:pt x="0" y="726661"/>
-                  <a:pt x="12148" y="363330"/>
-                  <a:pt x="24296" y="0"/>
-                </a:cubicBezTo>
-              </a:path>
-            </a:pathLst>
-          </a:custGeom>
-          <a:ln w="25400">
+              <a:tailEnd type="triangle" w="lg" len="lg"/>
+            </a:ln>
+          </p:spPr>
+          <p:style>
+            <a:lnRef idx="1">
+              <a:schemeClr val="accent1"/>
+            </a:lnRef>
+            <a:fillRef idx="0">
+              <a:schemeClr val="accent1"/>
+            </a:fillRef>
+            <a:effectRef idx="0">
+              <a:schemeClr val="accent1"/>
+            </a:effectRef>
+            <a:fontRef idx="minor">
+              <a:schemeClr val="tx1"/>
+            </a:fontRef>
+          </p:style>
+          <p:txBody>
+            <a:bodyPr rtlCol="0" anchor="ctr"/>
+            <a:lstStyle/>
+            <a:p>
+              <a:pPr algn="ctr"/>
+              <a:endParaRPr lang="en-US"/>
+            </a:p>
+          </p:txBody>
+        </p:sp>
+        <p:sp>
+          <p:nvSpPr>
+            <p:cNvPr id="11" name="Oval 10"/>
+            <p:cNvSpPr/>
+            <p:nvPr/>
+          </p:nvSpPr>
+          <p:spPr>
+            <a:xfrm>
+              <a:off x="3276600" y="3526976"/>
+              <a:ext cx="457200" cy="381000"/>
+            </a:xfrm>
+            <a:prstGeom prst="ellipse">
+              <a:avLst/>
+            </a:prstGeom>
             <a:solidFill>
-              <a:schemeClr val="tx1"/>
+              <a:srgbClr val="FF0000"/>
             </a:solidFill>
-            <a:tailEnd type="triangle" w="lg" len="lg"/>
-          </a:ln>
-        </p:spPr>
-        <p:style>
-          <a:lnRef idx="1">
-            <a:schemeClr val="accent1"/>
-          </a:lnRef>
-          <a:fillRef idx="0">
-            <a:schemeClr val="accent1"/>
-          </a:fillRef>
-          <a:effectRef idx="0">
-            <a:schemeClr val="accent1"/>
-          </a:effectRef>
-          <a:fontRef idx="minor">
-            <a:schemeClr val="tx1"/>
-          </a:fontRef>
-        </p:style>
-        <p:txBody>
-          <a:bodyPr rtlCol="0" anchor="ctr"/>
-          <a:lstStyle/>
-          <a:p>
-            <a:pPr algn="ctr"/>
-            <a:endParaRPr lang="en-US"/>
-          </a:p>
-        </p:txBody>
-      </p:sp>
-      <p:sp>
-        <p:nvSpPr>
-          <p:cNvPr id="11" name="Oval 10"/>
-          <p:cNvSpPr/>
-          <p:nvPr/>
-        </p:nvSpPr>
-        <p:spPr>
-          <a:xfrm>
-            <a:off x="3276600" y="3526976"/>
-            <a:ext cx="457200" cy="381000"/>
-          </a:xfrm>
-          <a:prstGeom prst="ellipse">
-            <a:avLst/>
-          </a:prstGeom>
-          <a:solidFill>
-            <a:srgbClr val="FF0000"/>
-          </a:solidFill>
-        </p:spPr>
-        <p:style>
-          <a:lnRef idx="2">
-            <a:schemeClr val="accent1">
-              <a:shade val="50000"/>
-            </a:schemeClr>
-          </a:lnRef>
-          <a:fillRef idx="1">
-            <a:schemeClr val="accent1"/>
-          </a:fillRef>
-          <a:effectRef idx="0">
-            <a:schemeClr val="accent1"/>
-          </a:effectRef>
-          <a:fontRef idx="minor">
-            <a:schemeClr val="lt1"/>
-          </a:fontRef>
-        </p:style>
-        <p:txBody>
-          <a:bodyPr rtlCol="0" anchor="ctr"/>
-          <a:lstStyle/>
-          <a:p>
-            <a:pPr algn="ctr"/>
-            <a:r>
-              <a:rPr lang="en-US" b="1" dirty="0" smtClean="0">
+          </p:spPr>
+          <p:style>
+            <a:lnRef idx="2">
+              <a:schemeClr val="accent1">
+                <a:shade val="50000"/>
+              </a:schemeClr>
+            </a:lnRef>
+            <a:fillRef idx="1">
+              <a:schemeClr val="accent1"/>
+            </a:fillRef>
+            <a:effectRef idx="0">
+              <a:schemeClr val="accent1"/>
+            </a:effectRef>
+            <a:fontRef idx="minor">
+              <a:schemeClr val="lt1"/>
+            </a:fontRef>
+          </p:style>
+          <p:txBody>
+            <a:bodyPr rtlCol="0" anchor="ctr"/>
+            <a:lstStyle/>
+            <a:p>
+              <a:pPr algn="ctr"/>
+              <a:r>
+                <a:rPr lang="en-US" b="1" dirty="0" smtClean="0">
+                  <a:solidFill>
+                    <a:schemeClr val="bg1"/>
+                  </a:solidFill>
+                </a:rPr>
+                <a:t>2</a:t>
+              </a:r>
+              <a:endParaRPr lang="en-US" b="1" dirty="0">
                 <a:solidFill>
                   <a:schemeClr val="bg1"/>
                 </a:solidFill>
-              </a:rPr>
-              <a:t>2</a:t>
-            </a:r>
-            <a:endParaRPr lang="en-US" b="1" dirty="0">
-              <a:solidFill>
-                <a:schemeClr val="bg1"/>
-              </a:solidFill>
-            </a:endParaRPr>
-          </a:p>
-        </p:txBody>
-      </p:sp>
+              </a:endParaRPr>
+            </a:p>
+          </p:txBody>
+        </p:sp>
+      </p:grpSp>
     </p:spTree>
   </p:cSld>
   <p:clrMapOvr>
@@ -11867,38 +12109,6 @@
           <a:chExt cx="0" cy="0"/>
         </a:xfrm>
       </p:grpSpPr>
-      <p:pic>
-        <p:nvPicPr>
-          <p:cNvPr id="7" name="Picture 7"/>
-          <p:cNvPicPr>
-            <a:picLocks noChangeArrowheads="1"/>
-          </p:cNvPicPr>
-          <p:nvPr/>
-        </p:nvPicPr>
-        <p:blipFill>
-          <a:blip r:embed="rId2" cstate="print"/>
-          <a:srcRect/>
-          <a:stretch>
-            <a:fillRect/>
-          </a:stretch>
-        </p:blipFill>
-        <p:spPr bwMode="auto">
-          <a:xfrm>
-            <a:off x="346672" y="1170694"/>
-            <a:ext cx="8458200" cy="5303520"/>
-          </a:xfrm>
-          <a:prstGeom prst="rect">
-            <a:avLst/>
-          </a:prstGeom>
-          <a:noFill/>
-          <a:ln w="9525">
-            <a:noFill/>
-            <a:miter lim="800000"/>
-            <a:headEnd/>
-            <a:tailEnd/>
-          </a:ln>
-        </p:spPr>
-      </p:pic>
       <p:sp>
         <p:nvSpPr>
           <p:cNvPr id="4" name="Title 3"/>
@@ -11939,591 +12149,638 @@
           </a:p>
         </p:txBody>
       </p:sp>
-      <p:sp>
-        <p:nvSpPr>
-          <p:cNvPr id="5" name="Freeform 4"/>
-          <p:cNvSpPr/>
+      <p:grpSp>
+        <p:nvGrpSpPr>
+          <p:cNvPr id="14" name="Group 13"/>
+          <p:cNvGrpSpPr/>
           <p:nvPr/>
-        </p:nvSpPr>
-        <p:spPr>
+        </p:nvGrpSpPr>
+        <p:grpSpPr>
           <a:xfrm>
-            <a:off x="1535946" y="4006574"/>
-            <a:ext cx="4081669" cy="384313"/>
+            <a:off x="415752" y="1091566"/>
+            <a:ext cx="8468248" cy="5303520"/>
+            <a:chOff x="336624" y="1170694"/>
+            <a:chExt cx="8468248" cy="5303520"/>
           </a:xfrm>
-          <a:custGeom>
-            <a:avLst/>
-            <a:gdLst>
-              <a:gd name="connsiteX0" fmla="*/ 0 w 4081669"/>
-              <a:gd name="connsiteY0" fmla="*/ 379896 h 384313"/>
-              <a:gd name="connsiteX1" fmla="*/ 1868556 w 4081669"/>
-              <a:gd name="connsiteY1" fmla="*/ 326887 h 384313"/>
-              <a:gd name="connsiteX2" fmla="*/ 2981739 w 4081669"/>
-              <a:gd name="connsiteY2" fmla="*/ 35339 h 384313"/>
-              <a:gd name="connsiteX3" fmla="*/ 4081669 w 4081669"/>
-              <a:gd name="connsiteY3" fmla="*/ 114852 h 384313"/>
-            </a:gdLst>
-            <a:ahLst/>
-            <a:cxnLst>
-              <a:cxn ang="0">
-                <a:pos x="connsiteX0" y="connsiteY0"/>
-              </a:cxn>
-              <a:cxn ang="0">
-                <a:pos x="connsiteX1" y="connsiteY1"/>
-              </a:cxn>
-              <a:cxn ang="0">
-                <a:pos x="connsiteX2" y="connsiteY2"/>
-              </a:cxn>
-              <a:cxn ang="0">
-                <a:pos x="connsiteX3" y="connsiteY3"/>
-              </a:cxn>
-            </a:cxnLst>
-            <a:rect l="l" t="t" r="r" b="b"/>
-            <a:pathLst>
-              <a:path w="4081669" h="384313">
-                <a:moveTo>
-                  <a:pt x="0" y="379896"/>
-                </a:moveTo>
-                <a:cubicBezTo>
-                  <a:pt x="685800" y="382104"/>
-                  <a:pt x="1371600" y="384313"/>
-                  <a:pt x="1868556" y="326887"/>
-                </a:cubicBezTo>
-                <a:cubicBezTo>
-                  <a:pt x="2365513" y="269461"/>
-                  <a:pt x="2612887" y="70678"/>
-                  <a:pt x="2981739" y="35339"/>
-                </a:cubicBezTo>
-                <a:cubicBezTo>
-                  <a:pt x="3350591" y="0"/>
-                  <a:pt x="3716130" y="57426"/>
-                  <a:pt x="4081669" y="114852"/>
-                </a:cubicBezTo>
-              </a:path>
-            </a:pathLst>
-          </a:custGeom>
-          <a:ln w="25400">
+        </p:grpSpPr>
+        <p:pic>
+          <p:nvPicPr>
+            <p:cNvPr id="7" name="Picture 7"/>
+            <p:cNvPicPr>
+              <a:picLocks noChangeArrowheads="1"/>
+            </p:cNvPicPr>
+            <p:nvPr/>
+          </p:nvPicPr>
+          <p:blipFill>
+            <a:blip r:embed="rId2" cstate="print"/>
+            <a:srcRect/>
+            <a:stretch>
+              <a:fillRect/>
+            </a:stretch>
+          </p:blipFill>
+          <p:spPr bwMode="auto">
+            <a:xfrm>
+              <a:off x="346672" y="1170694"/>
+              <a:ext cx="8458200" cy="5303520"/>
+            </a:xfrm>
+            <a:prstGeom prst="rect">
+              <a:avLst/>
+            </a:prstGeom>
+            <a:noFill/>
+            <a:ln w="9525">
+              <a:noFill/>
+              <a:miter lim="800000"/>
+              <a:headEnd/>
+              <a:tailEnd/>
+            </a:ln>
+          </p:spPr>
+        </p:pic>
+        <p:sp>
+          <p:nvSpPr>
+            <p:cNvPr id="5" name="Freeform 4"/>
+            <p:cNvSpPr/>
+            <p:nvPr/>
+          </p:nvSpPr>
+          <p:spPr>
+            <a:xfrm>
+              <a:off x="1535946" y="4006574"/>
+              <a:ext cx="4081669" cy="384313"/>
+            </a:xfrm>
+            <a:custGeom>
+              <a:avLst/>
+              <a:gdLst>
+                <a:gd name="connsiteX0" fmla="*/ 0 w 4081669"/>
+                <a:gd name="connsiteY0" fmla="*/ 379896 h 384313"/>
+                <a:gd name="connsiteX1" fmla="*/ 1868556 w 4081669"/>
+                <a:gd name="connsiteY1" fmla="*/ 326887 h 384313"/>
+                <a:gd name="connsiteX2" fmla="*/ 2981739 w 4081669"/>
+                <a:gd name="connsiteY2" fmla="*/ 35339 h 384313"/>
+                <a:gd name="connsiteX3" fmla="*/ 4081669 w 4081669"/>
+                <a:gd name="connsiteY3" fmla="*/ 114852 h 384313"/>
+              </a:gdLst>
+              <a:ahLst/>
+              <a:cxnLst>
+                <a:cxn ang="0">
+                  <a:pos x="connsiteX0" y="connsiteY0"/>
+                </a:cxn>
+                <a:cxn ang="0">
+                  <a:pos x="connsiteX1" y="connsiteY1"/>
+                </a:cxn>
+                <a:cxn ang="0">
+                  <a:pos x="connsiteX2" y="connsiteY2"/>
+                </a:cxn>
+                <a:cxn ang="0">
+                  <a:pos x="connsiteX3" y="connsiteY3"/>
+                </a:cxn>
+              </a:cxnLst>
+              <a:rect l="l" t="t" r="r" b="b"/>
+              <a:pathLst>
+                <a:path w="4081669" h="384313">
+                  <a:moveTo>
+                    <a:pt x="0" y="379896"/>
+                  </a:moveTo>
+                  <a:cubicBezTo>
+                    <a:pt x="685800" y="382104"/>
+                    <a:pt x="1371600" y="384313"/>
+                    <a:pt x="1868556" y="326887"/>
+                  </a:cubicBezTo>
+                  <a:cubicBezTo>
+                    <a:pt x="2365513" y="269461"/>
+                    <a:pt x="2612887" y="70678"/>
+                    <a:pt x="2981739" y="35339"/>
+                  </a:cubicBezTo>
+                  <a:cubicBezTo>
+                    <a:pt x="3350591" y="0"/>
+                    <a:pt x="3716130" y="57426"/>
+                    <a:pt x="4081669" y="114852"/>
+                  </a:cubicBezTo>
+                </a:path>
+              </a:pathLst>
+            </a:custGeom>
+            <a:ln w="25400">
+              <a:solidFill>
+                <a:schemeClr val="tx1"/>
+              </a:solidFill>
+              <a:tailEnd type="triangle" w="lg" len="lg"/>
+            </a:ln>
+          </p:spPr>
+          <p:style>
+            <a:lnRef idx="1">
+              <a:schemeClr val="accent1"/>
+            </a:lnRef>
+            <a:fillRef idx="0">
+              <a:schemeClr val="accent1"/>
+            </a:fillRef>
+            <a:effectRef idx="0">
+              <a:schemeClr val="accent1"/>
+            </a:effectRef>
+            <a:fontRef idx="minor">
+              <a:schemeClr val="tx1"/>
+            </a:fontRef>
+          </p:style>
+          <p:txBody>
+            <a:bodyPr rtlCol="0" anchor="ctr"/>
+            <a:lstStyle/>
+            <a:p>
+              <a:pPr algn="ctr"/>
+              <a:endParaRPr lang="en-US"/>
+            </a:p>
+          </p:txBody>
+        </p:sp>
+        <p:sp>
+          <p:nvSpPr>
+            <p:cNvPr id="6" name="Oval 5"/>
+            <p:cNvSpPr/>
+            <p:nvPr/>
+          </p:nvSpPr>
+          <p:spPr>
+            <a:xfrm>
+              <a:off x="1632024" y="3962400"/>
+              <a:ext cx="457200" cy="381000"/>
+            </a:xfrm>
+            <a:prstGeom prst="ellipse">
+              <a:avLst/>
+            </a:prstGeom>
             <a:solidFill>
-              <a:schemeClr val="tx1"/>
+              <a:srgbClr val="FF0000"/>
             </a:solidFill>
-            <a:tailEnd type="triangle" w="lg" len="lg"/>
-          </a:ln>
-        </p:spPr>
-        <p:style>
-          <a:lnRef idx="1">
-            <a:schemeClr val="accent1"/>
-          </a:lnRef>
-          <a:fillRef idx="0">
-            <a:schemeClr val="accent1"/>
-          </a:fillRef>
-          <a:effectRef idx="0">
-            <a:schemeClr val="accent1"/>
-          </a:effectRef>
-          <a:fontRef idx="minor">
-            <a:schemeClr val="tx1"/>
-          </a:fontRef>
-        </p:style>
-        <p:txBody>
-          <a:bodyPr rtlCol="0" anchor="ctr"/>
-          <a:lstStyle/>
-          <a:p>
-            <a:pPr algn="ctr"/>
-            <a:endParaRPr lang="en-US"/>
-          </a:p>
-        </p:txBody>
-      </p:sp>
-      <p:sp>
-        <p:nvSpPr>
-          <p:cNvPr id="6" name="Oval 5"/>
-          <p:cNvSpPr/>
-          <p:nvPr/>
-        </p:nvSpPr>
-        <p:spPr>
-          <a:xfrm>
-            <a:off x="1632024" y="3962400"/>
-            <a:ext cx="457200" cy="381000"/>
-          </a:xfrm>
-          <a:prstGeom prst="ellipse">
-            <a:avLst/>
-          </a:prstGeom>
-          <a:solidFill>
-            <a:srgbClr val="FF0000"/>
-          </a:solidFill>
-        </p:spPr>
-        <p:style>
-          <a:lnRef idx="2">
-            <a:schemeClr val="accent1">
-              <a:shade val="50000"/>
-            </a:schemeClr>
-          </a:lnRef>
-          <a:fillRef idx="1">
-            <a:schemeClr val="accent1"/>
-          </a:fillRef>
-          <a:effectRef idx="0">
-            <a:schemeClr val="accent1"/>
-          </a:effectRef>
-          <a:fontRef idx="minor">
-            <a:schemeClr val="lt1"/>
-          </a:fontRef>
-        </p:style>
-        <p:txBody>
-          <a:bodyPr rtlCol="0" anchor="ctr"/>
-          <a:lstStyle/>
-          <a:p>
-            <a:pPr algn="ctr"/>
-            <a:r>
-              <a:rPr lang="en-US" b="1" dirty="0" smtClean="0">
+          </p:spPr>
+          <p:style>
+            <a:lnRef idx="2">
+              <a:schemeClr val="accent1">
+                <a:shade val="50000"/>
+              </a:schemeClr>
+            </a:lnRef>
+            <a:fillRef idx="1">
+              <a:schemeClr val="accent1"/>
+            </a:fillRef>
+            <a:effectRef idx="0">
+              <a:schemeClr val="accent1"/>
+            </a:effectRef>
+            <a:fontRef idx="minor">
+              <a:schemeClr val="lt1"/>
+            </a:fontRef>
+          </p:style>
+          <p:txBody>
+            <a:bodyPr rtlCol="0" anchor="ctr"/>
+            <a:lstStyle/>
+            <a:p>
+              <a:pPr algn="ctr"/>
+              <a:r>
+                <a:rPr lang="en-US" b="1" dirty="0" smtClean="0">
+                  <a:solidFill>
+                    <a:schemeClr val="bg1"/>
+                  </a:solidFill>
+                </a:rPr>
+                <a:t>1</a:t>
+              </a:r>
+              <a:endParaRPr lang="en-US" b="1" dirty="0">
                 <a:solidFill>
                   <a:schemeClr val="bg1"/>
                 </a:solidFill>
-              </a:rPr>
-              <a:t>1</a:t>
-            </a:r>
-            <a:endParaRPr lang="en-US" b="1" dirty="0">
+              </a:endParaRPr>
+            </a:p>
+          </p:txBody>
+        </p:sp>
+        <p:sp>
+          <p:nvSpPr>
+            <p:cNvPr id="8" name="Rounded Rectangular Callout 7"/>
+            <p:cNvSpPr/>
+            <p:nvPr/>
+          </p:nvSpPr>
+          <p:spPr>
+            <a:xfrm>
+              <a:off x="336624" y="5228454"/>
+              <a:ext cx="1600200" cy="1194122"/>
+            </a:xfrm>
+            <a:prstGeom prst="wedgeRoundRectCallout">
+              <a:avLst>
+                <a:gd name="adj1" fmla="val 48905"/>
+                <a:gd name="adj2" fmla="val -119149"/>
+                <a:gd name="adj3" fmla="val 16667"/>
+              </a:avLst>
+            </a:prstGeom>
+          </p:spPr>
+          <p:style>
+            <a:lnRef idx="2">
+              <a:schemeClr val="accent1">
+                <a:shade val="50000"/>
+              </a:schemeClr>
+            </a:lnRef>
+            <a:fillRef idx="1">
+              <a:schemeClr val="accent1"/>
+            </a:fillRef>
+            <a:effectRef idx="0">
+              <a:schemeClr val="accent1"/>
+            </a:effectRef>
+            <a:fontRef idx="minor">
+              <a:schemeClr val="lt1"/>
+            </a:fontRef>
+          </p:style>
+          <p:txBody>
+            <a:bodyPr lIns="0" tIns="0" rIns="0" bIns="0" rtlCol="0" anchor="ctr"/>
+            <a:lstStyle/>
+            <a:p>
+              <a:pPr algn="ctr"/>
+              <a:r>
+                <a:rPr lang="en-US" sz="2000" dirty="0" smtClean="0"/>
+                <a:t>EDMA issues read to shared SRAM.</a:t>
+              </a:r>
+              <a:endParaRPr lang="en-US" sz="2000" dirty="0"/>
+            </a:p>
+          </p:txBody>
+        </p:sp>
+        <p:sp>
+          <p:nvSpPr>
+            <p:cNvPr id="9" name="Rounded Rectangular Callout 8"/>
+            <p:cNvSpPr/>
+            <p:nvPr/>
+          </p:nvSpPr>
+          <p:spPr>
+            <a:xfrm>
+              <a:off x="685800" y="1374085"/>
+              <a:ext cx="1600200" cy="1695691"/>
+            </a:xfrm>
+            <a:prstGeom prst="wedgeRoundRectCallout">
+              <a:avLst>
+                <a:gd name="adj1" fmla="val 104219"/>
+                <a:gd name="adj2" fmla="val 101009"/>
+                <a:gd name="adj3" fmla="val 16667"/>
+              </a:avLst>
+            </a:prstGeom>
+          </p:spPr>
+          <p:style>
+            <a:lnRef idx="2">
+              <a:schemeClr val="accent1">
+                <a:shade val="50000"/>
+              </a:schemeClr>
+            </a:lnRef>
+            <a:fillRef idx="1">
+              <a:schemeClr val="accent1"/>
+            </a:fillRef>
+            <a:effectRef idx="0">
+              <a:schemeClr val="accent1"/>
+            </a:effectRef>
+            <a:fontRef idx="minor">
+              <a:schemeClr val="lt1"/>
+            </a:fontRef>
+          </p:style>
+          <p:txBody>
+            <a:bodyPr lIns="0" tIns="0" rIns="0" bIns="0" rtlCol="0" anchor="ctr"/>
+            <a:lstStyle/>
+            <a:p>
+              <a:pPr algn="ctr"/>
+              <a:r>
+                <a:rPr lang="en-US" sz="2000" dirty="0" smtClean="0"/>
+                <a:t>Coherence Controller issues read snoops to ARM.</a:t>
+              </a:r>
+              <a:endParaRPr lang="en-US" sz="2000" dirty="0"/>
+            </a:p>
+          </p:txBody>
+        </p:sp>
+        <p:sp>
+          <p:nvSpPr>
+            <p:cNvPr id="10" name="Freeform 9"/>
+            <p:cNvSpPr/>
+            <p:nvPr/>
+          </p:nvSpPr>
+          <p:spPr>
+            <a:xfrm>
+              <a:off x="3200401" y="3235428"/>
+              <a:ext cx="2362200" cy="1510748"/>
+            </a:xfrm>
+            <a:custGeom>
+              <a:avLst/>
+              <a:gdLst>
+                <a:gd name="connsiteX0" fmla="*/ 1442279 w 1442279"/>
+                <a:gd name="connsiteY0" fmla="*/ 1431235 h 1444487"/>
+                <a:gd name="connsiteX1" fmla="*/ 408609 w 1442279"/>
+                <a:gd name="connsiteY1" fmla="*/ 1364974 h 1444487"/>
+                <a:gd name="connsiteX2" fmla="*/ 64052 w 1442279"/>
+                <a:gd name="connsiteY2" fmla="*/ 954157 h 1444487"/>
+                <a:gd name="connsiteX3" fmla="*/ 24296 w 1442279"/>
+                <a:gd name="connsiteY3" fmla="*/ 0 h 1444487"/>
+              </a:gdLst>
+              <a:ahLst/>
+              <a:cxnLst>
+                <a:cxn ang="0">
+                  <a:pos x="connsiteX0" y="connsiteY0"/>
+                </a:cxn>
+                <a:cxn ang="0">
+                  <a:pos x="connsiteX1" y="connsiteY1"/>
+                </a:cxn>
+                <a:cxn ang="0">
+                  <a:pos x="connsiteX2" y="connsiteY2"/>
+                </a:cxn>
+                <a:cxn ang="0">
+                  <a:pos x="connsiteX3" y="connsiteY3"/>
+                </a:cxn>
+              </a:cxnLst>
+              <a:rect l="l" t="t" r="r" b="b"/>
+              <a:pathLst>
+                <a:path w="1442279" h="1444487">
+                  <a:moveTo>
+                    <a:pt x="1442279" y="1431235"/>
+                  </a:moveTo>
+                  <a:cubicBezTo>
+                    <a:pt x="1040296" y="1437861"/>
+                    <a:pt x="638314" y="1444487"/>
+                    <a:pt x="408609" y="1364974"/>
+                  </a:cubicBezTo>
+                  <a:cubicBezTo>
+                    <a:pt x="178905" y="1285461"/>
+                    <a:pt x="128104" y="1181653"/>
+                    <a:pt x="64052" y="954157"/>
+                  </a:cubicBezTo>
+                  <a:cubicBezTo>
+                    <a:pt x="0" y="726661"/>
+                    <a:pt x="12148" y="363330"/>
+                    <a:pt x="24296" y="0"/>
+                  </a:cubicBezTo>
+                </a:path>
+              </a:pathLst>
+            </a:custGeom>
+            <a:ln w="25400">
               <a:solidFill>
-                <a:schemeClr val="bg1"/>
+                <a:schemeClr val="tx1"/>
               </a:solidFill>
-            </a:endParaRPr>
-          </a:p>
-        </p:txBody>
-      </p:sp>
-      <p:sp>
-        <p:nvSpPr>
-          <p:cNvPr id="8" name="Rounded Rectangular Callout 7"/>
-          <p:cNvSpPr/>
-          <p:nvPr/>
-        </p:nvSpPr>
-        <p:spPr>
-          <a:xfrm>
-            <a:off x="336624" y="5228454"/>
-            <a:ext cx="1600200" cy="1194122"/>
-          </a:xfrm>
-          <a:prstGeom prst="wedgeRoundRectCallout">
-            <a:avLst>
-              <a:gd name="adj1" fmla="val 48905"/>
-              <a:gd name="adj2" fmla="val -119149"/>
-              <a:gd name="adj3" fmla="val 16667"/>
-            </a:avLst>
-          </a:prstGeom>
-        </p:spPr>
-        <p:style>
-          <a:lnRef idx="2">
-            <a:schemeClr val="accent1">
-              <a:shade val="50000"/>
-            </a:schemeClr>
-          </a:lnRef>
-          <a:fillRef idx="1">
-            <a:schemeClr val="accent1"/>
-          </a:fillRef>
-          <a:effectRef idx="0">
-            <a:schemeClr val="accent1"/>
-          </a:effectRef>
-          <a:fontRef idx="minor">
-            <a:schemeClr val="lt1"/>
-          </a:fontRef>
-        </p:style>
-        <p:txBody>
-          <a:bodyPr lIns="0" tIns="0" rIns="0" bIns="0" rtlCol="0" anchor="ctr"/>
-          <a:lstStyle/>
-          <a:p>
-            <a:pPr algn="ctr"/>
-            <a:r>
-              <a:rPr lang="en-US" sz="2000" dirty="0" smtClean="0"/>
-              <a:t>EDMA issues read to shared SRAM.</a:t>
-            </a:r>
-            <a:endParaRPr lang="en-US" sz="2000" dirty="0"/>
-          </a:p>
-        </p:txBody>
-      </p:sp>
-      <p:sp>
-        <p:nvSpPr>
-          <p:cNvPr id="9" name="Rounded Rectangular Callout 8"/>
-          <p:cNvSpPr/>
-          <p:nvPr/>
-        </p:nvSpPr>
-        <p:spPr>
-          <a:xfrm>
-            <a:off x="685800" y="1374085"/>
-            <a:ext cx="1600200" cy="1695691"/>
-          </a:xfrm>
-          <a:prstGeom prst="wedgeRoundRectCallout">
-            <a:avLst>
-              <a:gd name="adj1" fmla="val 104219"/>
-              <a:gd name="adj2" fmla="val 101009"/>
-              <a:gd name="adj3" fmla="val 16667"/>
-            </a:avLst>
-          </a:prstGeom>
-        </p:spPr>
-        <p:style>
-          <a:lnRef idx="2">
-            <a:schemeClr val="accent1">
-              <a:shade val="50000"/>
-            </a:schemeClr>
-          </a:lnRef>
-          <a:fillRef idx="1">
-            <a:schemeClr val="accent1"/>
-          </a:fillRef>
-          <a:effectRef idx="0">
-            <a:schemeClr val="accent1"/>
-          </a:effectRef>
-          <a:fontRef idx="minor">
-            <a:schemeClr val="lt1"/>
-          </a:fontRef>
-        </p:style>
-        <p:txBody>
-          <a:bodyPr lIns="0" tIns="0" rIns="0" bIns="0" rtlCol="0" anchor="ctr"/>
-          <a:lstStyle/>
-          <a:p>
-            <a:pPr algn="ctr"/>
-            <a:r>
-              <a:rPr lang="en-US" sz="2000" dirty="0" smtClean="0"/>
-              <a:t>Coherence Controller issues read snoops to ARM.</a:t>
-            </a:r>
-            <a:endParaRPr lang="en-US" sz="2000" dirty="0"/>
-          </a:p>
-        </p:txBody>
-      </p:sp>
-      <p:sp>
-        <p:nvSpPr>
-          <p:cNvPr id="10" name="Freeform 9"/>
-          <p:cNvSpPr/>
-          <p:nvPr/>
-        </p:nvSpPr>
-        <p:spPr>
-          <a:xfrm>
-            <a:off x="3200401" y="3235428"/>
-            <a:ext cx="2362200" cy="1510748"/>
-          </a:xfrm>
-          <a:custGeom>
-            <a:avLst/>
-            <a:gdLst>
-              <a:gd name="connsiteX0" fmla="*/ 1442279 w 1442279"/>
-              <a:gd name="connsiteY0" fmla="*/ 1431235 h 1444487"/>
-              <a:gd name="connsiteX1" fmla="*/ 408609 w 1442279"/>
-              <a:gd name="connsiteY1" fmla="*/ 1364974 h 1444487"/>
-              <a:gd name="connsiteX2" fmla="*/ 64052 w 1442279"/>
-              <a:gd name="connsiteY2" fmla="*/ 954157 h 1444487"/>
-              <a:gd name="connsiteX3" fmla="*/ 24296 w 1442279"/>
-              <a:gd name="connsiteY3" fmla="*/ 0 h 1444487"/>
-            </a:gdLst>
-            <a:ahLst/>
-            <a:cxnLst>
-              <a:cxn ang="0">
-                <a:pos x="connsiteX0" y="connsiteY0"/>
-              </a:cxn>
-              <a:cxn ang="0">
-                <a:pos x="connsiteX1" y="connsiteY1"/>
-              </a:cxn>
-              <a:cxn ang="0">
-                <a:pos x="connsiteX2" y="connsiteY2"/>
-              </a:cxn>
-              <a:cxn ang="0">
-                <a:pos x="connsiteX3" y="connsiteY3"/>
-              </a:cxn>
-            </a:cxnLst>
-            <a:rect l="l" t="t" r="r" b="b"/>
-            <a:pathLst>
-              <a:path w="1442279" h="1444487">
-                <a:moveTo>
-                  <a:pt x="1442279" y="1431235"/>
-                </a:moveTo>
-                <a:cubicBezTo>
-                  <a:pt x="1040296" y="1437861"/>
-                  <a:pt x="638314" y="1444487"/>
-                  <a:pt x="408609" y="1364974"/>
-                </a:cubicBezTo>
-                <a:cubicBezTo>
-                  <a:pt x="178905" y="1285461"/>
-                  <a:pt x="128104" y="1181653"/>
-                  <a:pt x="64052" y="954157"/>
-                </a:cubicBezTo>
-                <a:cubicBezTo>
-                  <a:pt x="0" y="726661"/>
-                  <a:pt x="12148" y="363330"/>
-                  <a:pt x="24296" y="0"/>
-                </a:cubicBezTo>
-              </a:path>
-            </a:pathLst>
-          </a:custGeom>
-          <a:ln w="25400">
+              <a:tailEnd type="triangle" w="lg" len="lg"/>
+            </a:ln>
+          </p:spPr>
+          <p:style>
+            <a:lnRef idx="1">
+              <a:schemeClr val="accent1"/>
+            </a:lnRef>
+            <a:fillRef idx="0">
+              <a:schemeClr val="accent1"/>
+            </a:fillRef>
+            <a:effectRef idx="0">
+              <a:schemeClr val="accent1"/>
+            </a:effectRef>
+            <a:fontRef idx="minor">
+              <a:schemeClr val="tx1"/>
+            </a:fontRef>
+          </p:style>
+          <p:txBody>
+            <a:bodyPr rtlCol="0" anchor="ctr"/>
+            <a:lstStyle/>
+            <a:p>
+              <a:pPr algn="ctr"/>
+              <a:endParaRPr lang="en-US"/>
+            </a:p>
+          </p:txBody>
+        </p:sp>
+        <p:sp>
+          <p:nvSpPr>
+            <p:cNvPr id="11" name="Oval 10"/>
+            <p:cNvSpPr/>
+            <p:nvPr/>
+          </p:nvSpPr>
+          <p:spPr>
+            <a:xfrm>
+              <a:off x="3276600" y="3526976"/>
+              <a:ext cx="457200" cy="381000"/>
+            </a:xfrm>
+            <a:prstGeom prst="ellipse">
+              <a:avLst/>
+            </a:prstGeom>
             <a:solidFill>
-              <a:schemeClr val="tx1"/>
+              <a:srgbClr val="FF0000"/>
             </a:solidFill>
-            <a:tailEnd type="triangle" w="lg" len="lg"/>
-          </a:ln>
-        </p:spPr>
-        <p:style>
-          <a:lnRef idx="1">
-            <a:schemeClr val="accent1"/>
-          </a:lnRef>
-          <a:fillRef idx="0">
-            <a:schemeClr val="accent1"/>
-          </a:fillRef>
-          <a:effectRef idx="0">
-            <a:schemeClr val="accent1"/>
-          </a:effectRef>
-          <a:fontRef idx="minor">
-            <a:schemeClr val="tx1"/>
-          </a:fontRef>
-        </p:style>
-        <p:txBody>
-          <a:bodyPr rtlCol="0" anchor="ctr"/>
-          <a:lstStyle/>
-          <a:p>
-            <a:pPr algn="ctr"/>
-            <a:endParaRPr lang="en-US"/>
-          </a:p>
-        </p:txBody>
-      </p:sp>
-      <p:sp>
-        <p:nvSpPr>
-          <p:cNvPr id="11" name="Oval 10"/>
-          <p:cNvSpPr/>
-          <p:nvPr/>
-        </p:nvSpPr>
-        <p:spPr>
-          <a:xfrm>
-            <a:off x="3276600" y="3526976"/>
-            <a:ext cx="457200" cy="381000"/>
-          </a:xfrm>
-          <a:prstGeom prst="ellipse">
-            <a:avLst/>
-          </a:prstGeom>
-          <a:solidFill>
-            <a:srgbClr val="FF0000"/>
-          </a:solidFill>
-        </p:spPr>
-        <p:style>
-          <a:lnRef idx="2">
-            <a:schemeClr val="accent1">
-              <a:shade val="50000"/>
-            </a:schemeClr>
-          </a:lnRef>
-          <a:fillRef idx="1">
-            <a:schemeClr val="accent1"/>
-          </a:fillRef>
-          <a:effectRef idx="0">
-            <a:schemeClr val="accent1"/>
-          </a:effectRef>
-          <a:fontRef idx="minor">
-            <a:schemeClr val="lt1"/>
-          </a:fontRef>
-        </p:style>
-        <p:txBody>
-          <a:bodyPr rtlCol="0" anchor="ctr"/>
-          <a:lstStyle/>
-          <a:p>
-            <a:pPr algn="ctr"/>
-            <a:r>
-              <a:rPr lang="en-US" b="1" dirty="0" smtClean="0">
+          </p:spPr>
+          <p:style>
+            <a:lnRef idx="2">
+              <a:schemeClr val="accent1">
+                <a:shade val="50000"/>
+              </a:schemeClr>
+            </a:lnRef>
+            <a:fillRef idx="1">
+              <a:schemeClr val="accent1"/>
+            </a:fillRef>
+            <a:effectRef idx="0">
+              <a:schemeClr val="accent1"/>
+            </a:effectRef>
+            <a:fontRef idx="minor">
+              <a:schemeClr val="lt1"/>
+            </a:fontRef>
+          </p:style>
+          <p:txBody>
+            <a:bodyPr rtlCol="0" anchor="ctr"/>
+            <a:lstStyle/>
+            <a:p>
+              <a:pPr algn="ctr"/>
+              <a:r>
+                <a:rPr lang="en-US" b="1" dirty="0" smtClean="0">
+                  <a:solidFill>
+                    <a:schemeClr val="bg1"/>
+                  </a:solidFill>
+                </a:rPr>
+                <a:t>2</a:t>
+              </a:r>
+              <a:endParaRPr lang="en-US" b="1" dirty="0">
                 <a:solidFill>
                   <a:schemeClr val="bg1"/>
                 </a:solidFill>
-              </a:rPr>
-              <a:t>2</a:t>
-            </a:r>
-            <a:endParaRPr lang="en-US" b="1" dirty="0">
+              </a:endParaRPr>
+            </a:p>
+          </p:txBody>
+        </p:sp>
+        <p:sp>
+          <p:nvSpPr>
+            <p:cNvPr id="12" name="Freeform 11"/>
+            <p:cNvSpPr/>
+            <p:nvPr/>
+          </p:nvSpPr>
+          <p:spPr>
+            <a:xfrm>
+              <a:off x="4252206" y="3228584"/>
+              <a:ext cx="1325217" cy="1457739"/>
+            </a:xfrm>
+            <a:custGeom>
+              <a:avLst/>
+              <a:gdLst>
+                <a:gd name="connsiteX0" fmla="*/ 0 w 1325217"/>
+                <a:gd name="connsiteY0" fmla="*/ 0 h 1457739"/>
+                <a:gd name="connsiteX1" fmla="*/ 265043 w 1325217"/>
+                <a:gd name="connsiteY1" fmla="*/ 463826 h 1457739"/>
+                <a:gd name="connsiteX2" fmla="*/ 1126435 w 1325217"/>
+                <a:gd name="connsiteY2" fmla="*/ 914400 h 1457739"/>
+                <a:gd name="connsiteX3" fmla="*/ 1325217 w 1325217"/>
+                <a:gd name="connsiteY3" fmla="*/ 1457739 h 1457739"/>
+              </a:gdLst>
+              <a:ahLst/>
+              <a:cxnLst>
+                <a:cxn ang="0">
+                  <a:pos x="connsiteX0" y="connsiteY0"/>
+                </a:cxn>
+                <a:cxn ang="0">
+                  <a:pos x="connsiteX1" y="connsiteY1"/>
+                </a:cxn>
+                <a:cxn ang="0">
+                  <a:pos x="connsiteX2" y="connsiteY2"/>
+                </a:cxn>
+                <a:cxn ang="0">
+                  <a:pos x="connsiteX3" y="connsiteY3"/>
+                </a:cxn>
+              </a:cxnLst>
+              <a:rect l="l" t="t" r="r" b="b"/>
+              <a:pathLst>
+                <a:path w="1325217" h="1457739">
+                  <a:moveTo>
+                    <a:pt x="0" y="0"/>
+                  </a:moveTo>
+                  <a:cubicBezTo>
+                    <a:pt x="38652" y="155713"/>
+                    <a:pt x="77304" y="311426"/>
+                    <a:pt x="265043" y="463826"/>
+                  </a:cubicBezTo>
+                  <a:cubicBezTo>
+                    <a:pt x="452782" y="616226"/>
+                    <a:pt x="949739" y="748748"/>
+                    <a:pt x="1126435" y="914400"/>
+                  </a:cubicBezTo>
+                  <a:cubicBezTo>
+                    <a:pt x="1303131" y="1080052"/>
+                    <a:pt x="1314174" y="1268895"/>
+                    <a:pt x="1325217" y="1457739"/>
+                  </a:cubicBezTo>
+                </a:path>
+              </a:pathLst>
+            </a:custGeom>
+            <a:ln w="25400">
               <a:solidFill>
-                <a:schemeClr val="bg1"/>
+                <a:schemeClr val="tx1"/>
               </a:solidFill>
-            </a:endParaRPr>
-          </a:p>
-        </p:txBody>
-      </p:sp>
-      <p:sp>
-        <p:nvSpPr>
-          <p:cNvPr id="12" name="Freeform 11"/>
-          <p:cNvSpPr/>
-          <p:nvPr/>
-        </p:nvSpPr>
-        <p:spPr>
-          <a:xfrm>
-            <a:off x="4252206" y="3228584"/>
-            <a:ext cx="1325217" cy="1457739"/>
-          </a:xfrm>
-          <a:custGeom>
-            <a:avLst/>
-            <a:gdLst>
-              <a:gd name="connsiteX0" fmla="*/ 0 w 1325217"/>
-              <a:gd name="connsiteY0" fmla="*/ 0 h 1457739"/>
-              <a:gd name="connsiteX1" fmla="*/ 265043 w 1325217"/>
-              <a:gd name="connsiteY1" fmla="*/ 463826 h 1457739"/>
-              <a:gd name="connsiteX2" fmla="*/ 1126435 w 1325217"/>
-              <a:gd name="connsiteY2" fmla="*/ 914400 h 1457739"/>
-              <a:gd name="connsiteX3" fmla="*/ 1325217 w 1325217"/>
-              <a:gd name="connsiteY3" fmla="*/ 1457739 h 1457739"/>
-            </a:gdLst>
-            <a:ahLst/>
-            <a:cxnLst>
-              <a:cxn ang="0">
-                <a:pos x="connsiteX0" y="connsiteY0"/>
-              </a:cxn>
-              <a:cxn ang="0">
-                <a:pos x="connsiteX1" y="connsiteY1"/>
-              </a:cxn>
-              <a:cxn ang="0">
-                <a:pos x="connsiteX2" y="connsiteY2"/>
-              </a:cxn>
-              <a:cxn ang="0">
-                <a:pos x="connsiteX3" y="connsiteY3"/>
-              </a:cxn>
-            </a:cxnLst>
-            <a:rect l="l" t="t" r="r" b="b"/>
-            <a:pathLst>
-              <a:path w="1325217" h="1457739">
-                <a:moveTo>
-                  <a:pt x="0" y="0"/>
-                </a:moveTo>
-                <a:cubicBezTo>
-                  <a:pt x="38652" y="155713"/>
-                  <a:pt x="77304" y="311426"/>
-                  <a:pt x="265043" y="463826"/>
-                </a:cubicBezTo>
-                <a:cubicBezTo>
-                  <a:pt x="452782" y="616226"/>
-                  <a:pt x="949739" y="748748"/>
-                  <a:pt x="1126435" y="914400"/>
-                </a:cubicBezTo>
-                <a:cubicBezTo>
-                  <a:pt x="1303131" y="1080052"/>
-                  <a:pt x="1314174" y="1268895"/>
-                  <a:pt x="1325217" y="1457739"/>
-                </a:cubicBezTo>
-              </a:path>
-            </a:pathLst>
-          </a:custGeom>
-          <a:ln w="25400">
+              <a:tailEnd type="triangle" w="lg" len="lg"/>
+            </a:ln>
+          </p:spPr>
+          <p:style>
+            <a:lnRef idx="1">
+              <a:schemeClr val="accent1"/>
+            </a:lnRef>
+            <a:fillRef idx="0">
+              <a:schemeClr val="accent1"/>
+            </a:fillRef>
+            <a:effectRef idx="0">
+              <a:schemeClr val="accent1"/>
+            </a:effectRef>
+            <a:fontRef idx="minor">
+              <a:schemeClr val="tx1"/>
+            </a:fontRef>
+          </p:style>
+          <p:txBody>
+            <a:bodyPr rtlCol="0" anchor="ctr"/>
+            <a:lstStyle/>
+            <a:p>
+              <a:pPr algn="ctr"/>
+              <a:endParaRPr lang="en-US"/>
+            </a:p>
+          </p:txBody>
+        </p:sp>
+        <p:sp>
+          <p:nvSpPr>
+            <p:cNvPr id="13" name="Oval 12"/>
+            <p:cNvSpPr/>
+            <p:nvPr/>
+          </p:nvSpPr>
+          <p:spPr>
+            <a:xfrm>
+              <a:off x="4411232" y="3278280"/>
+              <a:ext cx="457200" cy="381000"/>
+            </a:xfrm>
+            <a:prstGeom prst="ellipse">
+              <a:avLst/>
+            </a:prstGeom>
             <a:solidFill>
-              <a:schemeClr val="tx1"/>
+              <a:srgbClr val="FF0000"/>
             </a:solidFill>
-            <a:tailEnd type="triangle" w="lg" len="lg"/>
-          </a:ln>
-        </p:spPr>
-        <p:style>
-          <a:lnRef idx="1">
-            <a:schemeClr val="accent1"/>
-          </a:lnRef>
-          <a:fillRef idx="0">
-            <a:schemeClr val="accent1"/>
-          </a:fillRef>
-          <a:effectRef idx="0">
-            <a:schemeClr val="accent1"/>
-          </a:effectRef>
-          <a:fontRef idx="minor">
-            <a:schemeClr val="tx1"/>
-          </a:fontRef>
-        </p:style>
-        <p:txBody>
-          <a:bodyPr rtlCol="0" anchor="ctr"/>
-          <a:lstStyle/>
-          <a:p>
-            <a:pPr algn="ctr"/>
-            <a:endParaRPr lang="en-US"/>
-          </a:p>
-        </p:txBody>
-      </p:sp>
-      <p:sp>
-        <p:nvSpPr>
-          <p:cNvPr id="13" name="Oval 12"/>
-          <p:cNvSpPr/>
-          <p:nvPr/>
-        </p:nvSpPr>
-        <p:spPr>
-          <a:xfrm>
-            <a:off x="4411232" y="3278280"/>
-            <a:ext cx="457200" cy="381000"/>
-          </a:xfrm>
-          <a:prstGeom prst="ellipse">
-            <a:avLst/>
-          </a:prstGeom>
-          <a:solidFill>
-            <a:srgbClr val="FF0000"/>
-          </a:solidFill>
-        </p:spPr>
-        <p:style>
-          <a:lnRef idx="2">
-            <a:schemeClr val="accent1">
-              <a:shade val="50000"/>
-            </a:schemeClr>
-          </a:lnRef>
-          <a:fillRef idx="1">
-            <a:schemeClr val="accent1"/>
-          </a:fillRef>
-          <a:effectRef idx="0">
-            <a:schemeClr val="accent1"/>
-          </a:effectRef>
-          <a:fontRef idx="minor">
-            <a:schemeClr val="lt1"/>
-          </a:fontRef>
-        </p:style>
-        <p:txBody>
-          <a:bodyPr rtlCol="0" anchor="ctr"/>
-          <a:lstStyle/>
-          <a:p>
-            <a:pPr algn="ctr"/>
-            <a:r>
-              <a:rPr lang="en-US" b="1" dirty="0" smtClean="0">
+          </p:spPr>
+          <p:style>
+            <a:lnRef idx="2">
+              <a:schemeClr val="accent1">
+                <a:shade val="50000"/>
+              </a:schemeClr>
+            </a:lnRef>
+            <a:fillRef idx="1">
+              <a:schemeClr val="accent1"/>
+            </a:fillRef>
+            <a:effectRef idx="0">
+              <a:schemeClr val="accent1"/>
+            </a:effectRef>
+            <a:fontRef idx="minor">
+              <a:schemeClr val="lt1"/>
+            </a:fontRef>
+          </p:style>
+          <p:txBody>
+            <a:bodyPr rtlCol="0" anchor="ctr"/>
+            <a:lstStyle/>
+            <a:p>
+              <a:pPr algn="ctr"/>
+              <a:r>
+                <a:rPr lang="en-US" b="1" dirty="0" smtClean="0">
+                  <a:solidFill>
+                    <a:schemeClr val="bg1"/>
+                  </a:solidFill>
+                </a:rPr>
+                <a:t>3</a:t>
+              </a:r>
+              <a:endParaRPr lang="en-US" b="1" dirty="0">
                 <a:solidFill>
                   <a:schemeClr val="bg1"/>
                 </a:solidFill>
-              </a:rPr>
-              <a:t>3</a:t>
-            </a:r>
-            <a:endParaRPr lang="en-US" b="1" dirty="0">
-              <a:solidFill>
-                <a:schemeClr val="bg1"/>
-              </a:solidFill>
-            </a:endParaRPr>
-          </a:p>
-        </p:txBody>
-      </p:sp>
-      <p:sp>
-        <p:nvSpPr>
-          <p:cNvPr id="15" name="Rounded Rectangular Callout 14"/>
-          <p:cNvSpPr/>
-          <p:nvPr/>
-        </p:nvSpPr>
-        <p:spPr>
-          <a:xfrm>
-            <a:off x="6468632" y="1668026"/>
-            <a:ext cx="1143000" cy="1245996"/>
-          </a:xfrm>
-          <a:prstGeom prst="wedgeRoundRectCallout">
-            <a:avLst>
-              <a:gd name="adj1" fmla="val -185266"/>
-              <a:gd name="adj2" fmla="val 127779"/>
-              <a:gd name="adj3" fmla="val 16667"/>
-            </a:avLst>
-          </a:prstGeom>
-        </p:spPr>
-        <p:style>
-          <a:lnRef idx="2">
-            <a:schemeClr val="accent1">
-              <a:shade val="50000"/>
-            </a:schemeClr>
-          </a:lnRef>
-          <a:fillRef idx="1">
-            <a:schemeClr val="accent1"/>
-          </a:fillRef>
-          <a:effectRef idx="0">
-            <a:schemeClr val="accent1"/>
-          </a:effectRef>
-          <a:fontRef idx="minor">
-            <a:schemeClr val="lt1"/>
-          </a:fontRef>
-        </p:style>
-        <p:txBody>
-          <a:bodyPr lIns="0" tIns="0" rIns="0" bIns="0" rtlCol="0" anchor="ctr"/>
-          <a:lstStyle/>
-          <a:p>
-            <a:pPr algn="ctr"/>
-            <a:r>
-              <a:rPr lang="en-US" sz="2000" dirty="0" smtClean="0"/>
-              <a:t>ARM evicts updated data.</a:t>
-            </a:r>
-            <a:endParaRPr lang="en-US" sz="2000" dirty="0"/>
-          </a:p>
-        </p:txBody>
-      </p:sp>
+              </a:endParaRPr>
+            </a:p>
+          </p:txBody>
+        </p:sp>
+        <p:sp>
+          <p:nvSpPr>
+            <p:cNvPr id="15" name="Rounded Rectangular Callout 14"/>
+            <p:cNvSpPr/>
+            <p:nvPr/>
+          </p:nvSpPr>
+          <p:spPr>
+            <a:xfrm>
+              <a:off x="6468632" y="1668026"/>
+              <a:ext cx="1143000" cy="1245996"/>
+            </a:xfrm>
+            <a:prstGeom prst="wedgeRoundRectCallout">
+              <a:avLst>
+                <a:gd name="adj1" fmla="val -185266"/>
+                <a:gd name="adj2" fmla="val 127779"/>
+                <a:gd name="adj3" fmla="val 16667"/>
+              </a:avLst>
+            </a:prstGeom>
+          </p:spPr>
+          <p:style>
+            <a:lnRef idx="2">
+              <a:schemeClr val="accent1">
+                <a:shade val="50000"/>
+              </a:schemeClr>
+            </a:lnRef>
+            <a:fillRef idx="1">
+              <a:schemeClr val="accent1"/>
+            </a:fillRef>
+            <a:effectRef idx="0">
+              <a:schemeClr val="accent1"/>
+            </a:effectRef>
+            <a:fontRef idx="minor">
+              <a:schemeClr val="lt1"/>
+            </a:fontRef>
+          </p:style>
+          <p:txBody>
+            <a:bodyPr lIns="0" tIns="0" rIns="0" bIns="0" rtlCol="0" anchor="ctr"/>
+            <a:lstStyle/>
+            <a:p>
+              <a:pPr algn="ctr"/>
+              <a:r>
+                <a:rPr lang="en-US" sz="2000" dirty="0" smtClean="0"/>
+                <a:t>ARM evicts updated data.</a:t>
+              </a:r>
+              <a:endParaRPr lang="en-US" sz="2000" dirty="0"/>
+            </a:p>
+          </p:txBody>
+        </p:sp>
+      </p:grpSp>
     </p:spTree>
   </p:cSld>
   <p:clrMapOvr>
@@ -12556,38 +12813,6 @@
           <a:chExt cx="0" cy="0"/>
         </a:xfrm>
       </p:grpSpPr>
-      <p:pic>
-        <p:nvPicPr>
-          <p:cNvPr id="7" name="Picture 7"/>
-          <p:cNvPicPr>
-            <a:picLocks noChangeArrowheads="1"/>
-          </p:cNvPicPr>
-          <p:nvPr/>
-        </p:nvPicPr>
-        <p:blipFill>
-          <a:blip r:embed="rId2" cstate="print"/>
-          <a:srcRect/>
-          <a:stretch>
-            <a:fillRect/>
-          </a:stretch>
-        </p:blipFill>
-        <p:spPr bwMode="auto">
-          <a:xfrm>
-            <a:off x="346672" y="1170694"/>
-            <a:ext cx="8458200" cy="5303520"/>
-          </a:xfrm>
-          <a:prstGeom prst="rect">
-            <a:avLst/>
-          </a:prstGeom>
-          <a:noFill/>
-          <a:ln w="9525">
-            <a:noFill/>
-            <a:miter lim="800000"/>
-            <a:headEnd/>
-            <a:tailEnd/>
-          </a:ln>
-        </p:spPr>
-      </p:pic>
       <p:sp>
         <p:nvSpPr>
           <p:cNvPr id="4" name="Title 3"/>
@@ -12628,776 +12853,823 @@
           </a:p>
         </p:txBody>
       </p:sp>
-      <p:sp>
-        <p:nvSpPr>
-          <p:cNvPr id="5" name="Freeform 4"/>
-          <p:cNvSpPr/>
+      <p:grpSp>
+        <p:nvGrpSpPr>
+          <p:cNvPr id="18" name="Group 17"/>
+          <p:cNvGrpSpPr/>
           <p:nvPr/>
-        </p:nvSpPr>
-        <p:spPr>
+        </p:nvGrpSpPr>
+        <p:grpSpPr>
           <a:xfrm>
-            <a:off x="1535946" y="4006574"/>
-            <a:ext cx="4081669" cy="384313"/>
+            <a:off x="415752" y="1091566"/>
+            <a:ext cx="8656649" cy="5303520"/>
+            <a:chOff x="336624" y="1170694"/>
+            <a:chExt cx="8656649" cy="5303520"/>
           </a:xfrm>
-          <a:custGeom>
-            <a:avLst/>
-            <a:gdLst>
-              <a:gd name="connsiteX0" fmla="*/ 0 w 4081669"/>
-              <a:gd name="connsiteY0" fmla="*/ 379896 h 384313"/>
-              <a:gd name="connsiteX1" fmla="*/ 1868556 w 4081669"/>
-              <a:gd name="connsiteY1" fmla="*/ 326887 h 384313"/>
-              <a:gd name="connsiteX2" fmla="*/ 2981739 w 4081669"/>
-              <a:gd name="connsiteY2" fmla="*/ 35339 h 384313"/>
-              <a:gd name="connsiteX3" fmla="*/ 4081669 w 4081669"/>
-              <a:gd name="connsiteY3" fmla="*/ 114852 h 384313"/>
-            </a:gdLst>
-            <a:ahLst/>
-            <a:cxnLst>
-              <a:cxn ang="0">
-                <a:pos x="connsiteX0" y="connsiteY0"/>
-              </a:cxn>
-              <a:cxn ang="0">
-                <a:pos x="connsiteX1" y="connsiteY1"/>
-              </a:cxn>
-              <a:cxn ang="0">
-                <a:pos x="connsiteX2" y="connsiteY2"/>
-              </a:cxn>
-              <a:cxn ang="0">
-                <a:pos x="connsiteX3" y="connsiteY3"/>
-              </a:cxn>
-            </a:cxnLst>
-            <a:rect l="l" t="t" r="r" b="b"/>
-            <a:pathLst>
-              <a:path w="4081669" h="384313">
-                <a:moveTo>
-                  <a:pt x="0" y="379896"/>
-                </a:moveTo>
-                <a:cubicBezTo>
-                  <a:pt x="685800" y="382104"/>
-                  <a:pt x="1371600" y="384313"/>
-                  <a:pt x="1868556" y="326887"/>
-                </a:cubicBezTo>
-                <a:cubicBezTo>
-                  <a:pt x="2365513" y="269461"/>
-                  <a:pt x="2612887" y="70678"/>
-                  <a:pt x="2981739" y="35339"/>
-                </a:cubicBezTo>
-                <a:cubicBezTo>
-                  <a:pt x="3350591" y="0"/>
-                  <a:pt x="3716130" y="57426"/>
-                  <a:pt x="4081669" y="114852"/>
-                </a:cubicBezTo>
-              </a:path>
-            </a:pathLst>
-          </a:custGeom>
-          <a:ln w="25400">
+        </p:grpSpPr>
+        <p:pic>
+          <p:nvPicPr>
+            <p:cNvPr id="7" name="Picture 7"/>
+            <p:cNvPicPr>
+              <a:picLocks noChangeArrowheads="1"/>
+            </p:cNvPicPr>
+            <p:nvPr/>
+          </p:nvPicPr>
+          <p:blipFill>
+            <a:blip r:embed="rId2" cstate="print"/>
+            <a:srcRect/>
+            <a:stretch>
+              <a:fillRect/>
+            </a:stretch>
+          </p:blipFill>
+          <p:spPr bwMode="auto">
+            <a:xfrm>
+              <a:off x="346672" y="1170694"/>
+              <a:ext cx="8458200" cy="5303520"/>
+            </a:xfrm>
+            <a:prstGeom prst="rect">
+              <a:avLst/>
+            </a:prstGeom>
+            <a:noFill/>
+            <a:ln w="9525">
+              <a:noFill/>
+              <a:miter lim="800000"/>
+              <a:headEnd/>
+              <a:tailEnd/>
+            </a:ln>
+          </p:spPr>
+        </p:pic>
+        <p:sp>
+          <p:nvSpPr>
+            <p:cNvPr id="5" name="Freeform 4"/>
+            <p:cNvSpPr/>
+            <p:nvPr/>
+          </p:nvSpPr>
+          <p:spPr>
+            <a:xfrm>
+              <a:off x="1535946" y="4006574"/>
+              <a:ext cx="4081669" cy="384313"/>
+            </a:xfrm>
+            <a:custGeom>
+              <a:avLst/>
+              <a:gdLst>
+                <a:gd name="connsiteX0" fmla="*/ 0 w 4081669"/>
+                <a:gd name="connsiteY0" fmla="*/ 379896 h 384313"/>
+                <a:gd name="connsiteX1" fmla="*/ 1868556 w 4081669"/>
+                <a:gd name="connsiteY1" fmla="*/ 326887 h 384313"/>
+                <a:gd name="connsiteX2" fmla="*/ 2981739 w 4081669"/>
+                <a:gd name="connsiteY2" fmla="*/ 35339 h 384313"/>
+                <a:gd name="connsiteX3" fmla="*/ 4081669 w 4081669"/>
+                <a:gd name="connsiteY3" fmla="*/ 114852 h 384313"/>
+              </a:gdLst>
+              <a:ahLst/>
+              <a:cxnLst>
+                <a:cxn ang="0">
+                  <a:pos x="connsiteX0" y="connsiteY0"/>
+                </a:cxn>
+                <a:cxn ang="0">
+                  <a:pos x="connsiteX1" y="connsiteY1"/>
+                </a:cxn>
+                <a:cxn ang="0">
+                  <a:pos x="connsiteX2" y="connsiteY2"/>
+                </a:cxn>
+                <a:cxn ang="0">
+                  <a:pos x="connsiteX3" y="connsiteY3"/>
+                </a:cxn>
+              </a:cxnLst>
+              <a:rect l="l" t="t" r="r" b="b"/>
+              <a:pathLst>
+                <a:path w="4081669" h="384313">
+                  <a:moveTo>
+                    <a:pt x="0" y="379896"/>
+                  </a:moveTo>
+                  <a:cubicBezTo>
+                    <a:pt x="685800" y="382104"/>
+                    <a:pt x="1371600" y="384313"/>
+                    <a:pt x="1868556" y="326887"/>
+                  </a:cubicBezTo>
+                  <a:cubicBezTo>
+                    <a:pt x="2365513" y="269461"/>
+                    <a:pt x="2612887" y="70678"/>
+                    <a:pt x="2981739" y="35339"/>
+                  </a:cubicBezTo>
+                  <a:cubicBezTo>
+                    <a:pt x="3350591" y="0"/>
+                    <a:pt x="3716130" y="57426"/>
+                    <a:pt x="4081669" y="114852"/>
+                  </a:cubicBezTo>
+                </a:path>
+              </a:pathLst>
+            </a:custGeom>
+            <a:ln w="25400">
+              <a:solidFill>
+                <a:schemeClr val="tx1"/>
+              </a:solidFill>
+              <a:tailEnd type="triangle" w="lg" len="lg"/>
+            </a:ln>
+          </p:spPr>
+          <p:style>
+            <a:lnRef idx="1">
+              <a:schemeClr val="accent1"/>
+            </a:lnRef>
+            <a:fillRef idx="0">
+              <a:schemeClr val="accent1"/>
+            </a:fillRef>
+            <a:effectRef idx="0">
+              <a:schemeClr val="accent1"/>
+            </a:effectRef>
+            <a:fontRef idx="minor">
+              <a:schemeClr val="tx1"/>
+            </a:fontRef>
+          </p:style>
+          <p:txBody>
+            <a:bodyPr rtlCol="0" anchor="ctr"/>
+            <a:lstStyle/>
+            <a:p>
+              <a:pPr algn="ctr"/>
+              <a:endParaRPr lang="en-US"/>
+            </a:p>
+          </p:txBody>
+        </p:sp>
+        <p:sp>
+          <p:nvSpPr>
+            <p:cNvPr id="6" name="Oval 5"/>
+            <p:cNvSpPr/>
+            <p:nvPr/>
+          </p:nvSpPr>
+          <p:spPr>
+            <a:xfrm>
+              <a:off x="1632024" y="3962400"/>
+              <a:ext cx="457200" cy="381000"/>
+            </a:xfrm>
+            <a:prstGeom prst="ellipse">
+              <a:avLst/>
+            </a:prstGeom>
             <a:solidFill>
-              <a:schemeClr val="tx1"/>
+              <a:srgbClr val="FF0000"/>
             </a:solidFill>
-            <a:tailEnd type="triangle" w="lg" len="lg"/>
-          </a:ln>
-        </p:spPr>
-        <p:style>
-          <a:lnRef idx="1">
-            <a:schemeClr val="accent1"/>
-          </a:lnRef>
-          <a:fillRef idx="0">
-            <a:schemeClr val="accent1"/>
-          </a:fillRef>
-          <a:effectRef idx="0">
-            <a:schemeClr val="accent1"/>
-          </a:effectRef>
-          <a:fontRef idx="minor">
-            <a:schemeClr val="tx1"/>
-          </a:fontRef>
-        </p:style>
-        <p:txBody>
-          <a:bodyPr rtlCol="0" anchor="ctr"/>
-          <a:lstStyle/>
-          <a:p>
-            <a:pPr algn="ctr"/>
-            <a:endParaRPr lang="en-US"/>
-          </a:p>
-        </p:txBody>
-      </p:sp>
-      <p:sp>
-        <p:nvSpPr>
-          <p:cNvPr id="6" name="Oval 5"/>
-          <p:cNvSpPr/>
-          <p:nvPr/>
-        </p:nvSpPr>
-        <p:spPr>
-          <a:xfrm>
-            <a:off x="1632024" y="3962400"/>
-            <a:ext cx="457200" cy="381000"/>
-          </a:xfrm>
-          <a:prstGeom prst="ellipse">
-            <a:avLst/>
-          </a:prstGeom>
-          <a:solidFill>
-            <a:srgbClr val="FF0000"/>
-          </a:solidFill>
-        </p:spPr>
-        <p:style>
-          <a:lnRef idx="2">
-            <a:schemeClr val="accent1">
-              <a:shade val="50000"/>
-            </a:schemeClr>
-          </a:lnRef>
-          <a:fillRef idx="1">
-            <a:schemeClr val="accent1"/>
-          </a:fillRef>
-          <a:effectRef idx="0">
-            <a:schemeClr val="accent1"/>
-          </a:effectRef>
-          <a:fontRef idx="minor">
-            <a:schemeClr val="lt1"/>
-          </a:fontRef>
-        </p:style>
-        <p:txBody>
-          <a:bodyPr rtlCol="0" anchor="ctr"/>
-          <a:lstStyle/>
-          <a:p>
-            <a:pPr algn="ctr"/>
-            <a:r>
-              <a:rPr lang="en-US" b="1" dirty="0" smtClean="0">
+          </p:spPr>
+          <p:style>
+            <a:lnRef idx="2">
+              <a:schemeClr val="accent1">
+                <a:shade val="50000"/>
+              </a:schemeClr>
+            </a:lnRef>
+            <a:fillRef idx="1">
+              <a:schemeClr val="accent1"/>
+            </a:fillRef>
+            <a:effectRef idx="0">
+              <a:schemeClr val="accent1"/>
+            </a:effectRef>
+            <a:fontRef idx="minor">
+              <a:schemeClr val="lt1"/>
+            </a:fontRef>
+          </p:style>
+          <p:txBody>
+            <a:bodyPr rtlCol="0" anchor="ctr"/>
+            <a:lstStyle/>
+            <a:p>
+              <a:pPr algn="ctr"/>
+              <a:r>
+                <a:rPr lang="en-US" b="1" dirty="0" smtClean="0">
+                  <a:solidFill>
+                    <a:schemeClr val="bg1"/>
+                  </a:solidFill>
+                </a:rPr>
+                <a:t>1</a:t>
+              </a:r>
+              <a:endParaRPr lang="en-US" b="1" dirty="0">
                 <a:solidFill>
                   <a:schemeClr val="bg1"/>
                 </a:solidFill>
-              </a:rPr>
-              <a:t>1</a:t>
-            </a:r>
-            <a:endParaRPr lang="en-US" b="1" dirty="0">
+              </a:endParaRPr>
+            </a:p>
+          </p:txBody>
+        </p:sp>
+        <p:sp>
+          <p:nvSpPr>
+            <p:cNvPr id="8" name="Rounded Rectangular Callout 7"/>
+            <p:cNvSpPr/>
+            <p:nvPr/>
+          </p:nvSpPr>
+          <p:spPr>
+            <a:xfrm>
+              <a:off x="336624" y="5228454"/>
+              <a:ext cx="1600200" cy="1194122"/>
+            </a:xfrm>
+            <a:prstGeom prst="wedgeRoundRectCallout">
+              <a:avLst>
+                <a:gd name="adj1" fmla="val 48905"/>
+                <a:gd name="adj2" fmla="val -119149"/>
+                <a:gd name="adj3" fmla="val 16667"/>
+              </a:avLst>
+            </a:prstGeom>
+          </p:spPr>
+          <p:style>
+            <a:lnRef idx="2">
+              <a:schemeClr val="accent1">
+                <a:shade val="50000"/>
+              </a:schemeClr>
+            </a:lnRef>
+            <a:fillRef idx="1">
+              <a:schemeClr val="accent1"/>
+            </a:fillRef>
+            <a:effectRef idx="0">
+              <a:schemeClr val="accent1"/>
+            </a:effectRef>
+            <a:fontRef idx="minor">
+              <a:schemeClr val="lt1"/>
+            </a:fontRef>
+          </p:style>
+          <p:txBody>
+            <a:bodyPr lIns="0" tIns="0" rIns="0" bIns="0" rtlCol="0" anchor="ctr"/>
+            <a:lstStyle/>
+            <a:p>
+              <a:pPr algn="ctr"/>
+              <a:r>
+                <a:rPr lang="en-US" sz="2000" dirty="0" smtClean="0"/>
+                <a:t>EDMA issues read to shared SRAM.</a:t>
+              </a:r>
+              <a:endParaRPr lang="en-US" sz="2000" dirty="0"/>
+            </a:p>
+          </p:txBody>
+        </p:sp>
+        <p:sp>
+          <p:nvSpPr>
+            <p:cNvPr id="9" name="Rounded Rectangular Callout 8"/>
+            <p:cNvSpPr/>
+            <p:nvPr/>
+          </p:nvSpPr>
+          <p:spPr>
+            <a:xfrm>
+              <a:off x="685800" y="1374085"/>
+              <a:ext cx="1600200" cy="1695691"/>
+            </a:xfrm>
+            <a:prstGeom prst="wedgeRoundRectCallout">
+              <a:avLst>
+                <a:gd name="adj1" fmla="val 104219"/>
+                <a:gd name="adj2" fmla="val 101009"/>
+                <a:gd name="adj3" fmla="val 16667"/>
+              </a:avLst>
+            </a:prstGeom>
+          </p:spPr>
+          <p:style>
+            <a:lnRef idx="2">
+              <a:schemeClr val="accent1">
+                <a:shade val="50000"/>
+              </a:schemeClr>
+            </a:lnRef>
+            <a:fillRef idx="1">
+              <a:schemeClr val="accent1"/>
+            </a:fillRef>
+            <a:effectRef idx="0">
+              <a:schemeClr val="accent1"/>
+            </a:effectRef>
+            <a:fontRef idx="minor">
+              <a:schemeClr val="lt1"/>
+            </a:fontRef>
+          </p:style>
+          <p:txBody>
+            <a:bodyPr lIns="0" tIns="0" rIns="0" bIns="0" rtlCol="0" anchor="ctr"/>
+            <a:lstStyle/>
+            <a:p>
+              <a:pPr algn="ctr"/>
+              <a:r>
+                <a:rPr lang="en-US" sz="2000" dirty="0" smtClean="0"/>
+                <a:t>Coherence Controller issues read snoops to ARM.</a:t>
+              </a:r>
+              <a:endParaRPr lang="en-US" sz="2000" dirty="0"/>
+            </a:p>
+          </p:txBody>
+        </p:sp>
+        <p:sp>
+          <p:nvSpPr>
+            <p:cNvPr id="10" name="Freeform 9"/>
+            <p:cNvSpPr/>
+            <p:nvPr/>
+          </p:nvSpPr>
+          <p:spPr>
+            <a:xfrm>
+              <a:off x="3200401" y="3235428"/>
+              <a:ext cx="2362200" cy="1510748"/>
+            </a:xfrm>
+            <a:custGeom>
+              <a:avLst/>
+              <a:gdLst>
+                <a:gd name="connsiteX0" fmla="*/ 1442279 w 1442279"/>
+                <a:gd name="connsiteY0" fmla="*/ 1431235 h 1444487"/>
+                <a:gd name="connsiteX1" fmla="*/ 408609 w 1442279"/>
+                <a:gd name="connsiteY1" fmla="*/ 1364974 h 1444487"/>
+                <a:gd name="connsiteX2" fmla="*/ 64052 w 1442279"/>
+                <a:gd name="connsiteY2" fmla="*/ 954157 h 1444487"/>
+                <a:gd name="connsiteX3" fmla="*/ 24296 w 1442279"/>
+                <a:gd name="connsiteY3" fmla="*/ 0 h 1444487"/>
+              </a:gdLst>
+              <a:ahLst/>
+              <a:cxnLst>
+                <a:cxn ang="0">
+                  <a:pos x="connsiteX0" y="connsiteY0"/>
+                </a:cxn>
+                <a:cxn ang="0">
+                  <a:pos x="connsiteX1" y="connsiteY1"/>
+                </a:cxn>
+                <a:cxn ang="0">
+                  <a:pos x="connsiteX2" y="connsiteY2"/>
+                </a:cxn>
+                <a:cxn ang="0">
+                  <a:pos x="connsiteX3" y="connsiteY3"/>
+                </a:cxn>
+              </a:cxnLst>
+              <a:rect l="l" t="t" r="r" b="b"/>
+              <a:pathLst>
+                <a:path w="1442279" h="1444487">
+                  <a:moveTo>
+                    <a:pt x="1442279" y="1431235"/>
+                  </a:moveTo>
+                  <a:cubicBezTo>
+                    <a:pt x="1040296" y="1437861"/>
+                    <a:pt x="638314" y="1444487"/>
+                    <a:pt x="408609" y="1364974"/>
+                  </a:cubicBezTo>
+                  <a:cubicBezTo>
+                    <a:pt x="178905" y="1285461"/>
+                    <a:pt x="128104" y="1181653"/>
+                    <a:pt x="64052" y="954157"/>
+                  </a:cubicBezTo>
+                  <a:cubicBezTo>
+                    <a:pt x="0" y="726661"/>
+                    <a:pt x="12148" y="363330"/>
+                    <a:pt x="24296" y="0"/>
+                  </a:cubicBezTo>
+                </a:path>
+              </a:pathLst>
+            </a:custGeom>
+            <a:ln w="25400">
               <a:solidFill>
-                <a:schemeClr val="bg1"/>
+                <a:schemeClr val="tx1"/>
               </a:solidFill>
-            </a:endParaRPr>
-          </a:p>
-        </p:txBody>
-      </p:sp>
-      <p:sp>
-        <p:nvSpPr>
-          <p:cNvPr id="8" name="Rounded Rectangular Callout 7"/>
-          <p:cNvSpPr/>
-          <p:nvPr/>
-        </p:nvSpPr>
-        <p:spPr>
-          <a:xfrm>
-            <a:off x="336624" y="5228454"/>
-            <a:ext cx="1600200" cy="1194122"/>
-          </a:xfrm>
-          <a:prstGeom prst="wedgeRoundRectCallout">
-            <a:avLst>
-              <a:gd name="adj1" fmla="val 48905"/>
-              <a:gd name="adj2" fmla="val -119149"/>
-              <a:gd name="adj3" fmla="val 16667"/>
-            </a:avLst>
-          </a:prstGeom>
-        </p:spPr>
-        <p:style>
-          <a:lnRef idx="2">
-            <a:schemeClr val="accent1">
-              <a:shade val="50000"/>
-            </a:schemeClr>
-          </a:lnRef>
-          <a:fillRef idx="1">
-            <a:schemeClr val="accent1"/>
-          </a:fillRef>
-          <a:effectRef idx="0">
-            <a:schemeClr val="accent1"/>
-          </a:effectRef>
-          <a:fontRef idx="minor">
-            <a:schemeClr val="lt1"/>
-          </a:fontRef>
-        </p:style>
-        <p:txBody>
-          <a:bodyPr lIns="0" tIns="0" rIns="0" bIns="0" rtlCol="0" anchor="ctr"/>
-          <a:lstStyle/>
-          <a:p>
-            <a:pPr algn="ctr"/>
-            <a:r>
-              <a:rPr lang="en-US" sz="2000" dirty="0" smtClean="0"/>
-              <a:t>EDMA issues read to shared SRAM.</a:t>
-            </a:r>
-            <a:endParaRPr lang="en-US" sz="2000" dirty="0"/>
-          </a:p>
-        </p:txBody>
-      </p:sp>
-      <p:sp>
-        <p:nvSpPr>
-          <p:cNvPr id="9" name="Rounded Rectangular Callout 8"/>
-          <p:cNvSpPr/>
-          <p:nvPr/>
-        </p:nvSpPr>
-        <p:spPr>
-          <a:xfrm>
-            <a:off x="685800" y="1374085"/>
-            <a:ext cx="1600200" cy="1695691"/>
-          </a:xfrm>
-          <a:prstGeom prst="wedgeRoundRectCallout">
-            <a:avLst>
-              <a:gd name="adj1" fmla="val 104219"/>
-              <a:gd name="adj2" fmla="val 101009"/>
-              <a:gd name="adj3" fmla="val 16667"/>
-            </a:avLst>
-          </a:prstGeom>
-        </p:spPr>
-        <p:style>
-          <a:lnRef idx="2">
-            <a:schemeClr val="accent1">
-              <a:shade val="50000"/>
-            </a:schemeClr>
-          </a:lnRef>
-          <a:fillRef idx="1">
-            <a:schemeClr val="accent1"/>
-          </a:fillRef>
-          <a:effectRef idx="0">
-            <a:schemeClr val="accent1"/>
-          </a:effectRef>
-          <a:fontRef idx="minor">
-            <a:schemeClr val="lt1"/>
-          </a:fontRef>
-        </p:style>
-        <p:txBody>
-          <a:bodyPr lIns="0" tIns="0" rIns="0" bIns="0" rtlCol="0" anchor="ctr"/>
-          <a:lstStyle/>
-          <a:p>
-            <a:pPr algn="ctr"/>
-            <a:r>
-              <a:rPr lang="en-US" sz="2000" dirty="0" smtClean="0"/>
-              <a:t>Coherence Controller issues read snoops to ARM.</a:t>
-            </a:r>
-            <a:endParaRPr lang="en-US" sz="2000" dirty="0"/>
-          </a:p>
-        </p:txBody>
-      </p:sp>
-      <p:sp>
-        <p:nvSpPr>
-          <p:cNvPr id="10" name="Freeform 9"/>
-          <p:cNvSpPr/>
-          <p:nvPr/>
-        </p:nvSpPr>
-        <p:spPr>
-          <a:xfrm>
-            <a:off x="3200401" y="3235428"/>
-            <a:ext cx="2362200" cy="1510748"/>
-          </a:xfrm>
-          <a:custGeom>
-            <a:avLst/>
-            <a:gdLst>
-              <a:gd name="connsiteX0" fmla="*/ 1442279 w 1442279"/>
-              <a:gd name="connsiteY0" fmla="*/ 1431235 h 1444487"/>
-              <a:gd name="connsiteX1" fmla="*/ 408609 w 1442279"/>
-              <a:gd name="connsiteY1" fmla="*/ 1364974 h 1444487"/>
-              <a:gd name="connsiteX2" fmla="*/ 64052 w 1442279"/>
-              <a:gd name="connsiteY2" fmla="*/ 954157 h 1444487"/>
-              <a:gd name="connsiteX3" fmla="*/ 24296 w 1442279"/>
-              <a:gd name="connsiteY3" fmla="*/ 0 h 1444487"/>
-            </a:gdLst>
-            <a:ahLst/>
-            <a:cxnLst>
-              <a:cxn ang="0">
-                <a:pos x="connsiteX0" y="connsiteY0"/>
-              </a:cxn>
-              <a:cxn ang="0">
-                <a:pos x="connsiteX1" y="connsiteY1"/>
-              </a:cxn>
-              <a:cxn ang="0">
-                <a:pos x="connsiteX2" y="connsiteY2"/>
-              </a:cxn>
-              <a:cxn ang="0">
-                <a:pos x="connsiteX3" y="connsiteY3"/>
-              </a:cxn>
-            </a:cxnLst>
-            <a:rect l="l" t="t" r="r" b="b"/>
-            <a:pathLst>
-              <a:path w="1442279" h="1444487">
-                <a:moveTo>
-                  <a:pt x="1442279" y="1431235"/>
-                </a:moveTo>
-                <a:cubicBezTo>
-                  <a:pt x="1040296" y="1437861"/>
-                  <a:pt x="638314" y="1444487"/>
-                  <a:pt x="408609" y="1364974"/>
-                </a:cubicBezTo>
-                <a:cubicBezTo>
-                  <a:pt x="178905" y="1285461"/>
-                  <a:pt x="128104" y="1181653"/>
-                  <a:pt x="64052" y="954157"/>
-                </a:cubicBezTo>
-                <a:cubicBezTo>
-                  <a:pt x="0" y="726661"/>
-                  <a:pt x="12148" y="363330"/>
-                  <a:pt x="24296" y="0"/>
-                </a:cubicBezTo>
-              </a:path>
-            </a:pathLst>
-          </a:custGeom>
-          <a:ln w="25400">
+              <a:tailEnd type="triangle" w="lg" len="lg"/>
+            </a:ln>
+          </p:spPr>
+          <p:style>
+            <a:lnRef idx="1">
+              <a:schemeClr val="accent1"/>
+            </a:lnRef>
+            <a:fillRef idx="0">
+              <a:schemeClr val="accent1"/>
+            </a:fillRef>
+            <a:effectRef idx="0">
+              <a:schemeClr val="accent1"/>
+            </a:effectRef>
+            <a:fontRef idx="minor">
+              <a:schemeClr val="tx1"/>
+            </a:fontRef>
+          </p:style>
+          <p:txBody>
+            <a:bodyPr rtlCol="0" anchor="ctr"/>
+            <a:lstStyle/>
+            <a:p>
+              <a:pPr algn="ctr"/>
+              <a:endParaRPr lang="en-US"/>
+            </a:p>
+          </p:txBody>
+        </p:sp>
+        <p:sp>
+          <p:nvSpPr>
+            <p:cNvPr id="11" name="Oval 10"/>
+            <p:cNvSpPr/>
+            <p:nvPr/>
+          </p:nvSpPr>
+          <p:spPr>
+            <a:xfrm>
+              <a:off x="3276600" y="3526976"/>
+              <a:ext cx="457200" cy="381000"/>
+            </a:xfrm>
+            <a:prstGeom prst="ellipse">
+              <a:avLst/>
+            </a:prstGeom>
             <a:solidFill>
-              <a:schemeClr val="tx1"/>
+              <a:srgbClr val="FF0000"/>
             </a:solidFill>
-            <a:tailEnd type="triangle" w="lg" len="lg"/>
-          </a:ln>
-        </p:spPr>
-        <p:style>
-          <a:lnRef idx="1">
-            <a:schemeClr val="accent1"/>
-          </a:lnRef>
-          <a:fillRef idx="0">
-            <a:schemeClr val="accent1"/>
-          </a:fillRef>
-          <a:effectRef idx="0">
-            <a:schemeClr val="accent1"/>
-          </a:effectRef>
-          <a:fontRef idx="minor">
-            <a:schemeClr val="tx1"/>
-          </a:fontRef>
-        </p:style>
-        <p:txBody>
-          <a:bodyPr rtlCol="0" anchor="ctr"/>
-          <a:lstStyle/>
-          <a:p>
-            <a:pPr algn="ctr"/>
-            <a:endParaRPr lang="en-US"/>
-          </a:p>
-        </p:txBody>
-      </p:sp>
-      <p:sp>
-        <p:nvSpPr>
-          <p:cNvPr id="11" name="Oval 10"/>
-          <p:cNvSpPr/>
-          <p:nvPr/>
-        </p:nvSpPr>
-        <p:spPr>
-          <a:xfrm>
-            <a:off x="3276600" y="3526976"/>
-            <a:ext cx="457200" cy="381000"/>
-          </a:xfrm>
-          <a:prstGeom prst="ellipse">
-            <a:avLst/>
-          </a:prstGeom>
-          <a:solidFill>
-            <a:srgbClr val="FF0000"/>
-          </a:solidFill>
-        </p:spPr>
-        <p:style>
-          <a:lnRef idx="2">
-            <a:schemeClr val="accent1">
-              <a:shade val="50000"/>
-            </a:schemeClr>
-          </a:lnRef>
-          <a:fillRef idx="1">
-            <a:schemeClr val="accent1"/>
-          </a:fillRef>
-          <a:effectRef idx="0">
-            <a:schemeClr val="accent1"/>
-          </a:effectRef>
-          <a:fontRef idx="minor">
-            <a:schemeClr val="lt1"/>
-          </a:fontRef>
-        </p:style>
-        <p:txBody>
-          <a:bodyPr rtlCol="0" anchor="ctr"/>
-          <a:lstStyle/>
-          <a:p>
-            <a:pPr algn="ctr"/>
-            <a:r>
-              <a:rPr lang="en-US" b="1" dirty="0" smtClean="0">
+          </p:spPr>
+          <p:style>
+            <a:lnRef idx="2">
+              <a:schemeClr val="accent1">
+                <a:shade val="50000"/>
+              </a:schemeClr>
+            </a:lnRef>
+            <a:fillRef idx="1">
+              <a:schemeClr val="accent1"/>
+            </a:fillRef>
+            <a:effectRef idx="0">
+              <a:schemeClr val="accent1"/>
+            </a:effectRef>
+            <a:fontRef idx="minor">
+              <a:schemeClr val="lt1"/>
+            </a:fontRef>
+          </p:style>
+          <p:txBody>
+            <a:bodyPr rtlCol="0" anchor="ctr"/>
+            <a:lstStyle/>
+            <a:p>
+              <a:pPr algn="ctr"/>
+              <a:r>
+                <a:rPr lang="en-US" b="1" dirty="0" smtClean="0">
+                  <a:solidFill>
+                    <a:schemeClr val="bg1"/>
+                  </a:solidFill>
+                </a:rPr>
+                <a:t>2</a:t>
+              </a:r>
+              <a:endParaRPr lang="en-US" b="1" dirty="0">
                 <a:solidFill>
                   <a:schemeClr val="bg1"/>
                 </a:solidFill>
-              </a:rPr>
-              <a:t>2</a:t>
-            </a:r>
-            <a:endParaRPr lang="en-US" b="1" dirty="0">
+              </a:endParaRPr>
+            </a:p>
+          </p:txBody>
+        </p:sp>
+        <p:sp>
+          <p:nvSpPr>
+            <p:cNvPr id="12" name="Freeform 11"/>
+            <p:cNvSpPr/>
+            <p:nvPr/>
+          </p:nvSpPr>
+          <p:spPr>
+            <a:xfrm>
+              <a:off x="4252206" y="3228584"/>
+              <a:ext cx="1325217" cy="1457739"/>
+            </a:xfrm>
+            <a:custGeom>
+              <a:avLst/>
+              <a:gdLst>
+                <a:gd name="connsiteX0" fmla="*/ 0 w 1325217"/>
+                <a:gd name="connsiteY0" fmla="*/ 0 h 1457739"/>
+                <a:gd name="connsiteX1" fmla="*/ 265043 w 1325217"/>
+                <a:gd name="connsiteY1" fmla="*/ 463826 h 1457739"/>
+                <a:gd name="connsiteX2" fmla="*/ 1126435 w 1325217"/>
+                <a:gd name="connsiteY2" fmla="*/ 914400 h 1457739"/>
+                <a:gd name="connsiteX3" fmla="*/ 1325217 w 1325217"/>
+                <a:gd name="connsiteY3" fmla="*/ 1457739 h 1457739"/>
+              </a:gdLst>
+              <a:ahLst/>
+              <a:cxnLst>
+                <a:cxn ang="0">
+                  <a:pos x="connsiteX0" y="connsiteY0"/>
+                </a:cxn>
+                <a:cxn ang="0">
+                  <a:pos x="connsiteX1" y="connsiteY1"/>
+                </a:cxn>
+                <a:cxn ang="0">
+                  <a:pos x="connsiteX2" y="connsiteY2"/>
+                </a:cxn>
+                <a:cxn ang="0">
+                  <a:pos x="connsiteX3" y="connsiteY3"/>
+                </a:cxn>
+              </a:cxnLst>
+              <a:rect l="l" t="t" r="r" b="b"/>
+              <a:pathLst>
+                <a:path w="1325217" h="1457739">
+                  <a:moveTo>
+                    <a:pt x="0" y="0"/>
+                  </a:moveTo>
+                  <a:cubicBezTo>
+                    <a:pt x="38652" y="155713"/>
+                    <a:pt x="77304" y="311426"/>
+                    <a:pt x="265043" y="463826"/>
+                  </a:cubicBezTo>
+                  <a:cubicBezTo>
+                    <a:pt x="452782" y="616226"/>
+                    <a:pt x="949739" y="748748"/>
+                    <a:pt x="1126435" y="914400"/>
+                  </a:cubicBezTo>
+                  <a:cubicBezTo>
+                    <a:pt x="1303131" y="1080052"/>
+                    <a:pt x="1314174" y="1268895"/>
+                    <a:pt x="1325217" y="1457739"/>
+                  </a:cubicBezTo>
+                </a:path>
+              </a:pathLst>
+            </a:custGeom>
+            <a:ln w="25400">
               <a:solidFill>
-                <a:schemeClr val="bg1"/>
+                <a:schemeClr val="tx1"/>
               </a:solidFill>
-            </a:endParaRPr>
-          </a:p>
-        </p:txBody>
-      </p:sp>
-      <p:sp>
-        <p:nvSpPr>
-          <p:cNvPr id="12" name="Freeform 11"/>
-          <p:cNvSpPr/>
-          <p:nvPr/>
-        </p:nvSpPr>
-        <p:spPr>
-          <a:xfrm>
-            <a:off x="4252206" y="3228584"/>
-            <a:ext cx="1325217" cy="1457739"/>
-          </a:xfrm>
-          <a:custGeom>
-            <a:avLst/>
-            <a:gdLst>
-              <a:gd name="connsiteX0" fmla="*/ 0 w 1325217"/>
-              <a:gd name="connsiteY0" fmla="*/ 0 h 1457739"/>
-              <a:gd name="connsiteX1" fmla="*/ 265043 w 1325217"/>
-              <a:gd name="connsiteY1" fmla="*/ 463826 h 1457739"/>
-              <a:gd name="connsiteX2" fmla="*/ 1126435 w 1325217"/>
-              <a:gd name="connsiteY2" fmla="*/ 914400 h 1457739"/>
-              <a:gd name="connsiteX3" fmla="*/ 1325217 w 1325217"/>
-              <a:gd name="connsiteY3" fmla="*/ 1457739 h 1457739"/>
-            </a:gdLst>
-            <a:ahLst/>
-            <a:cxnLst>
-              <a:cxn ang="0">
-                <a:pos x="connsiteX0" y="connsiteY0"/>
-              </a:cxn>
-              <a:cxn ang="0">
-                <a:pos x="connsiteX1" y="connsiteY1"/>
-              </a:cxn>
-              <a:cxn ang="0">
-                <a:pos x="connsiteX2" y="connsiteY2"/>
-              </a:cxn>
-              <a:cxn ang="0">
-                <a:pos x="connsiteX3" y="connsiteY3"/>
-              </a:cxn>
-            </a:cxnLst>
-            <a:rect l="l" t="t" r="r" b="b"/>
-            <a:pathLst>
-              <a:path w="1325217" h="1457739">
-                <a:moveTo>
-                  <a:pt x="0" y="0"/>
-                </a:moveTo>
-                <a:cubicBezTo>
-                  <a:pt x="38652" y="155713"/>
-                  <a:pt x="77304" y="311426"/>
-                  <a:pt x="265043" y="463826"/>
-                </a:cubicBezTo>
-                <a:cubicBezTo>
-                  <a:pt x="452782" y="616226"/>
-                  <a:pt x="949739" y="748748"/>
-                  <a:pt x="1126435" y="914400"/>
-                </a:cubicBezTo>
-                <a:cubicBezTo>
-                  <a:pt x="1303131" y="1080052"/>
-                  <a:pt x="1314174" y="1268895"/>
-                  <a:pt x="1325217" y="1457739"/>
-                </a:cubicBezTo>
-              </a:path>
-            </a:pathLst>
-          </a:custGeom>
-          <a:ln w="25400">
+              <a:tailEnd type="triangle" w="lg" len="lg"/>
+            </a:ln>
+          </p:spPr>
+          <p:style>
+            <a:lnRef idx="1">
+              <a:schemeClr val="accent1"/>
+            </a:lnRef>
+            <a:fillRef idx="0">
+              <a:schemeClr val="accent1"/>
+            </a:fillRef>
+            <a:effectRef idx="0">
+              <a:schemeClr val="accent1"/>
+            </a:effectRef>
+            <a:fontRef idx="minor">
+              <a:schemeClr val="tx1"/>
+            </a:fontRef>
+          </p:style>
+          <p:txBody>
+            <a:bodyPr rtlCol="0" anchor="ctr"/>
+            <a:lstStyle/>
+            <a:p>
+              <a:pPr algn="ctr"/>
+              <a:endParaRPr lang="en-US"/>
+            </a:p>
+          </p:txBody>
+        </p:sp>
+        <p:sp>
+          <p:nvSpPr>
+            <p:cNvPr id="13" name="Oval 12"/>
+            <p:cNvSpPr/>
+            <p:nvPr/>
+          </p:nvSpPr>
+          <p:spPr>
+            <a:xfrm>
+              <a:off x="4411232" y="3278280"/>
+              <a:ext cx="457200" cy="381000"/>
+            </a:xfrm>
+            <a:prstGeom prst="ellipse">
+              <a:avLst/>
+            </a:prstGeom>
             <a:solidFill>
-              <a:schemeClr val="tx1"/>
+              <a:srgbClr val="FF0000"/>
             </a:solidFill>
-            <a:tailEnd type="triangle" w="lg" len="lg"/>
-          </a:ln>
-        </p:spPr>
-        <p:style>
-          <a:lnRef idx="1">
-            <a:schemeClr val="accent1"/>
-          </a:lnRef>
-          <a:fillRef idx="0">
-            <a:schemeClr val="accent1"/>
-          </a:fillRef>
-          <a:effectRef idx="0">
-            <a:schemeClr val="accent1"/>
-          </a:effectRef>
-          <a:fontRef idx="minor">
-            <a:schemeClr val="tx1"/>
-          </a:fontRef>
-        </p:style>
-        <p:txBody>
-          <a:bodyPr rtlCol="0" anchor="ctr"/>
-          <a:lstStyle/>
-          <a:p>
-            <a:pPr algn="ctr"/>
-            <a:endParaRPr lang="en-US"/>
-          </a:p>
-        </p:txBody>
-      </p:sp>
-      <p:sp>
-        <p:nvSpPr>
-          <p:cNvPr id="13" name="Oval 12"/>
-          <p:cNvSpPr/>
-          <p:nvPr/>
-        </p:nvSpPr>
-        <p:spPr>
-          <a:xfrm>
-            <a:off x="4411232" y="3278280"/>
-            <a:ext cx="457200" cy="381000"/>
-          </a:xfrm>
-          <a:prstGeom prst="ellipse">
-            <a:avLst/>
-          </a:prstGeom>
-          <a:solidFill>
-            <a:srgbClr val="FF0000"/>
-          </a:solidFill>
-        </p:spPr>
-        <p:style>
-          <a:lnRef idx="2">
-            <a:schemeClr val="accent1">
-              <a:shade val="50000"/>
-            </a:schemeClr>
-          </a:lnRef>
-          <a:fillRef idx="1">
-            <a:schemeClr val="accent1"/>
-          </a:fillRef>
-          <a:effectRef idx="0">
-            <a:schemeClr val="accent1"/>
-          </a:effectRef>
-          <a:fontRef idx="minor">
-            <a:schemeClr val="lt1"/>
-          </a:fontRef>
-        </p:style>
-        <p:txBody>
-          <a:bodyPr rtlCol="0" anchor="ctr"/>
-          <a:lstStyle/>
-          <a:p>
-            <a:pPr algn="ctr"/>
-            <a:r>
-              <a:rPr lang="en-US" b="1" dirty="0" smtClean="0">
+          </p:spPr>
+          <p:style>
+            <a:lnRef idx="2">
+              <a:schemeClr val="accent1">
+                <a:shade val="50000"/>
+              </a:schemeClr>
+            </a:lnRef>
+            <a:fillRef idx="1">
+              <a:schemeClr val="accent1"/>
+            </a:fillRef>
+            <a:effectRef idx="0">
+              <a:schemeClr val="accent1"/>
+            </a:effectRef>
+            <a:fontRef idx="minor">
+              <a:schemeClr val="lt1"/>
+            </a:fontRef>
+          </p:style>
+          <p:txBody>
+            <a:bodyPr rtlCol="0" anchor="ctr"/>
+            <a:lstStyle/>
+            <a:p>
+              <a:pPr algn="ctr"/>
+              <a:r>
+                <a:rPr lang="en-US" b="1" dirty="0" smtClean="0">
+                  <a:solidFill>
+                    <a:schemeClr val="bg1"/>
+                  </a:solidFill>
+                </a:rPr>
+                <a:t>3</a:t>
+              </a:r>
+              <a:endParaRPr lang="en-US" b="1" dirty="0">
                 <a:solidFill>
                   <a:schemeClr val="bg1"/>
                 </a:solidFill>
-              </a:rPr>
-              <a:t>3</a:t>
-            </a:r>
-            <a:endParaRPr lang="en-US" b="1" dirty="0">
+              </a:endParaRPr>
+            </a:p>
+          </p:txBody>
+        </p:sp>
+        <p:sp>
+          <p:nvSpPr>
+            <p:cNvPr id="14" name="Rounded Rectangular Callout 13"/>
+            <p:cNvSpPr/>
+            <p:nvPr/>
+          </p:nvSpPr>
+          <p:spPr>
+            <a:xfrm>
+              <a:off x="6468632" y="1668026"/>
+              <a:ext cx="1143000" cy="1245996"/>
+            </a:xfrm>
+            <a:prstGeom prst="wedgeRoundRectCallout">
+              <a:avLst>
+                <a:gd name="adj1" fmla="val -185266"/>
+                <a:gd name="adj2" fmla="val 127779"/>
+                <a:gd name="adj3" fmla="val 16667"/>
+              </a:avLst>
+            </a:prstGeom>
+          </p:spPr>
+          <p:style>
+            <a:lnRef idx="2">
+              <a:schemeClr val="accent1">
+                <a:shade val="50000"/>
+              </a:schemeClr>
+            </a:lnRef>
+            <a:fillRef idx="1">
+              <a:schemeClr val="accent1"/>
+            </a:fillRef>
+            <a:effectRef idx="0">
+              <a:schemeClr val="accent1"/>
+            </a:effectRef>
+            <a:fontRef idx="minor">
+              <a:schemeClr val="lt1"/>
+            </a:fontRef>
+          </p:style>
+          <p:txBody>
+            <a:bodyPr lIns="0" tIns="0" rIns="0" bIns="0" rtlCol="0" anchor="ctr"/>
+            <a:lstStyle/>
+            <a:p>
+              <a:pPr algn="ctr"/>
+              <a:r>
+                <a:rPr lang="en-US" sz="2000" dirty="0" smtClean="0"/>
+                <a:t>ARM evicts updated data.</a:t>
+              </a:r>
+              <a:endParaRPr lang="en-US" sz="2000" dirty="0"/>
+            </a:p>
+          </p:txBody>
+        </p:sp>
+        <p:sp>
+          <p:nvSpPr>
+            <p:cNvPr id="15" name="Freeform 14"/>
+            <p:cNvSpPr/>
+            <p:nvPr/>
+          </p:nvSpPr>
+          <p:spPr>
+            <a:xfrm>
+              <a:off x="1756566" y="4405476"/>
+              <a:ext cx="4035288" cy="324679"/>
+            </a:xfrm>
+            <a:custGeom>
+              <a:avLst/>
+              <a:gdLst>
+                <a:gd name="connsiteX0" fmla="*/ 3935896 w 4035288"/>
+                <a:gd name="connsiteY0" fmla="*/ 324679 h 324679"/>
+                <a:gd name="connsiteX1" fmla="*/ 3379305 w 4035288"/>
+                <a:gd name="connsiteY1" fmla="*/ 46383 h 324679"/>
+                <a:gd name="connsiteX2" fmla="*/ 0 w 4035288"/>
+                <a:gd name="connsiteY2" fmla="*/ 46383 h 324679"/>
+              </a:gdLst>
+              <a:ahLst/>
+              <a:cxnLst>
+                <a:cxn ang="0">
+                  <a:pos x="connsiteX0" y="connsiteY0"/>
+                </a:cxn>
+                <a:cxn ang="0">
+                  <a:pos x="connsiteX1" y="connsiteY1"/>
+                </a:cxn>
+                <a:cxn ang="0">
+                  <a:pos x="connsiteX2" y="connsiteY2"/>
+                </a:cxn>
+              </a:cxnLst>
+              <a:rect l="l" t="t" r="r" b="b"/>
+              <a:pathLst>
+                <a:path w="4035288" h="324679">
+                  <a:moveTo>
+                    <a:pt x="3935896" y="324679"/>
+                  </a:moveTo>
+                  <a:cubicBezTo>
+                    <a:pt x="3985592" y="208722"/>
+                    <a:pt x="4035288" y="92766"/>
+                    <a:pt x="3379305" y="46383"/>
+                  </a:cubicBezTo>
+                  <a:cubicBezTo>
+                    <a:pt x="2723322" y="0"/>
+                    <a:pt x="1361661" y="23191"/>
+                    <a:pt x="0" y="46383"/>
+                  </a:cubicBezTo>
+                </a:path>
+              </a:pathLst>
+            </a:custGeom>
+            <a:ln w="25400">
               <a:solidFill>
-                <a:schemeClr val="bg1"/>
+                <a:schemeClr val="tx1"/>
               </a:solidFill>
-            </a:endParaRPr>
-          </a:p>
-        </p:txBody>
-      </p:sp>
-      <p:sp>
-        <p:nvSpPr>
-          <p:cNvPr id="14" name="Rounded Rectangular Callout 13"/>
-          <p:cNvSpPr/>
-          <p:nvPr/>
-        </p:nvSpPr>
-        <p:spPr>
-          <a:xfrm>
-            <a:off x="6468632" y="1668026"/>
-            <a:ext cx="1143000" cy="1245996"/>
-          </a:xfrm>
-          <a:prstGeom prst="wedgeRoundRectCallout">
-            <a:avLst>
-              <a:gd name="adj1" fmla="val -185266"/>
-              <a:gd name="adj2" fmla="val 127779"/>
-              <a:gd name="adj3" fmla="val 16667"/>
-            </a:avLst>
-          </a:prstGeom>
-        </p:spPr>
-        <p:style>
-          <a:lnRef idx="2">
-            <a:schemeClr val="accent1">
-              <a:shade val="50000"/>
-            </a:schemeClr>
-          </a:lnRef>
-          <a:fillRef idx="1">
-            <a:schemeClr val="accent1"/>
-          </a:fillRef>
-          <a:effectRef idx="0">
-            <a:schemeClr val="accent1"/>
-          </a:effectRef>
-          <a:fontRef idx="minor">
-            <a:schemeClr val="lt1"/>
-          </a:fontRef>
-        </p:style>
-        <p:txBody>
-          <a:bodyPr lIns="0" tIns="0" rIns="0" bIns="0" rtlCol="0" anchor="ctr"/>
-          <a:lstStyle/>
-          <a:p>
-            <a:pPr algn="ctr"/>
-            <a:r>
-              <a:rPr lang="en-US" sz="2000" dirty="0" smtClean="0"/>
-              <a:t>ARM evicts updated data.</a:t>
-            </a:r>
-            <a:endParaRPr lang="en-US" sz="2000" dirty="0"/>
-          </a:p>
-        </p:txBody>
-      </p:sp>
-      <p:sp>
-        <p:nvSpPr>
-          <p:cNvPr id="15" name="Freeform 14"/>
-          <p:cNvSpPr/>
-          <p:nvPr/>
-        </p:nvSpPr>
-        <p:spPr>
-          <a:xfrm>
-            <a:off x="1756566" y="4405476"/>
-            <a:ext cx="4035288" cy="324679"/>
-          </a:xfrm>
-          <a:custGeom>
-            <a:avLst/>
-            <a:gdLst>
-              <a:gd name="connsiteX0" fmla="*/ 3935896 w 4035288"/>
-              <a:gd name="connsiteY0" fmla="*/ 324679 h 324679"/>
-              <a:gd name="connsiteX1" fmla="*/ 3379305 w 4035288"/>
-              <a:gd name="connsiteY1" fmla="*/ 46383 h 324679"/>
-              <a:gd name="connsiteX2" fmla="*/ 0 w 4035288"/>
-              <a:gd name="connsiteY2" fmla="*/ 46383 h 324679"/>
-            </a:gdLst>
-            <a:ahLst/>
-            <a:cxnLst>
-              <a:cxn ang="0">
-                <a:pos x="connsiteX0" y="connsiteY0"/>
-              </a:cxn>
-              <a:cxn ang="0">
-                <a:pos x="connsiteX1" y="connsiteY1"/>
-              </a:cxn>
-              <a:cxn ang="0">
-                <a:pos x="connsiteX2" y="connsiteY2"/>
-              </a:cxn>
-            </a:cxnLst>
-            <a:rect l="l" t="t" r="r" b="b"/>
-            <a:pathLst>
-              <a:path w="4035288" h="324679">
-                <a:moveTo>
-                  <a:pt x="3935896" y="324679"/>
-                </a:moveTo>
-                <a:cubicBezTo>
-                  <a:pt x="3985592" y="208722"/>
-                  <a:pt x="4035288" y="92766"/>
-                  <a:pt x="3379305" y="46383"/>
-                </a:cubicBezTo>
-                <a:cubicBezTo>
-                  <a:pt x="2723322" y="0"/>
-                  <a:pt x="1361661" y="23191"/>
-                  <a:pt x="0" y="46383"/>
-                </a:cubicBezTo>
-              </a:path>
-            </a:pathLst>
-          </a:custGeom>
-          <a:ln w="25400">
+              <a:tailEnd type="triangle" w="lg" len="lg"/>
+            </a:ln>
+          </p:spPr>
+          <p:style>
+            <a:lnRef idx="1">
+              <a:schemeClr val="accent1"/>
+            </a:lnRef>
+            <a:fillRef idx="0">
+              <a:schemeClr val="accent1"/>
+            </a:fillRef>
+            <a:effectRef idx="0">
+              <a:schemeClr val="accent1"/>
+            </a:effectRef>
+            <a:fontRef idx="minor">
+              <a:schemeClr val="tx1"/>
+            </a:fontRef>
+          </p:style>
+          <p:txBody>
+            <a:bodyPr rtlCol="0" anchor="ctr"/>
+            <a:lstStyle/>
+            <a:p>
+              <a:pPr algn="ctr"/>
+              <a:endParaRPr lang="en-US"/>
+            </a:p>
+          </p:txBody>
+        </p:sp>
+        <p:sp>
+          <p:nvSpPr>
+            <p:cNvPr id="16" name="Oval 15"/>
+            <p:cNvSpPr/>
+            <p:nvPr/>
+          </p:nvSpPr>
+          <p:spPr>
+            <a:xfrm>
+              <a:off x="3794088" y="4339216"/>
+              <a:ext cx="457200" cy="381000"/>
+            </a:xfrm>
+            <a:prstGeom prst="ellipse">
+              <a:avLst/>
+            </a:prstGeom>
             <a:solidFill>
-              <a:schemeClr val="tx1"/>
+              <a:srgbClr val="FF0000"/>
             </a:solidFill>
-            <a:tailEnd type="triangle" w="lg" len="lg"/>
-          </a:ln>
-        </p:spPr>
-        <p:style>
-          <a:lnRef idx="1">
-            <a:schemeClr val="accent1"/>
-          </a:lnRef>
-          <a:fillRef idx="0">
-            <a:schemeClr val="accent1"/>
-          </a:fillRef>
-          <a:effectRef idx="0">
-            <a:schemeClr val="accent1"/>
-          </a:effectRef>
-          <a:fontRef idx="minor">
-            <a:schemeClr val="tx1"/>
-          </a:fontRef>
-        </p:style>
-        <p:txBody>
-          <a:bodyPr rtlCol="0" anchor="ctr"/>
-          <a:lstStyle/>
-          <a:p>
-            <a:pPr algn="ctr"/>
-            <a:endParaRPr lang="en-US"/>
-          </a:p>
-        </p:txBody>
-      </p:sp>
-      <p:sp>
-        <p:nvSpPr>
-          <p:cNvPr id="16" name="Oval 15"/>
-          <p:cNvSpPr/>
-          <p:nvPr/>
-        </p:nvSpPr>
-        <p:spPr>
-          <a:xfrm>
-            <a:off x="3794088" y="4339216"/>
-            <a:ext cx="457200" cy="381000"/>
-          </a:xfrm>
-          <a:prstGeom prst="ellipse">
-            <a:avLst/>
-          </a:prstGeom>
-          <a:solidFill>
-            <a:srgbClr val="FF0000"/>
-          </a:solidFill>
-        </p:spPr>
-        <p:style>
-          <a:lnRef idx="2">
-            <a:schemeClr val="accent1">
-              <a:shade val="50000"/>
-            </a:schemeClr>
-          </a:lnRef>
-          <a:fillRef idx="1">
-            <a:schemeClr val="accent1"/>
-          </a:fillRef>
-          <a:effectRef idx="0">
-            <a:schemeClr val="accent1"/>
-          </a:effectRef>
-          <a:fontRef idx="minor">
-            <a:schemeClr val="lt1"/>
-          </a:fontRef>
-        </p:style>
-        <p:txBody>
-          <a:bodyPr rtlCol="0" anchor="ctr"/>
-          <a:lstStyle/>
-          <a:p>
-            <a:pPr algn="ctr"/>
-            <a:r>
-              <a:rPr lang="en-US" b="1" dirty="0" smtClean="0">
+          </p:spPr>
+          <p:style>
+            <a:lnRef idx="2">
+              <a:schemeClr val="accent1">
+                <a:shade val="50000"/>
+              </a:schemeClr>
+            </a:lnRef>
+            <a:fillRef idx="1">
+              <a:schemeClr val="accent1"/>
+            </a:fillRef>
+            <a:effectRef idx="0">
+              <a:schemeClr val="accent1"/>
+            </a:effectRef>
+            <a:fontRef idx="minor">
+              <a:schemeClr val="lt1"/>
+            </a:fontRef>
+          </p:style>
+          <p:txBody>
+            <a:bodyPr rtlCol="0" anchor="ctr"/>
+            <a:lstStyle/>
+            <a:p>
+              <a:pPr algn="ctr"/>
+              <a:r>
+                <a:rPr lang="en-US" b="1" dirty="0" smtClean="0">
+                  <a:solidFill>
+                    <a:schemeClr val="bg1"/>
+                  </a:solidFill>
+                </a:rPr>
+                <a:t>4</a:t>
+              </a:r>
+              <a:endParaRPr lang="en-US" b="1" dirty="0">
                 <a:solidFill>
                   <a:schemeClr val="bg1"/>
                 </a:solidFill>
-              </a:rPr>
-              <a:t>4</a:t>
-            </a:r>
-            <a:endParaRPr lang="en-US" b="1" dirty="0">
-              <a:solidFill>
-                <a:schemeClr val="bg1"/>
-              </a:solidFill>
-            </a:endParaRPr>
-          </a:p>
-        </p:txBody>
-      </p:sp>
-      <p:sp>
-        <p:nvSpPr>
-          <p:cNvPr id="17" name="Rounded Rectangular Callout 16"/>
-          <p:cNvSpPr/>
-          <p:nvPr/>
-        </p:nvSpPr>
-        <p:spPr>
-          <a:xfrm>
-            <a:off x="7469273" y="4752870"/>
-            <a:ext cx="1524000" cy="1567546"/>
-          </a:xfrm>
-          <a:prstGeom prst="wedgeRoundRectCallout">
-            <a:avLst>
-              <a:gd name="adj1" fmla="val -245786"/>
-              <a:gd name="adj2" fmla="val -70214"/>
-              <a:gd name="adj3" fmla="val 16667"/>
-            </a:avLst>
-          </a:prstGeom>
-        </p:spPr>
-        <p:style>
-          <a:lnRef idx="2">
-            <a:schemeClr val="accent1">
-              <a:shade val="50000"/>
-            </a:schemeClr>
-          </a:lnRef>
-          <a:fillRef idx="1">
-            <a:schemeClr val="accent1"/>
-          </a:fillRef>
-          <a:effectRef idx="0">
-            <a:schemeClr val="accent1"/>
-          </a:effectRef>
-          <a:fontRef idx="minor">
-            <a:schemeClr val="lt1"/>
-          </a:fontRef>
-        </p:style>
-        <p:txBody>
-          <a:bodyPr lIns="0" tIns="0" rIns="0" bIns="0" rtlCol="0" anchor="ctr"/>
-          <a:lstStyle/>
-          <a:p>
-            <a:pPr algn="ctr"/>
-            <a:r>
-              <a:rPr lang="en-US" sz="2000" dirty="0" smtClean="0"/>
-              <a:t>Coherence controller returns read data to EDMA.</a:t>
-            </a:r>
-            <a:endParaRPr lang="en-US" sz="2000" dirty="0"/>
-          </a:p>
-        </p:txBody>
-      </p:sp>
+              </a:endParaRPr>
+            </a:p>
+          </p:txBody>
+        </p:sp>
+        <p:sp>
+          <p:nvSpPr>
+            <p:cNvPr id="17" name="Rounded Rectangular Callout 16"/>
+            <p:cNvSpPr/>
+            <p:nvPr/>
+          </p:nvSpPr>
+          <p:spPr>
+            <a:xfrm>
+              <a:off x="7469273" y="4752870"/>
+              <a:ext cx="1524000" cy="1567546"/>
+            </a:xfrm>
+            <a:prstGeom prst="wedgeRoundRectCallout">
+              <a:avLst>
+                <a:gd name="adj1" fmla="val -245786"/>
+                <a:gd name="adj2" fmla="val -70214"/>
+                <a:gd name="adj3" fmla="val 16667"/>
+              </a:avLst>
+            </a:prstGeom>
+          </p:spPr>
+          <p:style>
+            <a:lnRef idx="2">
+              <a:schemeClr val="accent1">
+                <a:shade val="50000"/>
+              </a:schemeClr>
+            </a:lnRef>
+            <a:fillRef idx="1">
+              <a:schemeClr val="accent1"/>
+            </a:fillRef>
+            <a:effectRef idx="0">
+              <a:schemeClr val="accent1"/>
+            </a:effectRef>
+            <a:fontRef idx="minor">
+              <a:schemeClr val="lt1"/>
+            </a:fontRef>
+          </p:style>
+          <p:txBody>
+            <a:bodyPr lIns="0" tIns="0" rIns="0" bIns="0" rtlCol="0" anchor="ctr"/>
+            <a:lstStyle/>
+            <a:p>
+              <a:pPr algn="ctr"/>
+              <a:r>
+                <a:rPr lang="en-US" sz="2000" dirty="0" smtClean="0"/>
+                <a:t>Coherence controller returns read data to EDMA.</a:t>
+              </a:r>
+              <a:endParaRPr lang="en-US" sz="2000" dirty="0"/>
+            </a:p>
+          </p:txBody>
+        </p:sp>
+      </p:grpSp>
     </p:spTree>
   </p:cSld>
   <p:clrMapOvr>
@@ -14171,25 +14443,64 @@
             <a:pPr lvl="1"/>
             <a:r>
               <a:rPr lang="en-US" sz="2200" dirty="0" smtClean="0"/>
-              <a:t>1 bit error correct, 2 bits error detect</a:t>
-            </a:r>
-          </a:p>
-          <a:p>
+              <a:t>1 bit error </a:t>
+            </a:r>
             <a:r>
               <a:rPr lang="en-US" sz="2200" dirty="0" smtClean="0"/>
-              <a:t>L1 hit – 4 cycles latency (4 stage load pipeline, can be hidden)</a:t>
-            </a:r>
-          </a:p>
-          <a:p>
+              <a:t>correct</a:t>
+            </a:r>
+          </a:p>
+          <a:p>
+            <a:pPr lvl="1"/>
             <a:r>
               <a:rPr lang="en-US" sz="2200" dirty="0" smtClean="0"/>
-              <a:t>L1 miss, L2 hit – 20 cycles (4MB) or less (16 cycles 1MB)</a:t>
-            </a:r>
-          </a:p>
-          <a:p>
+              <a:t>2 </a:t>
+            </a:r>
             <a:r>
               <a:rPr lang="en-US" sz="2200" dirty="0" smtClean="0"/>
-              <a:t>L2 miss MSMC SRAM  - ~50 cycles</a:t>
+              <a:t>bits error detect</a:t>
+            </a:r>
+          </a:p>
+          <a:p>
+            <a:r>
+              <a:rPr lang="en-US" sz="2200" dirty="0" smtClean="0"/>
+              <a:t>L1 </a:t>
+            </a:r>
+            <a:r>
+              <a:rPr lang="en-US" sz="2200" dirty="0" smtClean="0"/>
+              <a:t>hit: 4 </a:t>
+            </a:r>
+            <a:r>
+              <a:rPr lang="en-US" sz="2200" dirty="0" smtClean="0"/>
+              <a:t>cycles latency (4 stage load pipeline, can be hidden)</a:t>
+            </a:r>
+          </a:p>
+          <a:p>
+            <a:r>
+              <a:rPr lang="en-US" sz="2200" dirty="0" smtClean="0"/>
+              <a:t>L1 miss, L2 </a:t>
+            </a:r>
+            <a:r>
+              <a:rPr lang="en-US" sz="2200" dirty="0" smtClean="0"/>
+              <a:t>hit: </a:t>
+            </a:r>
+            <a:r>
+              <a:rPr lang="en-US" sz="2200" dirty="0" smtClean="0"/>
+              <a:t>20 cycles (4MB) or less (16 cycles 1MB)</a:t>
+            </a:r>
+          </a:p>
+          <a:p>
+            <a:r>
+              <a:rPr lang="en-US" sz="2200" dirty="0" smtClean="0"/>
+              <a:t>L2 miss MSMC </a:t>
+            </a:r>
+            <a:r>
+              <a:rPr lang="en-US" sz="2200" dirty="0" smtClean="0"/>
+              <a:t>SRAM </a:t>
+            </a:r>
+            <a:r>
+              <a:rPr lang="en-US" sz="2200" dirty="0" smtClean="0"/>
+              <a:t>~50 cycles</a:t>
             </a:r>
           </a:p>
           <a:p>
@@ -14378,7 +14689,11 @@
             </a:pPr>
             <a:r>
               <a:rPr lang="en-US" sz="2000" dirty="0" smtClean="0"/>
-              <a:t>64 bytes L1 D cache line (up to 6 outstanding requests)</a:t>
+              <a:t>64-byte </a:t>
+            </a:r>
+            <a:r>
+              <a:rPr lang="en-US" sz="2000" dirty="0" smtClean="0"/>
+              <a:t>L1 D cache line (up to 6 outstanding requests)</a:t>
             </a:r>
           </a:p>
           <a:p>
@@ -14397,12 +14712,68 @@
                 <a:ea typeface="+mn-ea"/>
                 <a:cs typeface="+mn-cs"/>
               </a:rPr>
-              <a:t>L2 Memory:  </a:t>
+              <a:t>L2 Memory</a:t>
+            </a:r>
+            <a:r>
+              <a:rPr lang="en-US" sz="2000" dirty="0" smtClean="0">
+                <a:ea typeface="+mn-ea"/>
+                <a:cs typeface="+mn-cs"/>
+              </a:rPr>
+              <a:t>: </a:t>
             </a:r>
             <a:r>
               <a:rPr lang="en-US" sz="2000" dirty="0" smtClean="0"/>
-              <a:t>4 MB L2 Cache is shared between the 1 to 4 ARM A-15 core(s) (4 tag bank, 4 data bank each)</a:t>
-            </a:r>
+              <a:t>4 MB L2 Cache is shared between the 1 to 4 ARM A-15 </a:t>
+            </a:r>
+            <a:r>
+              <a:rPr lang="en-US" sz="2000" dirty="0" smtClean="0"/>
+              <a:t>core(s)</a:t>
+            </a:r>
+          </a:p>
+          <a:p>
+            <a:pPr marL="501650" lvl="2" indent="-227013" eaLnBrk="1" hangingPunct="1">
+              <a:spcBef>
+                <a:spcPct val="0"/>
+              </a:spcBef>
+              <a:spcAft>
+                <a:spcPct val="10000"/>
+              </a:spcAft>
+            </a:pPr>
+            <a:r>
+              <a:rPr lang="en-US" sz="1600" dirty="0" smtClean="0"/>
+              <a:t>4 </a:t>
+            </a:r>
+            <a:r>
+              <a:rPr lang="en-US" sz="1600" dirty="0" smtClean="0"/>
+              <a:t>tag </a:t>
+            </a:r>
+            <a:r>
+              <a:rPr lang="en-US" sz="1600" dirty="0" smtClean="0"/>
+              <a:t>banks</a:t>
+            </a:r>
+          </a:p>
+          <a:p>
+            <a:pPr marL="501650" lvl="2" indent="-227013" eaLnBrk="1" hangingPunct="1">
+              <a:spcBef>
+                <a:spcPct val="0"/>
+              </a:spcBef>
+              <a:spcAft>
+                <a:spcPct val="10000"/>
+              </a:spcAft>
+            </a:pPr>
+            <a:r>
+              <a:rPr lang="en-US" sz="1600" dirty="0" smtClean="0"/>
+              <a:t>4 </a:t>
+            </a:r>
+            <a:r>
+              <a:rPr lang="en-US" sz="1600" dirty="0" smtClean="0"/>
+              <a:t>data </a:t>
+            </a:r>
+            <a:r>
+              <a:rPr lang="en-US" sz="1600" dirty="0" smtClean="0"/>
+              <a:t>banks</a:t>
+            </a:r>
+            <a:endParaRPr lang="en-US" sz="1600" dirty="0" smtClean="0"/>
           </a:p>
           <a:p>
             <a:pPr marL="227013" indent="-227013" eaLnBrk="1" hangingPunct="1">
@@ -14415,7 +14786,11 @@
             </a:pPr>
             <a:r>
               <a:rPr lang="en-US" sz="2000" dirty="0" smtClean="0"/>
-              <a:t>64 bytes cache line</a:t>
+              <a:t>64-byte </a:t>
+            </a:r>
+            <a:r>
+              <a:rPr lang="en-US" sz="2000" dirty="0" smtClean="0"/>
+              <a:t>cache line</a:t>
             </a:r>
           </a:p>
         </p:txBody>
@@ -14454,7 +14829,7 @@
     </p:custDataLst>
     <p:extLst>
       <p:ext uri="{BB962C8B-B14F-4D97-AF65-F5344CB8AC3E}">
-        <p14:creationId xmlns:p14="http://schemas.microsoft.com/office/powerpoint/2010/main" xmlns="" val="3469200570"/>
+        <p14:creationId xmlns="" xmlns:p14="http://schemas.microsoft.com/office/powerpoint/2010/main" val="3469200570"/>
       </p:ext>
     </p:extLst>
   </p:cSld>
@@ -14836,14 +15211,14 @@
       </p:grpSpPr>
       <p:sp>
         <p:nvSpPr>
-          <p:cNvPr id="6" name="TextBox 5"/>
+          <p:cNvPr id="7" name="TextBox 6"/>
           <p:cNvSpPr txBox="1"/>
           <p:nvPr/>
         </p:nvSpPr>
         <p:spPr>
           <a:xfrm>
-            <a:off x="226337" y="6355533"/>
-            <a:ext cx="8799968" cy="461665"/>
+            <a:off x="52752" y="6356834"/>
+            <a:ext cx="8976946" cy="461665"/>
           </a:xfrm>
           <a:prstGeom prst="rect">
             <a:avLst/>
@@ -14864,95 +15239,589 @@
       </p:sp>
       <p:sp>
         <p:nvSpPr>
-          <p:cNvPr id="2" name="Title 1"/>
-          <p:cNvSpPr>
-            <a:spLocks noGrp="1"/>
+          <p:cNvPr id="1173" name="Rectangle 2"/>
+          <p:cNvSpPr>
+            <a:spLocks noGrp="1" noChangeArrowheads="1"/>
           </p:cNvSpPr>
           <p:nvPr>
             <p:ph type="title"/>
           </p:nvPr>
         </p:nvSpPr>
-        <p:spPr>
+        <p:spPr/>
+        <p:txBody>
+          <a:bodyPr/>
+          <a:lstStyle/>
+          <a:p>
+            <a:r>
+              <a:rPr lang="en-US" dirty="0" smtClean="0"/>
+              <a:t>Memory Bandwidth Benchmarks</a:t>
+            </a:r>
+            <a:endParaRPr lang="en-US" dirty="0" smtClean="0"/>
+          </a:p>
+        </p:txBody>
+      </p:sp>
+      <p:graphicFrame>
+        <p:nvGraphicFramePr>
+          <p:cNvPr id="1171" name="Object 147"/>
+          <p:cNvGraphicFramePr>
+            <a:graphicFrameLocks noGrp="1" noChangeAspect="1"/>
+          </p:cNvGraphicFramePr>
+          <p:nvPr>
+            <p:ph idx="1"/>
+            <p:extLst>
+              <p:ext uri="{D42A27DB-BD31-4B8C-83A1-F6EECF244321}">
+                <p14:modId xmlns:p14="http://schemas.microsoft.com/office/powerpoint/2010/main" xmlns="" val="1659503329"/>
+              </p:ext>
+            </p:extLst>
+          </p:nvPr>
+        </p:nvGraphicFramePr>
+        <p:xfrm>
+          <a:off x="11113" y="904875"/>
+          <a:ext cx="6070600" cy="3905250"/>
+        </p:xfrm>
+        <a:graphic>
+          <a:graphicData uri="http://schemas.openxmlformats.org/presentationml/2006/ole">
+            <p:oleObj spid="_x0000_s145410" name="Worksheet" r:id="rId3" imgW="5981644" imgH="3848040" progId="Excel.Sheet.8">
+              <p:embed/>
+            </p:oleObj>
+          </a:graphicData>
+        </a:graphic>
+      </p:graphicFrame>
+      <p:sp>
+        <p:nvSpPr>
+          <p:cNvPr id="5" name="Content Placeholder 2"/>
+          <p:cNvSpPr txBox="1">
+            <a:spLocks/>
+          </p:cNvSpPr>
+          <p:nvPr/>
+        </p:nvSpPr>
+        <p:spPr bwMode="auto">
           <a:xfrm>
-            <a:off x="466253" y="138843"/>
-            <a:ext cx="8229600" cy="563562"/>
+            <a:off x="99855" y="4818008"/>
+            <a:ext cx="8935770" cy="1946495"/>
           </a:xfrm>
+          <a:prstGeom prst="rect">
+            <a:avLst/>
+          </a:prstGeom>
+          <a:noFill/>
+          <a:ln w="9525">
+            <a:noFill/>
+            <a:miter lim="800000"/>
+            <a:headEnd/>
+            <a:tailEnd/>
+          </a:ln>
         </p:spPr>
         <p:txBody>
-          <a:bodyPr>
-            <a:noAutofit/>
-          </a:bodyPr>
-          <a:lstStyle/>
-          <a:p>
-            <a:r>
-              <a:rPr lang="en-US" sz="4000" dirty="0" smtClean="0"/>
-              <a:t>Memory Bandwidth Benchmarks</a:t>
-            </a:r>
-          </a:p>
-        </p:txBody>
-      </p:sp>
-      <p:sp>
-        <p:nvSpPr>
-          <p:cNvPr id="3" name="Content Placeholder 2"/>
-          <p:cNvSpPr>
-            <a:spLocks noGrp="1"/>
-          </p:cNvSpPr>
-          <p:nvPr>
-            <p:ph idx="1"/>
-          </p:nvPr>
-        </p:nvSpPr>
-        <p:spPr>
-          <a:xfrm>
-            <a:off x="108647" y="4870760"/>
-            <a:ext cx="8935770" cy="1946495"/>
-          </a:xfrm>
-        </p:spPr>
-        <p:txBody>
-          <a:bodyPr>
+          <a:bodyPr vert="horz" wrap="square" lIns="91440" tIns="45720" rIns="91440" bIns="45720" numCol="1" anchor="t" anchorCtr="0" compatLnSpc="1">
+            <a:prstTxWarp prst="textNoShape">
+              <a:avLst/>
+            </a:prstTxWarp>
             <a:normAutofit fontScale="92500"/>
           </a:bodyPr>
           <a:lstStyle/>
           <a:p>
-            <a:pPr>
+            <a:pPr marL="342900" marR="0" lvl="0" indent="-342900" algn="l" defTabSz="914400" rtl="0" eaLnBrk="0" fontAlgn="base" latinLnBrk="0" hangingPunct="0">
+              <a:lnSpc>
+                <a:spcPct val="100000"/>
+              </a:lnSpc>
+              <a:spcBef>
+                <a:spcPct val="20000"/>
+              </a:spcBef>
+              <a:spcAft>
+                <a:spcPct val="0"/>
+              </a:spcAft>
+              <a:buClrTx/>
+              <a:buSzTx/>
+              <a:buFont typeface="Arial" pitchFamily="34" charset="0"/>
               <a:buNone/>
+              <a:tabLst/>
+              <a:defRPr/>
             </a:pPr>
             <a:r>
-              <a:rPr lang="en-US" sz="1800" dirty="0" smtClean="0"/>
+              <a:rPr kumimoji="0" lang="en-US" sz="1800" b="0" i="0" u="none" strike="noStrike" kern="0" cap="none" spc="0" normalizeH="0" baseline="0" noProof="0" dirty="0" smtClean="0">
+                <a:ln>
+                  <a:noFill/>
+                </a:ln>
+                <a:solidFill>
+                  <a:schemeClr val="tx1"/>
+                </a:solidFill>
+                <a:effectLst/>
+                <a:uLnTx/>
+                <a:uFillTx/>
+                <a:latin typeface="+mn-lt"/>
+                <a:ea typeface="+mn-ea"/>
+                <a:cs typeface="+mn-cs"/>
+              </a:rPr>
               <a:t>Memory bandwidth, external memory only:</a:t>
             </a:r>
           </a:p>
           <a:p>
-            <a:pPr lvl="1"/>
-            <a:r>
-              <a:rPr lang="en-US" sz="1800" dirty="0" smtClean="0"/>
-              <a:t>Stream Copy a(i) = b(i), where a and a b are arrays.</a:t>
-            </a:r>
-          </a:p>
-          <a:p>
-            <a:pPr lvl="1"/>
-            <a:r>
-              <a:rPr lang="en-US" sz="1800" dirty="0" smtClean="0"/>
-              <a:t>Stream Scale a(i) = q * b(i), where a and b are arrays, and q is a constant.</a:t>
-            </a:r>
-          </a:p>
-          <a:p>
-            <a:pPr lvl="1"/>
-            <a:r>
-              <a:rPr lang="en-US" sz="1800" dirty="0" smtClean="0"/>
-              <a:t>Stream Add computes a(i) = b(i) + c(i), where a, b, and c are arrays.</a:t>
-            </a:r>
-          </a:p>
-          <a:p>
-            <a:pPr lvl="1"/>
-            <a:r>
-              <a:rPr lang="en-US" sz="1800" dirty="0" smtClean="0"/>
-              <a:t>Stream Triad computes a(i) = b(i) + q * c(i), where a, b, and c are arrays, and q is a constant.</a:t>
-            </a:r>
-          </a:p>
-          <a:p>
-            <a:pPr lvl="1"/>
-            <a:r>
-              <a:rPr lang="en-US" sz="1800" dirty="0" smtClean="0"/>
+            <a:pPr marL="639763" marR="0" lvl="1" indent="-285750" algn="l" defTabSz="914400" rtl="0" eaLnBrk="0" fontAlgn="base" latinLnBrk="0" hangingPunct="0">
+              <a:lnSpc>
+                <a:spcPct val="100000"/>
+              </a:lnSpc>
+              <a:spcBef>
+                <a:spcPct val="20000"/>
+              </a:spcBef>
+              <a:spcAft>
+                <a:spcPct val="0"/>
+              </a:spcAft>
+              <a:buClrTx/>
+              <a:buSzTx/>
+              <a:buFont typeface="Arial" pitchFamily="34" charset="0"/>
+              <a:buChar char="–"/>
+              <a:tabLst/>
+              <a:defRPr/>
+            </a:pPr>
+            <a:r>
+              <a:rPr kumimoji="0" lang="en-US" sz="1800" b="0" i="0" u="none" strike="noStrike" kern="0" cap="none" spc="0" normalizeH="0" baseline="0" noProof="0" dirty="0" smtClean="0">
+                <a:ln>
+                  <a:noFill/>
+                </a:ln>
+                <a:solidFill>
+                  <a:schemeClr val="tx1"/>
+                </a:solidFill>
+                <a:effectLst/>
+                <a:uLnTx/>
+                <a:uFillTx/>
+                <a:latin typeface="+mn-lt"/>
+              </a:rPr>
+              <a:t>Stream Copy a(</a:t>
+            </a:r>
+            <a:r>
+              <a:rPr kumimoji="0" lang="en-US" sz="1800" b="0" i="0" u="none" strike="noStrike" kern="0" cap="none" spc="0" normalizeH="0" baseline="0" noProof="0" dirty="0" err="1" smtClean="0">
+                <a:ln>
+                  <a:noFill/>
+                </a:ln>
+                <a:solidFill>
+                  <a:schemeClr val="tx1"/>
+                </a:solidFill>
+                <a:effectLst/>
+                <a:uLnTx/>
+                <a:uFillTx/>
+                <a:latin typeface="+mn-lt"/>
+              </a:rPr>
+              <a:t>i</a:t>
+            </a:r>
+            <a:r>
+              <a:rPr kumimoji="0" lang="en-US" sz="1800" b="0" i="0" u="none" strike="noStrike" kern="0" cap="none" spc="0" normalizeH="0" baseline="0" noProof="0" dirty="0" smtClean="0">
+                <a:ln>
+                  <a:noFill/>
+                </a:ln>
+                <a:solidFill>
+                  <a:schemeClr val="tx1"/>
+                </a:solidFill>
+                <a:effectLst/>
+                <a:uLnTx/>
+                <a:uFillTx/>
+                <a:latin typeface="+mn-lt"/>
+              </a:rPr>
+              <a:t>) = b(</a:t>
+            </a:r>
+            <a:r>
+              <a:rPr kumimoji="0" lang="en-US" sz="1800" b="0" i="0" u="none" strike="noStrike" kern="0" cap="none" spc="0" normalizeH="0" baseline="0" noProof="0" dirty="0" err="1" smtClean="0">
+                <a:ln>
+                  <a:noFill/>
+                </a:ln>
+                <a:solidFill>
+                  <a:schemeClr val="tx1"/>
+                </a:solidFill>
+                <a:effectLst/>
+                <a:uLnTx/>
+                <a:uFillTx/>
+                <a:latin typeface="+mn-lt"/>
+              </a:rPr>
+              <a:t>i</a:t>
+            </a:r>
+            <a:r>
+              <a:rPr kumimoji="0" lang="en-US" sz="1800" b="0" i="0" u="none" strike="noStrike" kern="0" cap="none" spc="0" normalizeH="0" baseline="0" noProof="0" dirty="0" smtClean="0">
+                <a:ln>
+                  <a:noFill/>
+                </a:ln>
+                <a:solidFill>
+                  <a:schemeClr val="tx1"/>
+                </a:solidFill>
+                <a:effectLst/>
+                <a:uLnTx/>
+                <a:uFillTx/>
+                <a:latin typeface="+mn-lt"/>
+              </a:rPr>
+              <a:t>), where a and a b are arrays.</a:t>
+            </a:r>
+          </a:p>
+          <a:p>
+            <a:pPr marL="639763" marR="0" lvl="1" indent="-285750" algn="l" defTabSz="914400" rtl="0" eaLnBrk="0" fontAlgn="base" latinLnBrk="0" hangingPunct="0">
+              <a:lnSpc>
+                <a:spcPct val="100000"/>
+              </a:lnSpc>
+              <a:spcBef>
+                <a:spcPct val="20000"/>
+              </a:spcBef>
+              <a:spcAft>
+                <a:spcPct val="0"/>
+              </a:spcAft>
+              <a:buClrTx/>
+              <a:buSzTx/>
+              <a:buFont typeface="Arial" pitchFamily="34" charset="0"/>
+              <a:buChar char="–"/>
+              <a:tabLst/>
+              <a:defRPr/>
+            </a:pPr>
+            <a:r>
+              <a:rPr kumimoji="0" lang="en-US" sz="1800" b="0" i="0" u="none" strike="noStrike" kern="0" cap="none" spc="0" normalizeH="0" baseline="0" noProof="0" dirty="0" smtClean="0">
+                <a:ln>
+                  <a:noFill/>
+                </a:ln>
+                <a:solidFill>
+                  <a:schemeClr val="tx1"/>
+                </a:solidFill>
+                <a:effectLst/>
+                <a:uLnTx/>
+                <a:uFillTx/>
+                <a:latin typeface="+mn-lt"/>
+              </a:rPr>
+              <a:t>Stream Scale a(</a:t>
+            </a:r>
+            <a:r>
+              <a:rPr kumimoji="0" lang="en-US" sz="1800" b="0" i="0" u="none" strike="noStrike" kern="0" cap="none" spc="0" normalizeH="0" baseline="0" noProof="0" dirty="0" err="1" smtClean="0">
+                <a:ln>
+                  <a:noFill/>
+                </a:ln>
+                <a:solidFill>
+                  <a:schemeClr val="tx1"/>
+                </a:solidFill>
+                <a:effectLst/>
+                <a:uLnTx/>
+                <a:uFillTx/>
+                <a:latin typeface="+mn-lt"/>
+              </a:rPr>
+              <a:t>i</a:t>
+            </a:r>
+            <a:r>
+              <a:rPr kumimoji="0" lang="en-US" sz="1800" b="0" i="0" u="none" strike="noStrike" kern="0" cap="none" spc="0" normalizeH="0" baseline="0" noProof="0" dirty="0" smtClean="0">
+                <a:ln>
+                  <a:noFill/>
+                </a:ln>
+                <a:solidFill>
+                  <a:schemeClr val="tx1"/>
+                </a:solidFill>
+                <a:effectLst/>
+                <a:uLnTx/>
+                <a:uFillTx/>
+                <a:latin typeface="+mn-lt"/>
+              </a:rPr>
+              <a:t>) = q * b(</a:t>
+            </a:r>
+            <a:r>
+              <a:rPr kumimoji="0" lang="en-US" sz="1800" b="0" i="0" u="none" strike="noStrike" kern="0" cap="none" spc="0" normalizeH="0" baseline="0" noProof="0" dirty="0" err="1" smtClean="0">
+                <a:ln>
+                  <a:noFill/>
+                </a:ln>
+                <a:solidFill>
+                  <a:schemeClr val="tx1"/>
+                </a:solidFill>
+                <a:effectLst/>
+                <a:uLnTx/>
+                <a:uFillTx/>
+                <a:latin typeface="+mn-lt"/>
+              </a:rPr>
+              <a:t>i</a:t>
+            </a:r>
+            <a:r>
+              <a:rPr kumimoji="0" lang="en-US" sz="1800" b="0" i="0" u="none" strike="noStrike" kern="0" cap="none" spc="0" normalizeH="0" baseline="0" noProof="0" dirty="0" smtClean="0">
+                <a:ln>
+                  <a:noFill/>
+                </a:ln>
+                <a:solidFill>
+                  <a:schemeClr val="tx1"/>
+                </a:solidFill>
+                <a:effectLst/>
+                <a:uLnTx/>
+                <a:uFillTx/>
+                <a:latin typeface="+mn-lt"/>
+              </a:rPr>
+              <a:t>), where a and b are arrays, and q is a constant.</a:t>
+            </a:r>
+          </a:p>
+          <a:p>
+            <a:pPr marL="639763" marR="0" lvl="1" indent="-285750" algn="l" defTabSz="914400" rtl="0" eaLnBrk="0" fontAlgn="base" latinLnBrk="0" hangingPunct="0">
+              <a:lnSpc>
+                <a:spcPct val="100000"/>
+              </a:lnSpc>
+              <a:spcBef>
+                <a:spcPct val="20000"/>
+              </a:spcBef>
+              <a:spcAft>
+                <a:spcPct val="0"/>
+              </a:spcAft>
+              <a:buClrTx/>
+              <a:buSzTx/>
+              <a:buFont typeface="Arial" pitchFamily="34" charset="0"/>
+              <a:buChar char="–"/>
+              <a:tabLst/>
+              <a:defRPr/>
+            </a:pPr>
+            <a:r>
+              <a:rPr kumimoji="0" lang="en-US" sz="1800" b="0" i="0" u="none" strike="noStrike" kern="0" cap="none" spc="0" normalizeH="0" baseline="0" noProof="0" dirty="0" smtClean="0">
+                <a:ln>
+                  <a:noFill/>
+                </a:ln>
+                <a:solidFill>
+                  <a:schemeClr val="tx1"/>
+                </a:solidFill>
+                <a:effectLst/>
+                <a:uLnTx/>
+                <a:uFillTx/>
+                <a:latin typeface="+mn-lt"/>
+              </a:rPr>
+              <a:t>Stream Add computes a(</a:t>
+            </a:r>
+            <a:r>
+              <a:rPr kumimoji="0" lang="en-US" sz="1800" b="0" i="0" u="none" strike="noStrike" kern="0" cap="none" spc="0" normalizeH="0" baseline="0" noProof="0" dirty="0" err="1" smtClean="0">
+                <a:ln>
+                  <a:noFill/>
+                </a:ln>
+                <a:solidFill>
+                  <a:schemeClr val="tx1"/>
+                </a:solidFill>
+                <a:effectLst/>
+                <a:uLnTx/>
+                <a:uFillTx/>
+                <a:latin typeface="+mn-lt"/>
+              </a:rPr>
+              <a:t>i</a:t>
+            </a:r>
+            <a:r>
+              <a:rPr kumimoji="0" lang="en-US" sz="1800" b="0" i="0" u="none" strike="noStrike" kern="0" cap="none" spc="0" normalizeH="0" baseline="0" noProof="0" dirty="0" smtClean="0">
+                <a:ln>
+                  <a:noFill/>
+                </a:ln>
+                <a:solidFill>
+                  <a:schemeClr val="tx1"/>
+                </a:solidFill>
+                <a:effectLst/>
+                <a:uLnTx/>
+                <a:uFillTx/>
+                <a:latin typeface="+mn-lt"/>
+              </a:rPr>
+              <a:t>) = b(</a:t>
+            </a:r>
+            <a:r>
+              <a:rPr kumimoji="0" lang="en-US" sz="1800" b="0" i="0" u="none" strike="noStrike" kern="0" cap="none" spc="0" normalizeH="0" baseline="0" noProof="0" dirty="0" err="1" smtClean="0">
+                <a:ln>
+                  <a:noFill/>
+                </a:ln>
+                <a:solidFill>
+                  <a:schemeClr val="tx1"/>
+                </a:solidFill>
+                <a:effectLst/>
+                <a:uLnTx/>
+                <a:uFillTx/>
+                <a:latin typeface="+mn-lt"/>
+              </a:rPr>
+              <a:t>i</a:t>
+            </a:r>
+            <a:r>
+              <a:rPr kumimoji="0" lang="en-US" sz="1800" b="0" i="0" u="none" strike="noStrike" kern="0" cap="none" spc="0" normalizeH="0" baseline="0" noProof="0" dirty="0" smtClean="0">
+                <a:ln>
+                  <a:noFill/>
+                </a:ln>
+                <a:solidFill>
+                  <a:schemeClr val="tx1"/>
+                </a:solidFill>
+                <a:effectLst/>
+                <a:uLnTx/>
+                <a:uFillTx/>
+                <a:latin typeface="+mn-lt"/>
+              </a:rPr>
+              <a:t>) + c(</a:t>
+            </a:r>
+            <a:r>
+              <a:rPr kumimoji="0" lang="en-US" sz="1800" b="0" i="0" u="none" strike="noStrike" kern="0" cap="none" spc="0" normalizeH="0" baseline="0" noProof="0" dirty="0" err="1" smtClean="0">
+                <a:ln>
+                  <a:noFill/>
+                </a:ln>
+                <a:solidFill>
+                  <a:schemeClr val="tx1"/>
+                </a:solidFill>
+                <a:effectLst/>
+                <a:uLnTx/>
+                <a:uFillTx/>
+                <a:latin typeface="+mn-lt"/>
+              </a:rPr>
+              <a:t>i</a:t>
+            </a:r>
+            <a:r>
+              <a:rPr kumimoji="0" lang="en-US" sz="1800" b="0" i="0" u="none" strike="noStrike" kern="0" cap="none" spc="0" normalizeH="0" baseline="0" noProof="0" dirty="0" smtClean="0">
+                <a:ln>
+                  <a:noFill/>
+                </a:ln>
+                <a:solidFill>
+                  <a:schemeClr val="tx1"/>
+                </a:solidFill>
+                <a:effectLst/>
+                <a:uLnTx/>
+                <a:uFillTx/>
+                <a:latin typeface="+mn-lt"/>
+              </a:rPr>
+              <a:t>), where a, b, and c are arrays.</a:t>
+            </a:r>
+          </a:p>
+          <a:p>
+            <a:pPr marL="639763" marR="0" lvl="1" indent="-285750" algn="l" defTabSz="914400" rtl="0" eaLnBrk="0" fontAlgn="base" latinLnBrk="0" hangingPunct="0">
+              <a:lnSpc>
+                <a:spcPct val="100000"/>
+              </a:lnSpc>
+              <a:spcBef>
+                <a:spcPct val="20000"/>
+              </a:spcBef>
+              <a:spcAft>
+                <a:spcPct val="0"/>
+              </a:spcAft>
+              <a:buClrTx/>
+              <a:buSzTx/>
+              <a:buFont typeface="Arial" pitchFamily="34" charset="0"/>
+              <a:buChar char="–"/>
+              <a:tabLst/>
+              <a:defRPr/>
+            </a:pPr>
+            <a:r>
+              <a:rPr kumimoji="0" lang="en-US" sz="1800" b="0" i="0" u="none" strike="noStrike" kern="0" cap="none" spc="0" normalizeH="0" baseline="0" noProof="0" dirty="0" smtClean="0">
+                <a:ln>
+                  <a:noFill/>
+                </a:ln>
+                <a:solidFill>
+                  <a:schemeClr val="tx1"/>
+                </a:solidFill>
+                <a:effectLst/>
+                <a:uLnTx/>
+                <a:uFillTx/>
+                <a:latin typeface="+mn-lt"/>
+              </a:rPr>
+              <a:t>Stream Triad computes a(</a:t>
+            </a:r>
+            <a:r>
+              <a:rPr kumimoji="0" lang="en-US" sz="1800" b="0" i="0" u="none" strike="noStrike" kern="0" cap="none" spc="0" normalizeH="0" baseline="0" noProof="0" dirty="0" err="1" smtClean="0">
+                <a:ln>
+                  <a:noFill/>
+                </a:ln>
+                <a:solidFill>
+                  <a:schemeClr val="tx1"/>
+                </a:solidFill>
+                <a:effectLst/>
+                <a:uLnTx/>
+                <a:uFillTx/>
+                <a:latin typeface="+mn-lt"/>
+              </a:rPr>
+              <a:t>i</a:t>
+            </a:r>
+            <a:r>
+              <a:rPr kumimoji="0" lang="en-US" sz="1800" b="0" i="0" u="none" strike="noStrike" kern="0" cap="none" spc="0" normalizeH="0" baseline="0" noProof="0" dirty="0" smtClean="0">
+                <a:ln>
+                  <a:noFill/>
+                </a:ln>
+                <a:solidFill>
+                  <a:schemeClr val="tx1"/>
+                </a:solidFill>
+                <a:effectLst/>
+                <a:uLnTx/>
+                <a:uFillTx/>
+                <a:latin typeface="+mn-lt"/>
+              </a:rPr>
+              <a:t>) = b(</a:t>
+            </a:r>
+            <a:r>
+              <a:rPr kumimoji="0" lang="en-US" sz="1800" b="0" i="0" u="none" strike="noStrike" kern="0" cap="none" spc="0" normalizeH="0" baseline="0" noProof="0" dirty="0" err="1" smtClean="0">
+                <a:ln>
+                  <a:noFill/>
+                </a:ln>
+                <a:solidFill>
+                  <a:schemeClr val="tx1"/>
+                </a:solidFill>
+                <a:effectLst/>
+                <a:uLnTx/>
+                <a:uFillTx/>
+                <a:latin typeface="+mn-lt"/>
+              </a:rPr>
+              <a:t>i</a:t>
+            </a:r>
+            <a:r>
+              <a:rPr kumimoji="0" lang="en-US" sz="1800" b="0" i="0" u="none" strike="noStrike" kern="0" cap="none" spc="0" normalizeH="0" baseline="0" noProof="0" dirty="0" smtClean="0">
+                <a:ln>
+                  <a:noFill/>
+                </a:ln>
+                <a:solidFill>
+                  <a:schemeClr val="tx1"/>
+                </a:solidFill>
+                <a:effectLst/>
+                <a:uLnTx/>
+                <a:uFillTx/>
+                <a:latin typeface="+mn-lt"/>
+              </a:rPr>
+              <a:t>) + q * c(</a:t>
+            </a:r>
+            <a:r>
+              <a:rPr kumimoji="0" lang="en-US" sz="1800" b="0" i="0" u="none" strike="noStrike" kern="0" cap="none" spc="0" normalizeH="0" baseline="0" noProof="0" dirty="0" err="1" smtClean="0">
+                <a:ln>
+                  <a:noFill/>
+                </a:ln>
+                <a:solidFill>
+                  <a:schemeClr val="tx1"/>
+                </a:solidFill>
+                <a:effectLst/>
+                <a:uLnTx/>
+                <a:uFillTx/>
+                <a:latin typeface="+mn-lt"/>
+              </a:rPr>
+              <a:t>i</a:t>
+            </a:r>
+            <a:r>
+              <a:rPr kumimoji="0" lang="en-US" sz="1800" b="0" i="0" u="none" strike="noStrike" kern="0" cap="none" spc="0" normalizeH="0" baseline="0" noProof="0" dirty="0" smtClean="0">
+                <a:ln>
+                  <a:noFill/>
+                </a:ln>
+                <a:solidFill>
+                  <a:schemeClr val="tx1"/>
+                </a:solidFill>
+                <a:effectLst/>
+                <a:uLnTx/>
+                <a:uFillTx/>
+                <a:latin typeface="+mn-lt"/>
+              </a:rPr>
+              <a:t>), where a, b, and c are arrays, and q is a constant.</a:t>
+            </a:r>
+          </a:p>
+          <a:p>
+            <a:pPr marL="639763" marR="0" lvl="1" indent="-285750" algn="l" defTabSz="914400" rtl="0" eaLnBrk="0" fontAlgn="base" latinLnBrk="0" hangingPunct="0">
+              <a:lnSpc>
+                <a:spcPct val="100000"/>
+              </a:lnSpc>
+              <a:spcBef>
+                <a:spcPct val="20000"/>
+              </a:spcBef>
+              <a:spcAft>
+                <a:spcPct val="0"/>
+              </a:spcAft>
+              <a:buClrTx/>
+              <a:buSzTx/>
+              <a:buFont typeface="Arial" pitchFamily="34" charset="0"/>
+              <a:buChar char="–"/>
+              <a:tabLst/>
+              <a:defRPr/>
+            </a:pPr>
+            <a:r>
+              <a:rPr kumimoji="0" lang="en-US" sz="1800" b="0" i="0" u="none" strike="noStrike" kern="0" cap="none" spc="0" normalizeH="0" baseline="0" noProof="0" dirty="0" smtClean="0">
+                <a:ln>
+                  <a:noFill/>
+                </a:ln>
+                <a:solidFill>
+                  <a:schemeClr val="tx1"/>
+                </a:solidFill>
+                <a:effectLst/>
+                <a:uLnTx/>
+                <a:uFillTx/>
+                <a:latin typeface="+mn-lt"/>
+              </a:rPr>
               <a:t>Array sizes are defined to force missing on cache regardless of size</a:t>
             </a:r>
           </a:p>
@@ -14960,7 +15829,7 @@
       </p:sp>
       <p:sp>
         <p:nvSpPr>
-          <p:cNvPr id="5" name="TextBox 4"/>
+          <p:cNvPr id="6" name="TextBox 5"/>
           <p:cNvSpPr txBox="1"/>
           <p:nvPr/>
         </p:nvSpPr>
@@ -14997,7 +15866,15 @@
             </a:r>
             <a:r>
               <a:rPr lang="en-US" sz="1800" dirty="0" smtClean="0"/>
-              <a:t> industry standard benchmark for the measurements of computer memory bandwidth.</a:t>
+              <a:t> industry standard benchmark for </a:t>
+            </a:r>
+            <a:r>
+              <a:rPr lang="en-US" sz="1800" dirty="0" smtClean="0"/>
+              <a:t>measurements </a:t>
+            </a:r>
+            <a:r>
+              <a:rPr lang="en-US" sz="1800" dirty="0" smtClean="0"/>
+              <a:t>of computer memory bandwidth.</a:t>
             </a:r>
           </a:p>
           <a:p>
@@ -15042,46 +15919,7 @@
           </a:p>
         </p:txBody>
       </p:sp>
-      <p:pic>
-        <p:nvPicPr>
-          <p:cNvPr id="33795" name="Picture 3" descr="image004"/>
-          <p:cNvPicPr>
-            <a:picLocks noChangeAspect="1" noChangeArrowheads="1"/>
-          </p:cNvPicPr>
-          <p:nvPr>
-            <p:custDataLst>
-              <p:tags r:id="rId2"/>
-            </p:custDataLst>
-          </p:nvPr>
-        </p:nvPicPr>
-        <p:blipFill>
-          <a:blip r:embed="rId5" cstate="print"/>
-          <a:srcRect/>
-          <a:stretch>
-            <a:fillRect/>
-          </a:stretch>
-        </p:blipFill>
-        <p:spPr bwMode="auto">
-          <a:xfrm>
-            <a:off x="64137" y="771052"/>
-            <a:ext cx="5983578" cy="4114312"/>
-          </a:xfrm>
-          <a:prstGeom prst="rect">
-            <a:avLst/>
-          </a:prstGeom>
-          <a:noFill/>
-          <a:ln w="9525">
-            <a:noFill/>
-            <a:miter lim="800000"/>
-            <a:headEnd/>
-            <a:tailEnd/>
-          </a:ln>
-        </p:spPr>
-      </p:pic>
     </p:spTree>
-    <p:custDataLst>
-      <p:tags r:id="rId1"/>
-    </p:custDataLst>
   </p:cSld>
   <p:clrMapOvr>
     <a:masterClrMapping/>
@@ -15460,7 +16298,19 @@
               <a:rPr lang="en-US" altLang="ko-KR" sz="2000" kern="1200" dirty="0" smtClean="0">
                 <a:latin typeface="Arial" pitchFamily="34" charset="0"/>
               </a:rPr>
-              <a:t>Software generated (SGI ) by ARM core</a:t>
+              <a:t>Software generated (</a:t>
+            </a:r>
+            <a:r>
+              <a:rPr lang="en-US" altLang="ko-KR" sz="2000" kern="1200" dirty="0" smtClean="0">
+                <a:latin typeface="Arial" pitchFamily="34" charset="0"/>
+              </a:rPr>
+              <a:t>SGI) </a:t>
+            </a:r>
+            <a:r>
+              <a:rPr lang="en-US" altLang="ko-KR" sz="2000" kern="1200" dirty="0" smtClean="0">
+                <a:latin typeface="Arial" pitchFamily="34" charset="0"/>
+              </a:rPr>
+              <a:t>by ARM core</a:t>
             </a:r>
           </a:p>
           <a:p>
@@ -15565,7 +16415,11 @@
             </a:br>
             <a:r>
               <a:rPr lang="en-US" altLang="ko-KR" sz="3600" dirty="0" smtClean="0"/>
-              <a:t>Distributer Side</a:t>
+              <a:t>Distributor </a:t>
+            </a:r>
+            <a:r>
+              <a:rPr lang="en-US" altLang="ko-KR" sz="3600" dirty="0" smtClean="0"/>
+              <a:t>Side</a:t>
             </a:r>
           </a:p>
         </p:txBody>
@@ -15888,7 +16742,7 @@
         </p:xfrm>
         <a:graphic>
           <a:graphicData uri="http://schemas.openxmlformats.org/presentationml/2006/ole">
-            <p:oleObj spid="_x0000_s52226" name="Visio" r:id="rId3" imgW="4384167" imgH="3355467" progId="Visio.Drawing.11">
+            <p:oleObj spid="_x0000_s52226" name="Visio" r:id="rId3" imgW="4384167" imgH="3355467" progId="">
               <p:embed/>
             </p:oleObj>
           </a:graphicData>
@@ -16073,7 +16927,23 @@
             </a:pPr>
             <a:r>
               <a:rPr lang="en-US" sz="2000" dirty="0" smtClean="0"/>
-              <a:t>Configured 64/128 bit AMBA interface and 64/128 bits accelerator coherency support (ACP)</a:t>
+              <a:t>Configured </a:t>
+            </a:r>
+            <a:r>
+              <a:rPr lang="en-US" sz="2000" dirty="0" smtClean="0"/>
+              <a:t>64/128-bit </a:t>
+            </a:r>
+            <a:r>
+              <a:rPr lang="en-US" sz="2000" dirty="0" smtClean="0"/>
+              <a:t>AMBA interface and </a:t>
+            </a:r>
+            <a:r>
+              <a:rPr lang="en-US" sz="2000" dirty="0" smtClean="0"/>
+              <a:t>64/128-bit Accelerator Coherency Support </a:t>
+            </a:r>
+            <a:r>
+              <a:rPr lang="en-US" sz="2000" dirty="0" smtClean="0"/>
+              <a:t>(ACP)</a:t>
             </a:r>
           </a:p>
           <a:p>
@@ -16137,7 +17007,7 @@
     </p:custDataLst>
     <p:extLst>
       <p:ext uri="{BB962C8B-B14F-4D97-AF65-F5344CB8AC3E}">
-        <p14:creationId xmlns:p14="http://schemas.microsoft.com/office/powerpoint/2010/main" xmlns="" val="3469200570"/>
+        <p14:creationId xmlns="" xmlns:p14="http://schemas.microsoft.com/office/powerpoint/2010/main" val="3469200570"/>
       </p:ext>
     </p:extLst>
   </p:cSld>
@@ -16695,21 +17565,56 @@
           <a:p>
             <a:r>
               <a:rPr lang="en-US" sz="2400" dirty="0" smtClean="0"/>
-              <a:t>PMU  - performance Monitoring Unit</a:t>
-            </a:r>
-          </a:p>
-          <a:p>
-            <a:pPr lvl="1"/>
+              <a:t>PMU (Performance </a:t>
+            </a:r>
             <a:r>
               <a:rPr lang="en-US" sz="2400" dirty="0" smtClean="0"/>
-              <a:t>Set of counters that can count various events</a:t>
-            </a:r>
-          </a:p>
-          <a:p>
+              <a:t>Monitoring </a:t>
+            </a:r>
             <a:r>
               <a:rPr lang="en-US" sz="2400" dirty="0" smtClean="0"/>
-              <a:t>Trace Macrocell</a:t>
-            </a:r>
+              <a:t>Unit) is a set of counters </a:t>
+            </a:r>
+            <a:r>
+              <a:rPr lang="en-US" sz="2400" dirty="0" smtClean="0"/>
+              <a:t>that can </a:t>
+            </a:r>
+            <a:r>
+              <a:rPr lang="en-US" sz="2400" dirty="0" smtClean="0"/>
+              <a:t>gathers statistics</a:t>
+            </a:r>
+            <a:r>
+              <a:rPr lang="en-US" sz="2400" dirty="0" smtClean="0"/>
+              <a:t> </a:t>
+            </a:r>
+            <a:r>
+              <a:rPr lang="en-US" sz="2400" dirty="0" smtClean="0"/>
+              <a:t>various </a:t>
+            </a:r>
+            <a:r>
+              <a:rPr lang="en-US" sz="2400" dirty="0" smtClean="0"/>
+              <a:t>processor and memory events.</a:t>
+            </a:r>
+            <a:endParaRPr lang="en-US" sz="2400" dirty="0" smtClean="0"/>
+          </a:p>
+          <a:p>
+            <a:r>
+              <a:rPr lang="en-US" sz="2400" dirty="0" smtClean="0"/>
+              <a:t>System Trace </a:t>
+            </a:r>
+            <a:r>
+              <a:rPr lang="en-US" sz="2400" dirty="0" err="1" smtClean="0"/>
+              <a:t>Macrocell</a:t>
+            </a:r>
+            <a:r>
+              <a:rPr lang="en-US" sz="2400" dirty="0" smtClean="0"/>
+              <a:t> </a:t>
+            </a:r>
+            <a:r>
+              <a:rPr lang="en-US" sz="2400" dirty="0" smtClean="0"/>
+              <a:t>(STM) provides:</a:t>
+            </a:r>
+            <a:endParaRPr lang="en-US" sz="2400" dirty="0" smtClean="0"/>
           </a:p>
           <a:p>
             <a:pPr lvl="1"/>
@@ -16728,15 +17633,49 @@
           <a:p>
             <a:r>
               <a:rPr lang="en-US" sz="2400" dirty="0" smtClean="0"/>
-              <a:t>Cross trigger unit</a:t>
-            </a:r>
-          </a:p>
-          <a:p>
-            <a:pPr lvl="1"/>
+              <a:t>Embedded Cross </a:t>
+            </a:r>
             <a:r>
               <a:rPr lang="en-US" sz="2400" dirty="0" smtClean="0"/>
-              <a:t>Enable event from one CPU to trigger trace at another CPU </a:t>
-            </a:r>
+              <a:t>T</a:t>
+            </a:r>
+            <a:r>
+              <a:rPr lang="en-US" sz="2400" dirty="0" smtClean="0"/>
+              <a:t>rigger (ECT) unit enables an event </a:t>
+            </a:r>
+            <a:r>
+              <a:rPr lang="en-US" sz="2400" dirty="0" smtClean="0"/>
+              <a:t>from one </a:t>
+            </a:r>
+            <a:r>
+              <a:rPr lang="en-US" sz="2400" dirty="0" err="1" smtClean="0"/>
+              <a:t>CorePac</a:t>
+            </a:r>
+            <a:r>
+              <a:rPr lang="en-US" sz="2400" dirty="0" smtClean="0"/>
+              <a:t> </a:t>
+            </a:r>
+            <a:r>
+              <a:rPr lang="en-US" sz="2400" dirty="0" smtClean="0"/>
+              <a:t>to trigger </a:t>
+            </a:r>
+            <a:r>
+              <a:rPr lang="en-US" sz="2400" dirty="0" smtClean="0"/>
+              <a:t>a trace </a:t>
+            </a:r>
+            <a:r>
+              <a:rPr lang="en-US" sz="2400" dirty="0" smtClean="0"/>
+              <a:t>at another </a:t>
+            </a:r>
+            <a:r>
+              <a:rPr lang="en-US" sz="2400" dirty="0" err="1" smtClean="0"/>
+              <a:t>CorePac</a:t>
+            </a:r>
+            <a:r>
+              <a:rPr lang="en-US" sz="2400" dirty="0" smtClean="0"/>
+              <a:t> </a:t>
+            </a:r>
+            <a:endParaRPr lang="en-US" sz="2400" dirty="0" smtClean="0"/>
           </a:p>
         </p:txBody>
       </p:sp>
@@ -16840,7 +17779,11 @@
           <a:p>
             <a:r>
               <a:rPr lang="en-US" sz="2800" dirty="0" smtClean="0"/>
-              <a:t>ARM hardware debug registers facilitate debugging</a:t>
+              <a:t>ARM hardware debug registers facilitate </a:t>
+            </a:r>
+            <a:r>
+              <a:rPr lang="en-US" sz="2800" dirty="0" smtClean="0"/>
+              <a:t>debugging.</a:t>
             </a:r>
             <a:endParaRPr lang="en-US" sz="2800" dirty="0"/>
           </a:p>
@@ -16978,7 +17921,15 @@
           <a:p>
             <a:r>
               <a:rPr lang="en-US" sz="3600" dirty="0" smtClean="0"/>
-              <a:t>Trace Macrocell</a:t>
+              <a:t>System Trace </a:t>
+            </a:r>
+            <a:r>
+              <a:rPr lang="en-US" sz="3600" dirty="0" err="1" smtClean="0"/>
+              <a:t>Macrocell</a:t>
+            </a:r>
+            <a:r>
+              <a:rPr lang="en-US" sz="3600" dirty="0" smtClean="0"/>
+              <a:t> (STM)</a:t>
             </a:r>
             <a:endParaRPr lang="en-US" sz="3600" dirty="0"/>
           </a:p>
@@ -17014,7 +17965,15 @@
           <a:p>
             <a:r>
               <a:rPr lang="en-US" sz="2800" dirty="0" smtClean="0"/>
-              <a:t>Coresight is a set of hardware and software architecture specification  documents that enables easy development of on-chip trace and debug.</a:t>
+              <a:t>Coresight is a set of hardware and software architecture specification  documents that </a:t>
+            </a:r>
+            <a:r>
+              <a:rPr lang="en-US" sz="2800" dirty="0" smtClean="0"/>
+              <a:t>enable </a:t>
+            </a:r>
+            <a:r>
+              <a:rPr lang="en-US" sz="2800" dirty="0" smtClean="0"/>
+              <a:t>easy development of on-chip trace and debug.</a:t>
             </a:r>
             <a:endParaRPr lang="en-US" sz="2000" dirty="0" smtClean="0"/>
           </a:p>
@@ -17460,27 +18419,39 @@
           <a:lstStyle/>
           <a:p>
             <a:r>
-              <a:rPr lang="en-US" sz="2800" dirty="0" smtClean="0"/>
+              <a:rPr lang="en-US" dirty="0" smtClean="0"/>
               <a:t>Packetized trace, real-time asynchronous trace export</a:t>
             </a:r>
           </a:p>
           <a:p>
             <a:r>
-              <a:rPr lang="en-US" sz="2800" dirty="0" smtClean="0"/>
+              <a:rPr lang="en-US" dirty="0" smtClean="0"/>
               <a:t>Multicore trace using single capture unit</a:t>
             </a:r>
           </a:p>
           <a:p>
             <a:r>
+              <a:rPr lang="en-US" dirty="0" err="1" smtClean="0"/>
+              <a:t>CoreSight</a:t>
+            </a:r>
+            <a:r>
               <a:rPr lang="en-US" dirty="0" smtClean="0"/>
-              <a:t>Coresight components include:</a:t>
+              <a:t> </a:t>
+            </a:r>
+            <a:r>
+              <a:rPr lang="en-US" dirty="0" smtClean="0"/>
+              <a:t>components include:</a:t>
             </a:r>
           </a:p>
           <a:p>
             <a:pPr lvl="1"/>
             <a:r>
               <a:rPr lang="en-US" sz="2400" dirty="0" smtClean="0"/>
-              <a:t>PTM (Program Flow Trace)</a:t>
+              <a:t>PFT </a:t>
+            </a:r>
+            <a:r>
+              <a:rPr lang="en-US" sz="2400" dirty="0" smtClean="0"/>
+              <a:t>(Program Flow Trace)</a:t>
             </a:r>
           </a:p>
           <a:p>
@@ -17514,8 +18485,24 @@
           <a:p>
             <a:pPr lvl="1"/>
             <a:r>
+              <a:rPr lang="en-US" sz="2400" dirty="0" err="1" smtClean="0"/>
+              <a:t>CoreSight</a:t>
+            </a:r>
+            <a:r>
               <a:rPr lang="en-US" sz="2400" dirty="0" smtClean="0"/>
-              <a:t>Trace Funnel combines multiple trace streams</a:t>
+              <a:t> Trace </a:t>
+            </a:r>
+            <a:r>
+              <a:rPr lang="en-US" sz="2400" dirty="0" smtClean="0"/>
+              <a:t>Funnel </a:t>
+            </a:r>
+            <a:r>
+              <a:rPr lang="en-US" sz="2400" dirty="0" smtClean="0"/>
+              <a:t>(CTF) combines </a:t>
+            </a:r>
+            <a:r>
+              <a:rPr lang="en-US" sz="2400" dirty="0" smtClean="0"/>
+              <a:t>multiple trace streams</a:t>
             </a:r>
           </a:p>
         </p:txBody>
@@ -17599,8 +18586,21 @@
           <a:p>
             <a:r>
               <a:rPr lang="en-US" sz="2800" dirty="0" smtClean="0"/>
-              <a:t>CTI controls the trigger interface for each CPU</a:t>
-            </a:r>
+              <a:t>Cross Trigger Interface (CTI) </a:t>
+            </a:r>
+            <a:r>
+              <a:rPr lang="en-US" sz="2800" dirty="0" smtClean="0"/>
+              <a:t>controls the trigger interface for each </a:t>
+            </a:r>
+            <a:r>
+              <a:rPr lang="en-US" sz="2800" dirty="0" err="1" smtClean="0"/>
+              <a:t>CorePac</a:t>
+            </a:r>
+            <a:r>
+              <a:rPr lang="en-US" sz="2800" dirty="0" smtClean="0"/>
+              <a:t>.</a:t>
+            </a:r>
+            <a:endParaRPr lang="en-US" sz="2800" dirty="0" smtClean="0"/>
           </a:p>
           <a:p>
             <a:pPr lvl="1"/>
@@ -17613,7 +18613,31 @@
             <a:pPr lvl="1"/>
             <a:r>
               <a:rPr lang="en-US" sz="2400" dirty="0" smtClean="0"/>
-              <a:t>Enables the debug logic, PTM and PMU to interact with each other and with other </a:t>
+              <a:t>Enables the debug logic, </a:t>
+            </a:r>
+            <a:r>
+              <a:rPr lang="en-US" sz="2400" dirty="0" smtClean="0"/>
+              <a:t>PTM (Program Trace </a:t>
+            </a:r>
+            <a:r>
+              <a:rPr lang="en-US" sz="2400" dirty="0" err="1" smtClean="0"/>
+              <a:t>Macrocell</a:t>
+            </a:r>
+            <a:r>
+              <a:rPr lang="en-US" sz="2400" dirty="0" smtClean="0"/>
+              <a:t>), </a:t>
+            </a:r>
+            <a:r>
+              <a:rPr lang="en-US" sz="2400" dirty="0" smtClean="0"/>
+              <a:t>and PMU </a:t>
+            </a:r>
+            <a:r>
+              <a:rPr lang="en-US" sz="2400" dirty="0" smtClean="0"/>
+              <a:t>(Performance Monitoring Unit) to </a:t>
+            </a:r>
+            <a:r>
+              <a:rPr lang="en-US" sz="2400" dirty="0" smtClean="0"/>
+              <a:t>interact with each other and with other </a:t>
             </a:r>
             <a:r>
               <a:rPr lang="en-US" sz="2400" dirty="0" err="1" smtClean="0"/>
@@ -17621,20 +18645,74 @@
             </a:r>
             <a:r>
               <a:rPr lang="en-US" sz="2400" dirty="0" smtClean="0"/>
-              <a:t> component</a:t>
-            </a:r>
+              <a:t> </a:t>
+            </a:r>
+            <a:r>
+              <a:rPr lang="en-US" sz="2400" dirty="0" smtClean="0"/>
+              <a:t>components</a:t>
+            </a:r>
+            <a:endParaRPr lang="en-US" sz="2400" dirty="0" smtClean="0"/>
           </a:p>
           <a:p>
             <a:r>
               <a:rPr lang="en-US" sz="2800" dirty="0" smtClean="0"/>
-              <a:t>CTM controls the distribution of events across CPUs and from external modules</a:t>
-            </a:r>
+              <a:t>Cross Trigger Matrix (CTM) </a:t>
+            </a:r>
+            <a:r>
+              <a:rPr lang="en-US" sz="2800" dirty="0" smtClean="0"/>
+              <a:t>controls the distribution of events across </a:t>
+            </a:r>
+            <a:r>
+              <a:rPr lang="en-US" sz="2800" dirty="0" err="1" smtClean="0"/>
+              <a:t>CorePacs</a:t>
+            </a:r>
+            <a:r>
+              <a:rPr lang="en-US" sz="2800" dirty="0" smtClean="0"/>
+              <a:t> </a:t>
+            </a:r>
+            <a:r>
+              <a:rPr lang="en-US" sz="2800" dirty="0" smtClean="0"/>
+              <a:t>and from external </a:t>
+            </a:r>
+            <a:r>
+              <a:rPr lang="en-US" sz="2800" dirty="0" smtClean="0"/>
+              <a:t>modules.</a:t>
+            </a:r>
+            <a:endParaRPr lang="en-US" sz="2800" dirty="0" smtClean="0"/>
           </a:p>
           <a:p>
             <a:pPr lvl="1"/>
             <a:r>
               <a:rPr lang="en-US" sz="2400" dirty="0" smtClean="0"/>
-              <a:t>Matrix connections. Number of trigger inputs and trigger outputs are connected between debug components in the MPCore and CTIs.</a:t>
+              <a:t>Matrix </a:t>
+            </a:r>
+            <a:r>
+              <a:rPr lang="en-US" sz="2400" dirty="0" smtClean="0"/>
+              <a:t>connections refers to the number </a:t>
+            </a:r>
+            <a:r>
+              <a:rPr lang="en-US" sz="2400" dirty="0" smtClean="0"/>
+              <a:t>of trigger inputs and trigger outputs </a:t>
+            </a:r>
+            <a:r>
+              <a:rPr lang="en-US" sz="2400" dirty="0" smtClean="0"/>
+              <a:t>that are </a:t>
+            </a:r>
+            <a:r>
+              <a:rPr lang="en-US" sz="2400" dirty="0" smtClean="0"/>
+              <a:t>connected between debug components in the </a:t>
+            </a:r>
+            <a:r>
+              <a:rPr lang="en-US" sz="2400" smtClean="0"/>
+              <a:t>MPCore</a:t>
+            </a:r>
+            <a:r>
+              <a:rPr lang="en-US" sz="2400" dirty="0" smtClean="0"/>
+              <a:t> </a:t>
+            </a:r>
+            <a:r>
+              <a:rPr lang="en-US" sz="2400" dirty="0" smtClean="0"/>
+              <a:t>and CTIs.</a:t>
             </a:r>
           </a:p>
         </p:txBody>
@@ -17788,7 +18866,11 @@
           <a:p>
             <a:r>
               <a:rPr lang="en-US" sz="3600" dirty="0" smtClean="0"/>
-              <a:t>CTI and CTM signals</a:t>
+              <a:t>CTI and CTM </a:t>
+            </a:r>
+            <a:r>
+              <a:rPr lang="en-US" sz="3600" dirty="0" smtClean="0"/>
+              <a:t>Signals</a:t>
             </a:r>
             <a:endParaRPr lang="en-US" sz="3600" dirty="0"/>
           </a:p>
@@ -17914,7 +18996,11 @@
           <a:p>
             <a:r>
               <a:rPr lang="en-US" sz="4000" dirty="0" smtClean="0"/>
-              <a:t>Summary - Quad Cortex-A15</a:t>
+              <a:t>Summary: </a:t>
+            </a:r>
+            <a:r>
+              <a:rPr lang="en-US" sz="4000" dirty="0" smtClean="0"/>
+              <a:t>Quad Cortex-A15</a:t>
             </a:r>
           </a:p>
         </p:txBody>
@@ -18454,7 +19540,15 @@
           <a:p>
             <a:r>
               <a:rPr lang="en-US" sz="4000" dirty="0" smtClean="0"/>
-              <a:t>Cortex A-15 Features – The Core (1/2)</a:t>
+              <a:t>Cortex A-15 </a:t>
+            </a:r>
+            <a:r>
+              <a:rPr lang="en-US" sz="4000" dirty="0" smtClean="0"/>
+              <a:t>Features: The </a:t>
+            </a:r>
+            <a:r>
+              <a:rPr lang="en-US" sz="4000" dirty="0" smtClean="0"/>
+              <a:t>Core (1/2)</a:t>
             </a:r>
           </a:p>
         </p:txBody>
@@ -18478,8 +19572,13 @@
           <a:p>
             <a:r>
               <a:rPr lang="en-US" sz="2800" dirty="0" smtClean="0"/>
-              <a:t>Superscalar architecture</a:t>
-            </a:r>
+              <a:t>Superscalar </a:t>
+            </a:r>
+            <a:r>
+              <a:rPr lang="en-US" sz="2800" dirty="0" smtClean="0"/>
+              <a:t>architecture:</a:t>
+            </a:r>
+            <a:endParaRPr lang="en-US" sz="2800" dirty="0" smtClean="0"/>
           </a:p>
           <a:p>
             <a:pPr lvl="1"/>
@@ -18498,8 +19597,13 @@
           <a:p>
             <a:r>
               <a:rPr lang="en-US" sz="2800" dirty="0" smtClean="0"/>
-              <a:t>Full implementation of ARMv7-A architecture instruction set</a:t>
-            </a:r>
+              <a:t>Full implementation of ARMv7-A architecture instruction </a:t>
+            </a:r>
+            <a:r>
+              <a:rPr lang="en-US" sz="2800" dirty="0" smtClean="0"/>
+              <a:t>set:</a:t>
+            </a:r>
+            <a:endParaRPr lang="en-US" sz="2800" dirty="0" smtClean="0"/>
           </a:p>
           <a:p>
             <a:pPr lvl="1"/>
@@ -18525,14 +19629,27 @@
           <a:p>
             <a:r>
               <a:rPr lang="en-US" sz="2800" dirty="0" smtClean="0"/>
-              <a:t>Pipeline optimization</a:t>
-            </a:r>
+              <a:t>Pipeline </a:t>
+            </a:r>
+            <a:r>
+              <a:rPr lang="en-US" sz="2800" dirty="0" smtClean="0"/>
+              <a:t>optimization:</a:t>
+            </a:r>
+            <a:endParaRPr lang="en-US" sz="2800" dirty="0" smtClean="0"/>
           </a:p>
           <a:p>
             <a:pPr lvl="1"/>
             <a:r>
               <a:rPr lang="en-US" sz="2400" dirty="0" smtClean="0"/>
-              <a:t>Deeper pipeline 13 stages to issue (2 integer, 4 multiply and load, more for NEON and FPU(2-10))</a:t>
+              <a:t>Deeper </a:t>
+            </a:r>
+            <a:r>
+              <a:rPr lang="en-US" sz="2400" dirty="0" smtClean="0"/>
+              <a:t>pipeline, </a:t>
+            </a:r>
+            <a:r>
+              <a:rPr lang="en-US" sz="2400" dirty="0" smtClean="0"/>
+              <a:t>13 stages to issue (2 integer, 4 multiply and load, more for NEON and FPU(2-10))</a:t>
             </a:r>
           </a:p>
           <a:p>
@@ -18602,7 +19719,15 @@
           <a:p>
             <a:r>
               <a:rPr lang="en-US" sz="4000" dirty="0" smtClean="0"/>
-              <a:t>Cortex A-15 Features – The Core (2/2)</a:t>
+              <a:t>Cortex A-15 </a:t>
+            </a:r>
+            <a:r>
+              <a:rPr lang="en-US" sz="4000" dirty="0" smtClean="0"/>
+              <a:t>Features: The </a:t>
+            </a:r>
+            <a:r>
+              <a:rPr lang="en-US" sz="4000" dirty="0" smtClean="0"/>
+              <a:t>Core (2/2)</a:t>
             </a:r>
             <a:endParaRPr lang="en-US" sz="4000" dirty="0"/>
           </a:p>
@@ -18647,21 +19772,21 @@
           <a:p>
             <a:pPr lvl="2"/>
             <a:r>
-              <a:rPr lang="en-US" sz="2000" dirty="0" smtClean="0"/>
+              <a:rPr lang="en-US" dirty="0" smtClean="0"/>
               <a:t>Taken array</a:t>
             </a:r>
           </a:p>
           <a:p>
             <a:pPr lvl="2"/>
             <a:r>
-              <a:rPr lang="en-US" sz="2000" dirty="0" smtClean="0"/>
+              <a:rPr lang="en-US" dirty="0" smtClean="0"/>
               <a:t>Not taken array</a:t>
             </a:r>
           </a:p>
           <a:p>
             <a:pPr lvl="2"/>
             <a:r>
-              <a:rPr lang="en-US" sz="2000" dirty="0" smtClean="0"/>
+              <a:rPr lang="en-US" dirty="0" smtClean="0"/>
               <a:t>Selector array</a:t>
             </a:r>
           </a:p>
@@ -18781,21 +19906,25 @@
 
 <file path=ppt/tags/tag15.xml><?xml version="1.0" encoding="utf-8"?>
 <p:tagLst xmlns:a="http://schemas.openxmlformats.org/drawingml/2006/main" xmlns:r="http://schemas.openxmlformats.org/officeDocument/2006/relationships" xmlns:p="http://schemas.openxmlformats.org/presentationml/2006/main">
-  <p:tag name="ELAPSEDTIME" val="81.63"/>
+  <p:tag name="ELAPSEDTIME" val="80.322"/>
   <p:tag name="ARTICULATE_SLIDE_PAUSE" val="0"/>
   <p:tag name="ARTICULATE_NAV_LEVEL" val="1"/>
   <p:tag name="ARTICULATE_PLAYLIST_ID" val="-1"/>
-  <p:tag name="ARTICULATE_VIEW_MODE" val="2"/>
   <p:tag name="ARTICULATE_LOCK_SLIDE" val="0"/>
-  <p:tag name="ARTICULATE_SLIDE_GUID" val="a69ce9cd-966b-4791-9317-1b492dc7a9aa"/>
-  <p:tag name="ARTICULATE_SLIDE_NAV" val="8"/>
+  <p:tag name="ARTICULATE_SLIDE_GUID" val="6d983b37-ed36-4d89-91eb-86a0ebbb8b1c"/>
+  <p:tag name="ARTICULATE_SLIDE_NAV" val="11"/>
 </p:tagLst>
 </file>
 
 <file path=ppt/tags/tag16.xml><?xml version="1.0" encoding="utf-8"?>
 <p:tagLst xmlns:a="http://schemas.openxmlformats.org/drawingml/2006/main" xmlns:r="http://schemas.openxmlformats.org/officeDocument/2006/relationships" xmlns:p="http://schemas.openxmlformats.org/presentationml/2006/main">
-  <p:tag name="ARTICULATE_PUBLISH_MODE" val="2"/>
-  <p:tag name="ARTICULATE_SOURCE_IMAGE" val="C:\Users\a0850458\AppData\Local\Temp\articulate\presenter\imgtemp\YA6hVUms_files\slide0001_image001.gif"/>
+  <p:tag name="ELAPSEDTIME" val="80.322"/>
+  <p:tag name="ARTICULATE_SLIDE_PAUSE" val="0"/>
+  <p:tag name="ARTICULATE_NAV_LEVEL" val="1"/>
+  <p:tag name="ARTICULATE_PLAYLIST_ID" val="-1"/>
+  <p:tag name="ARTICULATE_LOCK_SLIDE" val="0"/>
+  <p:tag name="ARTICULATE_SLIDE_GUID" val="6d983b37-ed36-4d89-91eb-86a0ebbb8b1c"/>
+  <p:tag name="ARTICULATE_SLIDE_NAV" val="11"/>
 </p:tagLst>
 </file>
 
@@ -18904,30 +20033,6 @@
 
 <file path=ppt/tags/tag25.xml><?xml version="1.0" encoding="utf-8"?>
 <p:tagLst xmlns:a="http://schemas.openxmlformats.org/drawingml/2006/main" xmlns:r="http://schemas.openxmlformats.org/officeDocument/2006/relationships" xmlns:p="http://schemas.openxmlformats.org/presentationml/2006/main">
-  <p:tag name="ELAPSEDTIME" val="80.322"/>
-  <p:tag name="ARTICULATE_SLIDE_PAUSE" val="0"/>
-  <p:tag name="ARTICULATE_NAV_LEVEL" val="1"/>
-  <p:tag name="ARTICULATE_PLAYLIST_ID" val="-1"/>
-  <p:tag name="ARTICULATE_LOCK_SLIDE" val="0"/>
-  <p:tag name="ARTICULATE_SLIDE_GUID" val="6d983b37-ed36-4d89-91eb-86a0ebbb8b1c"/>
-  <p:tag name="ARTICULATE_SLIDE_NAV" val="11"/>
-</p:tagLst>
-</file>
-
-<file path=ppt/tags/tag26.xml><?xml version="1.0" encoding="utf-8"?>
-<p:tagLst xmlns:a="http://schemas.openxmlformats.org/drawingml/2006/main" xmlns:r="http://schemas.openxmlformats.org/officeDocument/2006/relationships" xmlns:p="http://schemas.openxmlformats.org/presentationml/2006/main">
-  <p:tag name="ELAPSEDTIME" val="80.322"/>
-  <p:tag name="ARTICULATE_SLIDE_PAUSE" val="0"/>
-  <p:tag name="ARTICULATE_NAV_LEVEL" val="1"/>
-  <p:tag name="ARTICULATE_PLAYLIST_ID" val="-1"/>
-  <p:tag name="ARTICULATE_LOCK_SLIDE" val="0"/>
-  <p:tag name="ARTICULATE_SLIDE_GUID" val="6d983b37-ed36-4d89-91eb-86a0ebbb8b1c"/>
-  <p:tag name="ARTICULATE_SLIDE_NAV" val="11"/>
-</p:tagLst>
-</file>
-
-<file path=ppt/tags/tag27.xml><?xml version="1.0" encoding="utf-8"?>
-<p:tagLst xmlns:a="http://schemas.openxmlformats.org/drawingml/2006/main" xmlns:r="http://schemas.openxmlformats.org/officeDocument/2006/relationships" xmlns:p="http://schemas.openxmlformats.org/presentationml/2006/main">
   <p:tag name="ELAPSEDTIME" val="85.416"/>
   <p:tag name="ARTICULATE_SLIDE_PAUSE" val="0"/>
   <p:tag name="ARTICULATE_NAV_LEVEL" val="1"/>
@@ -18938,14 +20043,14 @@
 </p:tagLst>
 </file>
 
-<file path=ppt/tags/tag28.xml><?xml version="1.0" encoding="utf-8"?>
+<file path=ppt/tags/tag26.xml><?xml version="1.0" encoding="utf-8"?>
 <p:tagLst xmlns:a="http://schemas.openxmlformats.org/drawingml/2006/main" xmlns:r="http://schemas.openxmlformats.org/officeDocument/2006/relationships" xmlns:p="http://schemas.openxmlformats.org/presentationml/2006/main">
   <p:tag name="ARTICULATE_PUBLISH_MODE" val="2"/>
   <p:tag name="ARTICULATE_SOURCE_IMAGE" val="C:\Users\a0850458\AppData\Local\Temp\articulate\presenter\imgtemp\IJc0dKkU_files\slide0001_image001.gif"/>
 </p:tagLst>
 </file>
 
-<file path=ppt/tags/tag29.xml><?xml version="1.0" encoding="utf-8"?>
+<file path=ppt/tags/tag27.xml><?xml version="1.0" encoding="utf-8"?>
 <p:tagLst xmlns:a="http://schemas.openxmlformats.org/drawingml/2006/main" xmlns:r="http://schemas.openxmlformats.org/officeDocument/2006/relationships" xmlns:p="http://schemas.openxmlformats.org/presentationml/2006/main">
   <p:tag name="ELAPSEDTIME" val="34.635"/>
   <p:tag name="ARTICULATE_SLIDE_PAUSE" val="0"/>
@@ -19980,27 +21085,10 @@
 </file>
 
 <file path=customXml/item1.xml><?xml version="1.0" encoding="utf-8"?>
-<p:properties xmlns:p="http://schemas.microsoft.com/office/2006/metadata/properties" xmlns:xsi="http://www.w3.org/2001/XMLSchema-instance">
-  <documentManagement>
-    <Content_x0020_Owner xmlns="99c847d8-566e-43ce-87b7-3c417d164c47">Ramroop, Saffie</Content_x0020_Owner>
-  </documentManagement>
-</p:properties>
+<LongProperties xmlns="http://schemas.microsoft.com/office/2006/metadata/longProperties"/>
 </file>
 
 <file path=customXml/item2.xml><?xml version="1.0" encoding="utf-8"?>
-<LongProperties xmlns="http://schemas.microsoft.com/office/2006/metadata/longProperties"/>
-</file>
-
-<file path=customXml/item3.xml><?xml version="1.0" encoding="utf-8"?>
-<?mso-contentType ?>
-<FormTemplates xmlns="http://schemas.microsoft.com/sharepoint/v3/contenttype/forms">
-  <Display>DocumentLibraryForm</Display>
-  <Edit>DocumentLibraryForm</Edit>
-  <New>DocumentLibraryForm</New>
-</FormTemplates>
-</file>
-
-<file path=customXml/item4.xml><?xml version="1.0" encoding="utf-8"?>
 <ct:contentTypeSchema xmlns:ct="http://schemas.microsoft.com/office/2006/metadata/contentType" xmlns:ma="http://schemas.microsoft.com/office/2006/metadata/properties/metaAttributes" ct:_="" ma:_="" ma:contentTypeName="Document" ma:contentTypeID="0x0101006BF34EDD2AB14F49969AD5B68D65D28C" ma:contentTypeVersion="1" ma:contentTypeDescription="Create a new document." ma:contentTypeScope="" ma:versionID="aec3fda75a9471671297bbb4606d1d91">
   <xsd:schema xmlns:xsd="http://www.w3.org/2001/XMLSchema" xmlns:p="http://schemas.microsoft.com/office/2006/metadata/properties" xmlns:ns2="99c847d8-566e-43ce-87b7-3c417d164c47" targetNamespace="http://schemas.microsoft.com/office/2006/metadata/properties" ma:root="true" ma:fieldsID="6b49c4b1e87cfd71c9528e3cb8636bc2" ns2:_="">
     <xsd:import namespace="99c847d8-566e-43ce-87b7-3c417d164c47"/>
@@ -20062,16 +21150,24 @@
 </ct:contentTypeSchema>
 </file>
 
-<file path=customXml/itemProps1.xml><?xml version="1.0" encoding="utf-8"?>
-<ds:datastoreItem xmlns:ds="http://schemas.openxmlformats.org/officeDocument/2006/customXml" ds:itemID="{7CBBC1DF-22C6-4C0C-A1CC-096D390C1463}">
-  <ds:schemaRefs>
-    <ds:schemaRef ds:uri="http://schemas.microsoft.com/office/2006/metadata/properties"/>
-    <ds:schemaRef ds:uri="99c847d8-566e-43ce-87b7-3c417d164c47"/>
-  </ds:schemaRefs>
-</ds:datastoreItem>
+<file path=customXml/item3.xml><?xml version="1.0" encoding="utf-8"?>
+<?mso-contentType ?>
+<FormTemplates xmlns="http://schemas.microsoft.com/sharepoint/v3/contenttype/forms">
+  <Display>DocumentLibraryForm</Display>
+  <Edit>DocumentLibraryForm</Edit>
+  <New>DocumentLibraryForm</New>
+</FormTemplates>
 </file>
 
-<file path=customXml/itemProps2.xml><?xml version="1.0" encoding="utf-8"?>
+<file path=customXml/item4.xml><?xml version="1.0" encoding="utf-8"?>
+<p:properties xmlns:p="http://schemas.microsoft.com/office/2006/metadata/properties" xmlns:xsi="http://www.w3.org/2001/XMLSchema-instance">
+  <documentManagement>
+    <Content_x0020_Owner xmlns="99c847d8-566e-43ce-87b7-3c417d164c47">Ramroop, Saffie</Content_x0020_Owner>
+  </documentManagement>
+</p:properties>
+</file>
+
+<file path=customXml/itemProps1.xml><?xml version="1.0" encoding="utf-8"?>
 <ds:datastoreItem xmlns:ds="http://schemas.openxmlformats.org/officeDocument/2006/customXml" ds:itemID="{08087394-933C-48A1-8AD9-030539CA3EF7}">
   <ds:schemaRefs>
     <ds:schemaRef ds:uri="http://schemas.microsoft.com/office/2006/metadata/longProperties"/>
@@ -20079,15 +21175,7 @@
 </ds:datastoreItem>
 </file>
 
-<file path=customXml/itemProps3.xml><?xml version="1.0" encoding="utf-8"?>
-<ds:datastoreItem xmlns:ds="http://schemas.openxmlformats.org/officeDocument/2006/customXml" ds:itemID="{9247FEFF-82D0-4BBE-AA2E-6E8C28F7BBE5}">
-  <ds:schemaRefs>
-    <ds:schemaRef ds:uri="http://schemas.microsoft.com/sharepoint/v3/contenttype/forms"/>
-  </ds:schemaRefs>
-</ds:datastoreItem>
-</file>
-
-<file path=customXml/itemProps4.xml><?xml version="1.0" encoding="utf-8"?>
+<file path=customXml/itemProps2.xml><?xml version="1.0" encoding="utf-8"?>
 <ds:datastoreItem xmlns:ds="http://schemas.openxmlformats.org/officeDocument/2006/customXml" ds:itemID="{83529300-F1B4-4E63-A67B-9E50D1598C67}">
   <ds:schemaRefs>
     <ds:schemaRef ds:uri="http://schemas.microsoft.com/office/2006/metadata/contentType"/>
@@ -20102,4 +21190,21 @@
     <ds:schemaRef ds:uri="http://schemas.microsoft.com/office/internal/2005/internalDocumentation"/>
   </ds:schemaRefs>
 </ds:datastoreItem>
+</file>
+
+<file path=customXml/itemProps3.xml><?xml version="1.0" encoding="utf-8"?>
+<ds:datastoreItem xmlns:ds="http://schemas.openxmlformats.org/officeDocument/2006/customXml" ds:itemID="{9247FEFF-82D0-4BBE-AA2E-6E8C28F7BBE5}">
+  <ds:schemaRefs>
+    <ds:schemaRef ds:uri="http://schemas.microsoft.com/sharepoint/v3/contenttype/forms"/>
+  </ds:schemaRefs>
+</ds:datastoreItem>
+</file>
+
+<file path=customXml/itemProps4.xml><?xml version="1.0" encoding="utf-8"?>
+<ds:datastoreItem xmlns:ds="http://schemas.openxmlformats.org/officeDocument/2006/customXml" ds:itemID="{7CBBC1DF-22C6-4C0C-A1CC-096D390C1463}">
+  <ds:schemaRefs>
+    <ds:schemaRef ds:uri="http://schemas.microsoft.com/office/2006/metadata/properties"/>
+    <ds:schemaRef ds:uri="99c847d8-566e-43ce-87b7-3c417d164c47"/>
+  </ds:schemaRefs>
+</ds:datastoreItem>
 </file>